--- a/Project 3.pptx
+++ b/Project 3.pptx
@@ -5,7 +5,12 @@
     <p:sldMasterId id="2147483648" r:id="rId1"/>
   </p:sldMasterIdLst>
   <p:sldIdLst>
-    <p:sldId id="256" r:id="rId2"/>
+    <p:sldId id="258" r:id="rId2"/>
+    <p:sldId id="256" r:id="rId3"/>
+    <p:sldId id="257" r:id="rId4"/>
+    <p:sldId id="259" r:id="rId5"/>
+    <p:sldId id="260" r:id="rId6"/>
+    <p:sldId id="261" r:id="rId7"/>
   </p:sldIdLst>
   <p:sldSz cx="12192000" cy="6858000"/>
   <p:notesSz cx="6858000" cy="9144000"/>
@@ -115,9 +120,2541 @@
 <file path=ppt/revisionInfo.xml><?xml version="1.0" encoding="utf-8"?>
 <p1510:revInfo xmlns:a="http://schemas.openxmlformats.org/drawingml/2006/main" xmlns:r="http://schemas.openxmlformats.org/officeDocument/2006/relationships" xmlns:p1510="http://schemas.microsoft.com/office/powerpoint/2015/10/main">
   <p1510:revLst>
-    <p1510:client id="{CA4EE6C6-F2E3-934D-5197-50300404017B}" v="2" dt="2024-04-07T09:22:07.647"/>
+    <p1510:client id="{DF5B53E3-8317-6456-3585-18546D93DFE3}" v="201" dt="2024-04-14T19:50:20.165"/>
   </p1510:revLst>
 </p1510:revInfo>
+</file>
+
+<file path=ppt/diagrams/colors1.xml><?xml version="1.0" encoding="utf-8"?>
+<dgm:colorsDef xmlns:dgm="http://schemas.openxmlformats.org/drawingml/2006/diagram" xmlns:a="http://schemas.openxmlformats.org/drawingml/2006/main" uniqueId="urn:microsoft.com/office/officeart/2005/8/colors/colorful2">
+  <dgm:title val=""/>
+  <dgm:desc val=""/>
+  <dgm:catLst>
+    <dgm:cat type="colorful" pri="10200"/>
+  </dgm:catLst>
+  <dgm:styleLbl name="node0">
+    <dgm:fillClrLst meth="repeat">
+      <a:schemeClr val="accent1"/>
+    </dgm:fillClrLst>
+    <dgm:linClrLst meth="repeat">
+      <a:schemeClr val="lt1"/>
+    </dgm:linClrLst>
+    <dgm:effectClrLst/>
+    <dgm:txLinClrLst/>
+    <dgm:txFillClrLst/>
+    <dgm:txEffectClrLst/>
+  </dgm:styleLbl>
+  <dgm:styleLbl name="node1">
+    <dgm:fillClrLst>
+      <a:schemeClr val="accent2"/>
+      <a:schemeClr val="accent3"/>
+    </dgm:fillClrLst>
+    <dgm:linClrLst meth="repeat">
+      <a:schemeClr val="lt1"/>
+    </dgm:linClrLst>
+    <dgm:effectClrLst/>
+    <dgm:txLinClrLst/>
+    <dgm:txFillClrLst/>
+    <dgm:txEffectClrLst/>
+  </dgm:styleLbl>
+  <dgm:styleLbl name="alignNode1">
+    <dgm:fillClrLst>
+      <a:schemeClr val="accent2"/>
+      <a:schemeClr val="accent3"/>
+    </dgm:fillClrLst>
+    <dgm:linClrLst>
+      <a:schemeClr val="accent2"/>
+      <a:schemeClr val="accent3"/>
+    </dgm:linClrLst>
+    <dgm:effectClrLst/>
+    <dgm:txLinClrLst/>
+    <dgm:txFillClrLst/>
+    <dgm:txEffectClrLst/>
+  </dgm:styleLbl>
+  <dgm:styleLbl name="lnNode1">
+    <dgm:fillClrLst>
+      <a:schemeClr val="accent2"/>
+      <a:schemeClr val="accent3"/>
+    </dgm:fillClrLst>
+    <dgm:linClrLst meth="repeat">
+      <a:schemeClr val="lt1"/>
+    </dgm:linClrLst>
+    <dgm:effectClrLst/>
+    <dgm:txLinClrLst/>
+    <dgm:txFillClrLst/>
+    <dgm:txEffectClrLst/>
+  </dgm:styleLbl>
+  <dgm:styleLbl name="vennNode1">
+    <dgm:fillClrLst>
+      <a:schemeClr val="accent2">
+        <a:alpha val="50000"/>
+      </a:schemeClr>
+      <a:schemeClr val="accent3">
+        <a:alpha val="50000"/>
+      </a:schemeClr>
+    </dgm:fillClrLst>
+    <dgm:linClrLst meth="repeat">
+      <a:schemeClr val="lt1"/>
+    </dgm:linClrLst>
+    <dgm:effectClrLst/>
+    <dgm:txLinClrLst/>
+    <dgm:txFillClrLst/>
+    <dgm:txEffectClrLst/>
+  </dgm:styleLbl>
+  <dgm:styleLbl name="node2">
+    <dgm:fillClrLst>
+      <a:schemeClr val="accent3"/>
+    </dgm:fillClrLst>
+    <dgm:linClrLst meth="repeat">
+      <a:schemeClr val="lt1"/>
+    </dgm:linClrLst>
+    <dgm:effectClrLst/>
+    <dgm:txLinClrLst/>
+    <dgm:txFillClrLst/>
+    <dgm:txEffectClrLst/>
+  </dgm:styleLbl>
+  <dgm:styleLbl name="node3">
+    <dgm:fillClrLst>
+      <a:schemeClr val="accent4"/>
+    </dgm:fillClrLst>
+    <dgm:linClrLst meth="repeat">
+      <a:schemeClr val="lt1"/>
+    </dgm:linClrLst>
+    <dgm:effectClrLst/>
+    <dgm:txLinClrLst/>
+    <dgm:txFillClrLst/>
+    <dgm:txEffectClrLst/>
+  </dgm:styleLbl>
+  <dgm:styleLbl name="node4">
+    <dgm:fillClrLst>
+      <a:schemeClr val="accent5"/>
+    </dgm:fillClrLst>
+    <dgm:linClrLst meth="repeat">
+      <a:schemeClr val="lt1"/>
+    </dgm:linClrLst>
+    <dgm:effectClrLst/>
+    <dgm:txLinClrLst/>
+    <dgm:txFillClrLst/>
+    <dgm:txEffectClrLst/>
+  </dgm:styleLbl>
+  <dgm:styleLbl name="fgImgPlace1">
+    <dgm:fillClrLst>
+      <a:schemeClr val="accent2">
+        <a:tint val="50000"/>
+      </a:schemeClr>
+      <a:schemeClr val="accent3">
+        <a:tint val="50000"/>
+      </a:schemeClr>
+    </dgm:fillClrLst>
+    <dgm:linClrLst meth="repeat">
+      <a:schemeClr val="lt1"/>
+    </dgm:linClrLst>
+    <dgm:effectClrLst/>
+    <dgm:txLinClrLst/>
+    <dgm:txFillClrLst meth="repeat">
+      <a:schemeClr val="lt1"/>
+    </dgm:txFillClrLst>
+    <dgm:txEffectClrLst/>
+  </dgm:styleLbl>
+  <dgm:styleLbl name="alignImgPlace1">
+    <dgm:fillClrLst>
+      <a:schemeClr val="accent2">
+        <a:tint val="50000"/>
+      </a:schemeClr>
+      <a:schemeClr val="accent3">
+        <a:tint val="20000"/>
+      </a:schemeClr>
+    </dgm:fillClrLst>
+    <dgm:linClrLst meth="repeat">
+      <a:schemeClr val="lt1"/>
+    </dgm:linClrLst>
+    <dgm:effectClrLst/>
+    <dgm:txLinClrLst/>
+    <dgm:txFillClrLst meth="repeat">
+      <a:schemeClr val="lt1"/>
+    </dgm:txFillClrLst>
+    <dgm:txEffectClrLst/>
+  </dgm:styleLbl>
+  <dgm:styleLbl name="bgImgPlace1">
+    <dgm:fillClrLst>
+      <a:schemeClr val="accent2">
+        <a:tint val="50000"/>
+      </a:schemeClr>
+      <a:schemeClr val="accent3">
+        <a:tint val="20000"/>
+      </a:schemeClr>
+    </dgm:fillClrLst>
+    <dgm:linClrLst meth="repeat">
+      <a:schemeClr val="lt1"/>
+    </dgm:linClrLst>
+    <dgm:effectClrLst/>
+    <dgm:txLinClrLst/>
+    <dgm:txFillClrLst meth="repeat">
+      <a:schemeClr val="lt1"/>
+    </dgm:txFillClrLst>
+    <dgm:txEffectClrLst/>
+  </dgm:styleLbl>
+  <dgm:styleLbl name="sibTrans2D1">
+    <dgm:fillClrLst>
+      <a:schemeClr val="accent2"/>
+      <a:schemeClr val="accent3"/>
+    </dgm:fillClrLst>
+    <dgm:linClrLst meth="repeat">
+      <a:schemeClr val="lt1"/>
+    </dgm:linClrLst>
+    <dgm:effectClrLst/>
+    <dgm:txLinClrLst/>
+    <dgm:txFillClrLst/>
+    <dgm:txEffectClrLst/>
+  </dgm:styleLbl>
+  <dgm:styleLbl name="fgSibTrans2D1">
+    <dgm:fillClrLst>
+      <a:schemeClr val="accent2"/>
+      <a:schemeClr val="accent3"/>
+    </dgm:fillClrLst>
+    <dgm:linClrLst meth="repeat">
+      <a:schemeClr val="lt1"/>
+    </dgm:linClrLst>
+    <dgm:effectClrLst/>
+    <dgm:txLinClrLst/>
+    <dgm:txFillClrLst meth="repeat">
+      <a:schemeClr val="lt1"/>
+    </dgm:txFillClrLst>
+    <dgm:txEffectClrLst/>
+  </dgm:styleLbl>
+  <dgm:styleLbl name="bgSibTrans2D1">
+    <dgm:fillClrLst>
+      <a:schemeClr val="accent2"/>
+      <a:schemeClr val="accent3"/>
+    </dgm:fillClrLst>
+    <dgm:linClrLst meth="repeat">
+      <a:schemeClr val="lt1"/>
+    </dgm:linClrLst>
+    <dgm:effectClrLst/>
+    <dgm:txLinClrLst/>
+    <dgm:txFillClrLst meth="repeat">
+      <a:schemeClr val="lt1"/>
+    </dgm:txFillClrLst>
+    <dgm:txEffectClrLst/>
+  </dgm:styleLbl>
+  <dgm:styleLbl name="sibTrans1D1">
+    <dgm:fillClrLst/>
+    <dgm:linClrLst>
+      <a:schemeClr val="accent2"/>
+      <a:schemeClr val="accent3"/>
+    </dgm:linClrLst>
+    <dgm:effectClrLst/>
+    <dgm:txLinClrLst/>
+    <dgm:txFillClrLst meth="repeat">
+      <a:schemeClr val="tx1"/>
+    </dgm:txFillClrLst>
+    <dgm:txEffectClrLst/>
+  </dgm:styleLbl>
+  <dgm:styleLbl name="callout">
+    <dgm:fillClrLst meth="repeat">
+      <a:schemeClr val="accent2"/>
+    </dgm:fillClrLst>
+    <dgm:linClrLst meth="repeat">
+      <a:schemeClr val="accent2">
+        <a:tint val="50000"/>
+      </a:schemeClr>
+    </dgm:linClrLst>
+    <dgm:effectClrLst/>
+    <dgm:txLinClrLst/>
+    <dgm:txFillClrLst meth="repeat">
+      <a:schemeClr val="tx1"/>
+    </dgm:txFillClrLst>
+    <dgm:txEffectClrLst/>
+  </dgm:styleLbl>
+  <dgm:styleLbl name="asst0">
+    <dgm:fillClrLst meth="repeat">
+      <a:schemeClr val="accent2"/>
+    </dgm:fillClrLst>
+    <dgm:linClrLst meth="repeat">
+      <a:schemeClr val="lt1">
+        <a:shade val="80000"/>
+      </a:schemeClr>
+    </dgm:linClrLst>
+    <dgm:effectClrLst/>
+    <dgm:txLinClrLst/>
+    <dgm:txFillClrLst/>
+    <dgm:txEffectClrLst/>
+  </dgm:styleLbl>
+  <dgm:styleLbl name="asst1">
+    <dgm:fillClrLst meth="repeat">
+      <a:schemeClr val="accent3"/>
+    </dgm:fillClrLst>
+    <dgm:linClrLst meth="repeat">
+      <a:schemeClr val="lt1">
+        <a:shade val="80000"/>
+      </a:schemeClr>
+    </dgm:linClrLst>
+    <dgm:effectClrLst/>
+    <dgm:txLinClrLst/>
+    <dgm:txFillClrLst/>
+    <dgm:txEffectClrLst/>
+  </dgm:styleLbl>
+  <dgm:styleLbl name="asst2">
+    <dgm:fillClrLst>
+      <a:schemeClr val="accent4"/>
+    </dgm:fillClrLst>
+    <dgm:linClrLst meth="repeat">
+      <a:schemeClr val="lt1"/>
+    </dgm:linClrLst>
+    <dgm:effectClrLst/>
+    <dgm:txLinClrLst/>
+    <dgm:txFillClrLst/>
+    <dgm:txEffectClrLst/>
+  </dgm:styleLbl>
+  <dgm:styleLbl name="asst3">
+    <dgm:fillClrLst>
+      <a:schemeClr val="accent5"/>
+    </dgm:fillClrLst>
+    <dgm:linClrLst meth="repeat">
+      <a:schemeClr val="lt1"/>
+    </dgm:linClrLst>
+    <dgm:effectClrLst/>
+    <dgm:txLinClrLst/>
+    <dgm:txFillClrLst/>
+    <dgm:txEffectClrLst/>
+  </dgm:styleLbl>
+  <dgm:styleLbl name="asst4">
+    <dgm:fillClrLst>
+      <a:schemeClr val="accent6"/>
+    </dgm:fillClrLst>
+    <dgm:linClrLst meth="repeat">
+      <a:schemeClr val="lt1"/>
+    </dgm:linClrLst>
+    <dgm:effectClrLst/>
+    <dgm:txLinClrLst/>
+    <dgm:txFillClrLst/>
+    <dgm:txEffectClrLst/>
+  </dgm:styleLbl>
+  <dgm:styleLbl name="parChTrans2D1">
+    <dgm:fillClrLst meth="repeat">
+      <a:schemeClr val="accent2"/>
+    </dgm:fillClrLst>
+    <dgm:linClrLst meth="repeat">
+      <a:schemeClr val="lt1"/>
+    </dgm:linClrLst>
+    <dgm:effectClrLst/>
+    <dgm:txLinClrLst/>
+    <dgm:txFillClrLst meth="repeat">
+      <a:schemeClr val="lt1"/>
+    </dgm:txFillClrLst>
+    <dgm:txEffectClrLst/>
+  </dgm:styleLbl>
+  <dgm:styleLbl name="parChTrans2D2">
+    <dgm:fillClrLst meth="repeat">
+      <a:schemeClr val="accent3"/>
+    </dgm:fillClrLst>
+    <dgm:linClrLst meth="repeat">
+      <a:schemeClr val="lt1"/>
+    </dgm:linClrLst>
+    <dgm:effectClrLst/>
+    <dgm:txLinClrLst/>
+    <dgm:txFillClrLst/>
+    <dgm:txEffectClrLst/>
+  </dgm:styleLbl>
+  <dgm:styleLbl name="parChTrans2D3">
+    <dgm:fillClrLst meth="repeat">
+      <a:schemeClr val="accent4"/>
+    </dgm:fillClrLst>
+    <dgm:linClrLst meth="repeat">
+      <a:schemeClr val="lt1"/>
+    </dgm:linClrLst>
+    <dgm:effectClrLst/>
+    <dgm:txLinClrLst/>
+    <dgm:txFillClrLst/>
+    <dgm:txEffectClrLst/>
+  </dgm:styleLbl>
+  <dgm:styleLbl name="parChTrans2D4">
+    <dgm:fillClrLst meth="repeat">
+      <a:schemeClr val="accent5"/>
+    </dgm:fillClrLst>
+    <dgm:linClrLst meth="repeat">
+      <a:schemeClr val="lt1"/>
+    </dgm:linClrLst>
+    <dgm:effectClrLst/>
+    <dgm:txLinClrLst/>
+    <dgm:txFillClrLst meth="repeat">
+      <a:schemeClr val="lt1"/>
+    </dgm:txFillClrLst>
+    <dgm:txEffectClrLst/>
+  </dgm:styleLbl>
+  <dgm:styleLbl name="parChTrans1D1">
+    <dgm:fillClrLst meth="repeat">
+      <a:schemeClr val="accent2"/>
+    </dgm:fillClrLst>
+    <dgm:linClrLst meth="repeat">
+      <a:schemeClr val="accent2"/>
+    </dgm:linClrLst>
+    <dgm:effectClrLst/>
+    <dgm:txLinClrLst/>
+    <dgm:txFillClrLst meth="repeat">
+      <a:schemeClr val="tx1"/>
+    </dgm:txFillClrLst>
+    <dgm:txEffectClrLst/>
+  </dgm:styleLbl>
+  <dgm:styleLbl name="parChTrans1D2">
+    <dgm:fillClrLst meth="repeat">
+      <a:schemeClr val="accent2">
+        <a:tint val="90000"/>
+      </a:schemeClr>
+    </dgm:fillClrLst>
+    <dgm:linClrLst meth="repeat">
+      <a:schemeClr val="accent3"/>
+    </dgm:linClrLst>
+    <dgm:effectClrLst/>
+    <dgm:txLinClrLst/>
+    <dgm:txFillClrLst meth="repeat">
+      <a:schemeClr val="tx1"/>
+    </dgm:txFillClrLst>
+    <dgm:txEffectClrLst/>
+  </dgm:styleLbl>
+  <dgm:styleLbl name="parChTrans1D3">
+    <dgm:fillClrLst meth="repeat">
+      <a:schemeClr val="accent2">
+        <a:tint val="70000"/>
+      </a:schemeClr>
+    </dgm:fillClrLst>
+    <dgm:linClrLst meth="repeat">
+      <a:schemeClr val="accent4"/>
+    </dgm:linClrLst>
+    <dgm:effectClrLst/>
+    <dgm:txLinClrLst/>
+    <dgm:txFillClrLst meth="repeat">
+      <a:schemeClr val="tx1"/>
+    </dgm:txFillClrLst>
+    <dgm:txEffectClrLst/>
+  </dgm:styleLbl>
+  <dgm:styleLbl name="parChTrans1D4">
+    <dgm:fillClrLst meth="repeat">
+      <a:schemeClr val="accent2">
+        <a:tint val="50000"/>
+      </a:schemeClr>
+    </dgm:fillClrLst>
+    <dgm:linClrLst meth="repeat">
+      <a:schemeClr val="accent5"/>
+    </dgm:linClrLst>
+    <dgm:effectClrLst/>
+    <dgm:txLinClrLst/>
+    <dgm:txFillClrLst meth="repeat">
+      <a:schemeClr val="tx1"/>
+    </dgm:txFillClrLst>
+    <dgm:txEffectClrLst/>
+  </dgm:styleLbl>
+  <dgm:styleLbl name="fgAcc1">
+    <dgm:fillClrLst meth="repeat">
+      <a:schemeClr val="lt1">
+        <a:alpha val="90000"/>
+      </a:schemeClr>
+    </dgm:fillClrLst>
+    <dgm:linClrLst>
+      <a:schemeClr val="accent2"/>
+      <a:schemeClr val="accent3"/>
+    </dgm:linClrLst>
+    <dgm:effectClrLst/>
+    <dgm:txLinClrLst/>
+    <dgm:txFillClrLst meth="repeat">
+      <a:schemeClr val="dk1"/>
+    </dgm:txFillClrLst>
+    <dgm:txEffectClrLst/>
+  </dgm:styleLbl>
+  <dgm:styleLbl name="conFgAcc1">
+    <dgm:fillClrLst meth="repeat">
+      <a:schemeClr val="lt1">
+        <a:alpha val="90000"/>
+      </a:schemeClr>
+    </dgm:fillClrLst>
+    <dgm:linClrLst>
+      <a:schemeClr val="accent2"/>
+      <a:schemeClr val="accent3"/>
+    </dgm:linClrLst>
+    <dgm:effectClrLst/>
+    <dgm:txLinClrLst/>
+    <dgm:txFillClrLst meth="repeat">
+      <a:schemeClr val="dk1"/>
+    </dgm:txFillClrLst>
+    <dgm:txEffectClrLst/>
+  </dgm:styleLbl>
+  <dgm:styleLbl name="alignAcc1">
+    <dgm:fillClrLst meth="repeat">
+      <a:schemeClr val="lt1">
+        <a:alpha val="90000"/>
+      </a:schemeClr>
+    </dgm:fillClrLst>
+    <dgm:linClrLst>
+      <a:schemeClr val="accent2"/>
+      <a:schemeClr val="accent3"/>
+    </dgm:linClrLst>
+    <dgm:effectClrLst/>
+    <dgm:txLinClrLst/>
+    <dgm:txFillClrLst meth="repeat">
+      <a:schemeClr val="dk1"/>
+    </dgm:txFillClrLst>
+    <dgm:txEffectClrLst/>
+  </dgm:styleLbl>
+  <dgm:styleLbl name="trAlignAcc1">
+    <dgm:fillClrLst meth="repeat">
+      <a:schemeClr val="lt1">
+        <a:alpha val="40000"/>
+      </a:schemeClr>
+    </dgm:fillClrLst>
+    <dgm:linClrLst meth="repeat">
+      <a:schemeClr val="accent2"/>
+    </dgm:linClrLst>
+    <dgm:effectClrLst/>
+    <dgm:txLinClrLst/>
+    <dgm:txFillClrLst meth="repeat">
+      <a:schemeClr val="dk1"/>
+    </dgm:txFillClrLst>
+    <dgm:txEffectClrLst/>
+  </dgm:styleLbl>
+  <dgm:styleLbl name="bgAcc1">
+    <dgm:fillClrLst meth="repeat">
+      <a:schemeClr val="lt1">
+        <a:alpha val="90000"/>
+      </a:schemeClr>
+    </dgm:fillClrLst>
+    <dgm:linClrLst>
+      <a:schemeClr val="accent2"/>
+      <a:schemeClr val="accent3"/>
+    </dgm:linClrLst>
+    <dgm:effectClrLst/>
+    <dgm:txLinClrLst/>
+    <dgm:txFillClrLst meth="repeat">
+      <a:schemeClr val="dk1"/>
+    </dgm:txFillClrLst>
+    <dgm:txEffectClrLst/>
+  </dgm:styleLbl>
+  <dgm:styleLbl name="solidFgAcc1">
+    <dgm:fillClrLst meth="repeat">
+      <a:schemeClr val="lt1"/>
+    </dgm:fillClrLst>
+    <dgm:linClrLst>
+      <a:schemeClr val="accent2"/>
+      <a:schemeClr val="accent3"/>
+    </dgm:linClrLst>
+    <dgm:effectClrLst/>
+    <dgm:txLinClrLst/>
+    <dgm:txFillClrLst meth="repeat">
+      <a:schemeClr val="dk1"/>
+    </dgm:txFillClrLst>
+    <dgm:txEffectClrLst/>
+  </dgm:styleLbl>
+  <dgm:styleLbl name="solidAlignAcc1">
+    <dgm:fillClrLst meth="repeat">
+      <a:schemeClr val="lt1"/>
+    </dgm:fillClrLst>
+    <dgm:linClrLst>
+      <a:schemeClr val="accent2"/>
+      <a:schemeClr val="accent3"/>
+    </dgm:linClrLst>
+    <dgm:effectClrLst/>
+    <dgm:txLinClrLst/>
+    <dgm:txFillClrLst meth="repeat">
+      <a:schemeClr val="dk1"/>
+    </dgm:txFillClrLst>
+    <dgm:txEffectClrLst/>
+  </dgm:styleLbl>
+  <dgm:styleLbl name="solidBgAcc1">
+    <dgm:fillClrLst meth="repeat">
+      <a:schemeClr val="lt1"/>
+    </dgm:fillClrLst>
+    <dgm:linClrLst>
+      <a:schemeClr val="accent2"/>
+      <a:schemeClr val="accent3"/>
+    </dgm:linClrLst>
+    <dgm:effectClrLst/>
+    <dgm:txLinClrLst/>
+    <dgm:txFillClrLst meth="repeat">
+      <a:schemeClr val="dk1"/>
+    </dgm:txFillClrLst>
+    <dgm:txEffectClrLst/>
+  </dgm:styleLbl>
+  <dgm:styleLbl name="fgAccFollowNode1">
+    <dgm:fillClrLst>
+      <a:schemeClr val="accent2">
+        <a:tint val="40000"/>
+        <a:alpha val="90000"/>
+      </a:schemeClr>
+      <a:schemeClr val="accent3">
+        <a:tint val="40000"/>
+        <a:alpha val="90000"/>
+      </a:schemeClr>
+    </dgm:fillClrLst>
+    <dgm:linClrLst>
+      <a:schemeClr val="accent2">
+        <a:tint val="40000"/>
+        <a:alpha val="90000"/>
+      </a:schemeClr>
+      <a:schemeClr val="accent3">
+        <a:tint val="40000"/>
+        <a:alpha val="90000"/>
+      </a:schemeClr>
+    </dgm:linClrLst>
+    <dgm:effectClrLst/>
+    <dgm:txLinClrLst/>
+    <dgm:txFillClrLst meth="repeat">
+      <a:schemeClr val="dk1"/>
+    </dgm:txFillClrLst>
+    <dgm:txEffectClrLst/>
+  </dgm:styleLbl>
+  <dgm:styleLbl name="alignAccFollowNode1">
+    <dgm:fillClrLst>
+      <a:schemeClr val="accent2">
+        <a:tint val="40000"/>
+        <a:alpha val="90000"/>
+      </a:schemeClr>
+      <a:schemeClr val="accent3">
+        <a:tint val="40000"/>
+        <a:alpha val="90000"/>
+      </a:schemeClr>
+    </dgm:fillClrLst>
+    <dgm:linClrLst>
+      <a:schemeClr val="accent2">
+        <a:tint val="40000"/>
+        <a:alpha val="90000"/>
+      </a:schemeClr>
+      <a:schemeClr val="accent3">
+        <a:tint val="40000"/>
+        <a:alpha val="90000"/>
+      </a:schemeClr>
+    </dgm:linClrLst>
+    <dgm:effectClrLst/>
+    <dgm:txLinClrLst/>
+    <dgm:txFillClrLst meth="repeat">
+      <a:schemeClr val="dk1"/>
+    </dgm:txFillClrLst>
+    <dgm:txEffectClrLst/>
+  </dgm:styleLbl>
+  <dgm:styleLbl name="bgAccFollowNode1">
+    <dgm:fillClrLst>
+      <a:schemeClr val="accent2">
+        <a:tint val="40000"/>
+        <a:alpha val="90000"/>
+      </a:schemeClr>
+      <a:schemeClr val="accent3">
+        <a:tint val="40000"/>
+        <a:alpha val="90000"/>
+      </a:schemeClr>
+    </dgm:fillClrLst>
+    <dgm:linClrLst>
+      <a:schemeClr val="accent2">
+        <a:tint val="40000"/>
+        <a:alpha val="90000"/>
+      </a:schemeClr>
+      <a:schemeClr val="accent3">
+        <a:tint val="40000"/>
+        <a:alpha val="90000"/>
+      </a:schemeClr>
+    </dgm:linClrLst>
+    <dgm:effectClrLst/>
+    <dgm:txLinClrLst/>
+    <dgm:txFillClrLst meth="repeat">
+      <a:schemeClr val="dk1"/>
+    </dgm:txFillClrLst>
+    <dgm:txEffectClrLst/>
+  </dgm:styleLbl>
+  <dgm:styleLbl name="fgAcc0">
+    <dgm:fillClrLst meth="repeat">
+      <a:schemeClr val="lt1">
+        <a:alpha val="90000"/>
+      </a:schemeClr>
+    </dgm:fillClrLst>
+    <dgm:linClrLst>
+      <a:schemeClr val="accent1"/>
+    </dgm:linClrLst>
+    <dgm:effectClrLst/>
+    <dgm:txLinClrLst/>
+    <dgm:txFillClrLst meth="repeat">
+      <a:schemeClr val="dk1"/>
+    </dgm:txFillClrLst>
+    <dgm:txEffectClrLst/>
+  </dgm:styleLbl>
+  <dgm:styleLbl name="fgAcc2">
+    <dgm:fillClrLst meth="repeat">
+      <a:schemeClr val="lt1">
+        <a:alpha val="90000"/>
+      </a:schemeClr>
+    </dgm:fillClrLst>
+    <dgm:linClrLst>
+      <a:schemeClr val="accent3"/>
+    </dgm:linClrLst>
+    <dgm:effectClrLst/>
+    <dgm:txLinClrLst/>
+    <dgm:txFillClrLst meth="repeat">
+      <a:schemeClr val="dk1"/>
+    </dgm:txFillClrLst>
+    <dgm:txEffectClrLst/>
+  </dgm:styleLbl>
+  <dgm:styleLbl name="fgAcc3">
+    <dgm:fillClrLst meth="repeat">
+      <a:schemeClr val="lt1">
+        <a:alpha val="90000"/>
+      </a:schemeClr>
+    </dgm:fillClrLst>
+    <dgm:linClrLst>
+      <a:schemeClr val="accent4"/>
+    </dgm:linClrLst>
+    <dgm:effectClrLst/>
+    <dgm:txLinClrLst/>
+    <dgm:txFillClrLst meth="repeat">
+      <a:schemeClr val="dk1"/>
+    </dgm:txFillClrLst>
+    <dgm:txEffectClrLst/>
+  </dgm:styleLbl>
+  <dgm:styleLbl name="fgAcc4">
+    <dgm:fillClrLst meth="repeat">
+      <a:schemeClr val="lt1">
+        <a:alpha val="90000"/>
+      </a:schemeClr>
+    </dgm:fillClrLst>
+    <dgm:linClrLst>
+      <a:schemeClr val="accent5"/>
+    </dgm:linClrLst>
+    <dgm:effectClrLst/>
+    <dgm:txLinClrLst/>
+    <dgm:txFillClrLst meth="repeat">
+      <a:schemeClr val="dk1"/>
+    </dgm:txFillClrLst>
+    <dgm:txEffectClrLst/>
+  </dgm:styleLbl>
+  <dgm:styleLbl name="bgShp">
+    <dgm:fillClrLst meth="repeat">
+      <a:schemeClr val="accent2">
+        <a:tint val="40000"/>
+      </a:schemeClr>
+    </dgm:fillClrLst>
+    <dgm:linClrLst meth="repeat">
+      <a:schemeClr val="dk1"/>
+    </dgm:linClrLst>
+    <dgm:effectClrLst/>
+    <dgm:txLinClrLst/>
+    <dgm:txFillClrLst meth="repeat">
+      <a:schemeClr val="dk1"/>
+    </dgm:txFillClrLst>
+    <dgm:txEffectClrLst/>
+  </dgm:styleLbl>
+  <dgm:styleLbl name="dkBgShp">
+    <dgm:fillClrLst meth="repeat">
+      <a:schemeClr val="accent2">
+        <a:shade val="90000"/>
+      </a:schemeClr>
+    </dgm:fillClrLst>
+    <dgm:linClrLst meth="repeat">
+      <a:schemeClr val="dk1"/>
+    </dgm:linClrLst>
+    <dgm:effectClrLst/>
+    <dgm:txLinClrLst/>
+    <dgm:txFillClrLst meth="repeat">
+      <a:schemeClr val="lt1"/>
+    </dgm:txFillClrLst>
+    <dgm:txEffectClrLst/>
+  </dgm:styleLbl>
+  <dgm:styleLbl name="trBgShp">
+    <dgm:fillClrLst meth="repeat">
+      <a:schemeClr val="accent2">
+        <a:tint val="50000"/>
+        <a:alpha val="40000"/>
+      </a:schemeClr>
+    </dgm:fillClrLst>
+    <dgm:linClrLst meth="repeat">
+      <a:schemeClr val="accent2"/>
+    </dgm:linClrLst>
+    <dgm:effectClrLst/>
+    <dgm:txLinClrLst/>
+    <dgm:txFillClrLst meth="repeat">
+      <a:schemeClr val="lt1"/>
+    </dgm:txFillClrLst>
+    <dgm:txEffectClrLst/>
+  </dgm:styleLbl>
+  <dgm:styleLbl name="fgShp">
+    <dgm:fillClrLst meth="repeat">
+      <a:schemeClr val="accent2">
+        <a:tint val="40000"/>
+      </a:schemeClr>
+    </dgm:fillClrLst>
+    <dgm:linClrLst meth="repeat">
+      <a:schemeClr val="lt1"/>
+    </dgm:linClrLst>
+    <dgm:effectClrLst/>
+    <dgm:txLinClrLst/>
+    <dgm:txFillClrLst meth="repeat">
+      <a:schemeClr val="dk1"/>
+    </dgm:txFillClrLst>
+    <dgm:txEffectClrLst/>
+  </dgm:styleLbl>
+  <dgm:styleLbl name="revTx">
+    <dgm:fillClrLst meth="repeat">
+      <a:schemeClr val="lt1">
+        <a:alpha val="0"/>
+      </a:schemeClr>
+    </dgm:fillClrLst>
+    <dgm:linClrLst meth="repeat">
+      <a:schemeClr val="dk1">
+        <a:alpha val="0"/>
+      </a:schemeClr>
+    </dgm:linClrLst>
+    <dgm:effectClrLst/>
+    <dgm:txLinClrLst/>
+    <dgm:txFillClrLst meth="repeat">
+      <a:schemeClr val="tx1"/>
+    </dgm:txFillClrLst>
+    <dgm:txEffectClrLst/>
+  </dgm:styleLbl>
+</dgm:colorsDef>
+</file>
+
+<file path=ppt/diagrams/data1.xml><?xml version="1.0" encoding="utf-8"?>
+<dgm:dataModel xmlns:dgm="http://schemas.openxmlformats.org/drawingml/2006/diagram" xmlns:a="http://schemas.openxmlformats.org/drawingml/2006/main">
+  <dgm:ptLst>
+    <dgm:pt modelId="{11567A49-6BB5-40EA-AAB7-7BF1AEFD298E}" type="doc">
+      <dgm:prSet loTypeId="urn:microsoft.com/office/officeart/2005/8/layout/default" loCatId="list" qsTypeId="urn:microsoft.com/office/officeart/2005/8/quickstyle/simple4" qsCatId="simple" csTypeId="urn:microsoft.com/office/officeart/2005/8/colors/colorful2" csCatId="colorful" phldr="1"/>
+      <dgm:spPr/>
+      <dgm:t>
+        <a:bodyPr/>
+        <a:lstStyle/>
+        <a:p>
+          <a:endParaRPr lang="en-US"/>
+        </a:p>
+      </dgm:t>
+    </dgm:pt>
+    <dgm:pt modelId="{63CE97DC-5651-43AF-91C5-E937119B0754}">
+      <dgm:prSet/>
+      <dgm:spPr/>
+      <dgm:t>
+        <a:bodyPr/>
+        <a:lstStyle/>
+        <a:p>
+          <a:r>
+            <a:rPr lang="en-US" dirty="0" err="1"/>
+            <a:t>Черный</a:t>
+          </a:r>
+          <a:r>
+            <a:rPr lang="en-US" dirty="0"/>
+            <a:t> </a:t>
+          </a:r>
+          <a:r>
+            <a:rPr lang="en-US" dirty="0" err="1"/>
+            <a:t>список</a:t>
+          </a:r>
+          <a:r>
+            <a:rPr lang="en-US" dirty="0"/>
+            <a:t> - </a:t>
+          </a:r>
+          <a:r>
+            <a:rPr lang="en-US" dirty="0" err="1"/>
+            <a:t>пользователи</a:t>
+          </a:r>
+          <a:r>
+            <a:rPr lang="en-US" dirty="0"/>
+            <a:t> </a:t>
+          </a:r>
+          <a:r>
+            <a:rPr lang="en-US" dirty="0" err="1"/>
+            <a:t>которых</a:t>
+          </a:r>
+          <a:r>
+            <a:rPr lang="en-US" dirty="0"/>
+            <a:t> </a:t>
+          </a:r>
+          <a:r>
+            <a:rPr lang="en-US" dirty="0" err="1"/>
+            <a:t>не</a:t>
+          </a:r>
+          <a:r>
+            <a:rPr lang="en-US" dirty="0"/>
+            <a:t> </a:t>
+          </a:r>
+          <a:r>
+            <a:rPr lang="en-US" dirty="0" err="1"/>
+            <a:t>нужно</a:t>
+          </a:r>
+          <a:r>
+            <a:rPr lang="en-US" dirty="0"/>
+            <a:t> </a:t>
+          </a:r>
+          <a:r>
+            <a:rPr lang="en-US" dirty="0" err="1"/>
+            <a:t>обрабатывать</a:t>
+          </a:r>
+        </a:p>
+      </dgm:t>
+    </dgm:pt>
+    <dgm:pt modelId="{FE5E0C80-C67E-4A6A-81F8-2BC3460233B4}" type="parTrans" cxnId="{9743862D-26B0-4C6C-BBF4-3C4901020822}">
+      <dgm:prSet/>
+      <dgm:spPr/>
+      <dgm:t>
+        <a:bodyPr/>
+        <a:lstStyle/>
+        <a:p>
+          <a:endParaRPr lang="en-US"/>
+        </a:p>
+      </dgm:t>
+    </dgm:pt>
+    <dgm:pt modelId="{6772D6AB-19AC-4631-9211-10BB8E0DDA19}" type="sibTrans" cxnId="{9743862D-26B0-4C6C-BBF4-3C4901020822}">
+      <dgm:prSet/>
+      <dgm:spPr/>
+      <dgm:t>
+        <a:bodyPr/>
+        <a:lstStyle/>
+        <a:p>
+          <a:endParaRPr lang="en-US"/>
+        </a:p>
+      </dgm:t>
+    </dgm:pt>
+    <dgm:pt modelId="{72E373E4-0860-44CD-909E-5DEF8B80E481}">
+      <dgm:prSet/>
+      <dgm:spPr/>
+      <dgm:t>
+        <a:bodyPr/>
+        <a:lstStyle/>
+        <a:p>
+          <a:pPr rtl="0"/>
+          <a:r>
+            <a:rPr lang="en-US" dirty="0" err="1"/>
+            <a:t>Белый</a:t>
+          </a:r>
+          <a:r>
+            <a:rPr lang="en-US" dirty="0"/>
+            <a:t> </a:t>
+          </a:r>
+          <a:r>
+            <a:rPr lang="en-US" dirty="0" err="1"/>
+            <a:t>список</a:t>
+          </a:r>
+          <a:r>
+            <a:rPr lang="en-US" dirty="0"/>
+            <a:t> - </a:t>
+          </a:r>
+          <a:r>
+            <a:rPr lang="en-US" dirty="0" err="1"/>
+            <a:t>только</a:t>
+          </a:r>
+          <a:r>
+            <a:rPr lang="en-US" dirty="0">
+              <a:latin typeface="Aptos Display" panose="020F0302020204030204"/>
+            </a:rPr>
+            <a:t> </a:t>
+          </a:r>
+          <a:r>
+            <a:rPr lang="en-US" dirty="0" err="1">
+              <a:latin typeface="Aptos Display" panose="020F0302020204030204"/>
+            </a:rPr>
+            <a:t>те</a:t>
+          </a:r>
+          <a:r>
+            <a:rPr lang="en-US" dirty="0">
+              <a:latin typeface="Aptos Display" panose="020F0302020204030204"/>
+            </a:rPr>
+            <a:t> </a:t>
+          </a:r>
+          <a:r>
+            <a:rPr lang="en-US" dirty="0" err="1"/>
+            <a:t>пользователи</a:t>
+          </a:r>
+          <a:r>
+            <a:rPr lang="en-US" dirty="0"/>
+            <a:t>, </a:t>
+          </a:r>
+          <a:r>
+            <a:rPr lang="en-US" dirty="0" err="1"/>
+            <a:t>которых</a:t>
+          </a:r>
+          <a:r>
+            <a:rPr lang="en-US" dirty="0"/>
+            <a:t> </a:t>
+          </a:r>
+          <a:r>
+            <a:rPr lang="en-US" dirty="0" err="1"/>
+            <a:t>нужно</a:t>
+          </a:r>
+          <a:r>
+            <a:rPr lang="en-US" dirty="0"/>
+            <a:t> </a:t>
+          </a:r>
+          <a:r>
+            <a:rPr lang="en-US" dirty="0" err="1"/>
+            <a:t>обрабатывать</a:t>
+          </a:r>
+          <a:endParaRPr lang="en-US" dirty="0"/>
+        </a:p>
+      </dgm:t>
+    </dgm:pt>
+    <dgm:pt modelId="{F3E19BF5-220E-4D01-90F6-128EE2B755EC}" type="parTrans" cxnId="{20FCCBBE-91F1-44AF-BC51-382D662FF6AF}">
+      <dgm:prSet/>
+      <dgm:spPr/>
+      <dgm:t>
+        <a:bodyPr/>
+        <a:lstStyle/>
+        <a:p>
+          <a:endParaRPr lang="en-US"/>
+        </a:p>
+      </dgm:t>
+    </dgm:pt>
+    <dgm:pt modelId="{14B42577-3573-46E0-9285-5A1DF8298DD1}" type="sibTrans" cxnId="{20FCCBBE-91F1-44AF-BC51-382D662FF6AF}">
+      <dgm:prSet/>
+      <dgm:spPr/>
+      <dgm:t>
+        <a:bodyPr/>
+        <a:lstStyle/>
+        <a:p>
+          <a:endParaRPr lang="en-US"/>
+        </a:p>
+      </dgm:t>
+    </dgm:pt>
+    <dgm:pt modelId="{EC66DA12-A9E6-48F6-93DC-8776BB8D6C15}" type="pres">
+      <dgm:prSet presAssocID="{11567A49-6BB5-40EA-AAB7-7BF1AEFD298E}" presName="diagram" presStyleCnt="0">
+        <dgm:presLayoutVars>
+          <dgm:dir/>
+          <dgm:resizeHandles val="exact"/>
+        </dgm:presLayoutVars>
+      </dgm:prSet>
+      <dgm:spPr/>
+    </dgm:pt>
+    <dgm:pt modelId="{949485E9-5746-4E65-A4C8-522A847BA7C9}" type="pres">
+      <dgm:prSet presAssocID="{63CE97DC-5651-43AF-91C5-E937119B0754}" presName="node" presStyleLbl="node1" presStyleIdx="0" presStyleCnt="2">
+        <dgm:presLayoutVars>
+          <dgm:bulletEnabled val="1"/>
+        </dgm:presLayoutVars>
+      </dgm:prSet>
+      <dgm:spPr/>
+    </dgm:pt>
+    <dgm:pt modelId="{B9539390-7F67-40A3-905F-0D4FC680622E}" type="pres">
+      <dgm:prSet presAssocID="{6772D6AB-19AC-4631-9211-10BB8E0DDA19}" presName="sibTrans" presStyleCnt="0"/>
+      <dgm:spPr/>
+    </dgm:pt>
+    <dgm:pt modelId="{F5FC485B-E7F9-4628-BD68-DCC7C57217FA}" type="pres">
+      <dgm:prSet presAssocID="{72E373E4-0860-44CD-909E-5DEF8B80E481}" presName="node" presStyleLbl="node1" presStyleIdx="1" presStyleCnt="2">
+        <dgm:presLayoutVars>
+          <dgm:bulletEnabled val="1"/>
+        </dgm:presLayoutVars>
+      </dgm:prSet>
+      <dgm:spPr/>
+    </dgm:pt>
+  </dgm:ptLst>
+  <dgm:cxnLst>
+    <dgm:cxn modelId="{02A1D017-00BD-4E97-92ED-21A5D24587C2}" type="presOf" srcId="{72E373E4-0860-44CD-909E-5DEF8B80E481}" destId="{F5FC485B-E7F9-4628-BD68-DCC7C57217FA}" srcOrd="0" destOrd="0" presId="urn:microsoft.com/office/officeart/2005/8/layout/default"/>
+    <dgm:cxn modelId="{9743862D-26B0-4C6C-BBF4-3C4901020822}" srcId="{11567A49-6BB5-40EA-AAB7-7BF1AEFD298E}" destId="{63CE97DC-5651-43AF-91C5-E937119B0754}" srcOrd="0" destOrd="0" parTransId="{FE5E0C80-C67E-4A6A-81F8-2BC3460233B4}" sibTransId="{6772D6AB-19AC-4631-9211-10BB8E0DDA19}"/>
+    <dgm:cxn modelId="{9E212133-D0A5-4697-BB5B-CD894BAF1062}" type="presOf" srcId="{63CE97DC-5651-43AF-91C5-E937119B0754}" destId="{949485E9-5746-4E65-A4C8-522A847BA7C9}" srcOrd="0" destOrd="0" presId="urn:microsoft.com/office/officeart/2005/8/layout/default"/>
+    <dgm:cxn modelId="{EC193B35-55EF-42E3-A9FA-13AFFAECCF35}" type="presOf" srcId="{11567A49-6BB5-40EA-AAB7-7BF1AEFD298E}" destId="{EC66DA12-A9E6-48F6-93DC-8776BB8D6C15}" srcOrd="0" destOrd="0" presId="urn:microsoft.com/office/officeart/2005/8/layout/default"/>
+    <dgm:cxn modelId="{20FCCBBE-91F1-44AF-BC51-382D662FF6AF}" srcId="{11567A49-6BB5-40EA-AAB7-7BF1AEFD298E}" destId="{72E373E4-0860-44CD-909E-5DEF8B80E481}" srcOrd="1" destOrd="0" parTransId="{F3E19BF5-220E-4D01-90F6-128EE2B755EC}" sibTransId="{14B42577-3573-46E0-9285-5A1DF8298DD1}"/>
+    <dgm:cxn modelId="{8CBBF89D-8F89-46CD-80AC-FBBB82006ECB}" type="presParOf" srcId="{EC66DA12-A9E6-48F6-93DC-8776BB8D6C15}" destId="{949485E9-5746-4E65-A4C8-522A847BA7C9}" srcOrd="0" destOrd="0" presId="urn:microsoft.com/office/officeart/2005/8/layout/default"/>
+    <dgm:cxn modelId="{30C45156-7A9B-49E2-9D10-A741E9208643}" type="presParOf" srcId="{EC66DA12-A9E6-48F6-93DC-8776BB8D6C15}" destId="{B9539390-7F67-40A3-905F-0D4FC680622E}" srcOrd="1" destOrd="0" presId="urn:microsoft.com/office/officeart/2005/8/layout/default"/>
+    <dgm:cxn modelId="{A607BC8F-2363-4426-8639-05FCA2324F95}" type="presParOf" srcId="{EC66DA12-A9E6-48F6-93DC-8776BB8D6C15}" destId="{F5FC485B-E7F9-4628-BD68-DCC7C57217FA}" srcOrd="2" destOrd="0" presId="urn:microsoft.com/office/officeart/2005/8/layout/default"/>
+  </dgm:cxnLst>
+  <dgm:bg/>
+  <dgm:whole/>
+  <dgm:extLst>
+    <a:ext uri="http://schemas.microsoft.com/office/drawing/2008/diagram">
+      <dsp:dataModelExt xmlns:dsp="http://schemas.microsoft.com/office/drawing/2008/diagram" relId="rId7" minVer="http://schemas.openxmlformats.org/drawingml/2006/diagram"/>
+    </a:ext>
+  </dgm:extLst>
+</dgm:dataModel>
+</file>
+
+<file path=ppt/diagrams/drawing1.xml><?xml version="1.0" encoding="utf-8"?>
+<dsp:drawing xmlns:dgm="http://schemas.openxmlformats.org/drawingml/2006/diagram" xmlns:dsp="http://schemas.microsoft.com/office/drawing/2008/diagram" xmlns:a="http://schemas.openxmlformats.org/drawingml/2006/main">
+  <dsp:spTree>
+    <dsp:nvGrpSpPr>
+      <dsp:cNvPr id="0" name=""/>
+      <dsp:cNvGrpSpPr/>
+    </dsp:nvGrpSpPr>
+    <dsp:grpSpPr/>
+    <dsp:sp modelId="{949485E9-5746-4E65-A4C8-522A847BA7C9}">
+      <dsp:nvSpPr>
+        <dsp:cNvPr id="0" name=""/>
+        <dsp:cNvSpPr/>
+      </dsp:nvSpPr>
+      <dsp:spPr>
+        <a:xfrm>
+          <a:off x="1283" y="673807"/>
+          <a:ext cx="5006206" cy="3003723"/>
+        </a:xfrm>
+        <a:prstGeom prst="rect">
+          <a:avLst/>
+        </a:prstGeom>
+        <a:gradFill rotWithShape="0">
+          <a:gsLst>
+            <a:gs pos="0">
+              <a:schemeClr val="accent2">
+                <a:hueOff val="0"/>
+                <a:satOff val="0"/>
+                <a:lumOff val="0"/>
+                <a:alphaOff val="0"/>
+                <a:satMod val="103000"/>
+                <a:lumMod val="102000"/>
+                <a:tint val="94000"/>
+              </a:schemeClr>
+            </a:gs>
+            <a:gs pos="50000">
+              <a:schemeClr val="accent2">
+                <a:hueOff val="0"/>
+                <a:satOff val="0"/>
+                <a:lumOff val="0"/>
+                <a:alphaOff val="0"/>
+                <a:satMod val="110000"/>
+                <a:lumMod val="100000"/>
+                <a:shade val="100000"/>
+              </a:schemeClr>
+            </a:gs>
+            <a:gs pos="100000">
+              <a:schemeClr val="accent2">
+                <a:hueOff val="0"/>
+                <a:satOff val="0"/>
+                <a:lumOff val="0"/>
+                <a:alphaOff val="0"/>
+                <a:lumMod val="99000"/>
+                <a:satMod val="120000"/>
+                <a:shade val="78000"/>
+              </a:schemeClr>
+            </a:gs>
+          </a:gsLst>
+          <a:lin ang="5400000" scaled="0"/>
+        </a:gradFill>
+        <a:ln>
+          <a:noFill/>
+        </a:ln>
+        <a:effectLst/>
+      </dsp:spPr>
+      <dsp:style>
+        <a:lnRef idx="0">
+          <a:scrgbClr r="0" g="0" b="0"/>
+        </a:lnRef>
+        <a:fillRef idx="3">
+          <a:scrgbClr r="0" g="0" b="0"/>
+        </a:fillRef>
+        <a:effectRef idx="2">
+          <a:scrgbClr r="0" g="0" b="0"/>
+        </a:effectRef>
+        <a:fontRef idx="minor">
+          <a:schemeClr val="lt1"/>
+        </a:fontRef>
+      </dsp:style>
+      <dsp:txBody>
+        <a:bodyPr spcFirstLastPara="0" vert="horz" wrap="square" lIns="144780" tIns="144780" rIns="144780" bIns="144780" numCol="1" spcCol="1270" anchor="ctr" anchorCtr="0">
+          <a:noAutofit/>
+        </a:bodyPr>
+        <a:lstStyle/>
+        <a:p>
+          <a:pPr marL="0" lvl="0" indent="0" algn="ctr" defTabSz="1689100">
+            <a:lnSpc>
+              <a:spcPct val="90000"/>
+            </a:lnSpc>
+            <a:spcBef>
+              <a:spcPct val="0"/>
+            </a:spcBef>
+            <a:spcAft>
+              <a:spcPct val="35000"/>
+            </a:spcAft>
+            <a:buNone/>
+          </a:pPr>
+          <a:r>
+            <a:rPr lang="en-US" sz="3800" kern="1200" dirty="0" err="1"/>
+            <a:t>Черный</a:t>
+          </a:r>
+          <a:r>
+            <a:rPr lang="en-US" sz="3800" kern="1200" dirty="0"/>
+            <a:t> </a:t>
+          </a:r>
+          <a:r>
+            <a:rPr lang="en-US" sz="3800" kern="1200" dirty="0" err="1"/>
+            <a:t>список</a:t>
+          </a:r>
+          <a:r>
+            <a:rPr lang="en-US" sz="3800" kern="1200" dirty="0"/>
+            <a:t> - </a:t>
+          </a:r>
+          <a:r>
+            <a:rPr lang="en-US" sz="3800" kern="1200" dirty="0" err="1"/>
+            <a:t>пользователи</a:t>
+          </a:r>
+          <a:r>
+            <a:rPr lang="en-US" sz="3800" kern="1200" dirty="0"/>
+            <a:t> </a:t>
+          </a:r>
+          <a:r>
+            <a:rPr lang="en-US" sz="3800" kern="1200" dirty="0" err="1"/>
+            <a:t>которых</a:t>
+          </a:r>
+          <a:r>
+            <a:rPr lang="en-US" sz="3800" kern="1200" dirty="0"/>
+            <a:t> </a:t>
+          </a:r>
+          <a:r>
+            <a:rPr lang="en-US" sz="3800" kern="1200" dirty="0" err="1"/>
+            <a:t>не</a:t>
+          </a:r>
+          <a:r>
+            <a:rPr lang="en-US" sz="3800" kern="1200" dirty="0"/>
+            <a:t> </a:t>
+          </a:r>
+          <a:r>
+            <a:rPr lang="en-US" sz="3800" kern="1200" dirty="0" err="1"/>
+            <a:t>нужно</a:t>
+          </a:r>
+          <a:r>
+            <a:rPr lang="en-US" sz="3800" kern="1200" dirty="0"/>
+            <a:t> </a:t>
+          </a:r>
+          <a:r>
+            <a:rPr lang="en-US" sz="3800" kern="1200" dirty="0" err="1"/>
+            <a:t>обрабатывать</a:t>
+          </a:r>
+        </a:p>
+      </dsp:txBody>
+      <dsp:txXfrm>
+        <a:off x="1283" y="673807"/>
+        <a:ext cx="5006206" cy="3003723"/>
+      </dsp:txXfrm>
+    </dsp:sp>
+    <dsp:sp modelId="{F5FC485B-E7F9-4628-BD68-DCC7C57217FA}">
+      <dsp:nvSpPr>
+        <dsp:cNvPr id="0" name=""/>
+        <dsp:cNvSpPr/>
+      </dsp:nvSpPr>
+      <dsp:spPr>
+        <a:xfrm>
+          <a:off x="5508110" y="673807"/>
+          <a:ext cx="5006206" cy="3003723"/>
+        </a:xfrm>
+        <a:prstGeom prst="rect">
+          <a:avLst/>
+        </a:prstGeom>
+        <a:gradFill rotWithShape="0">
+          <a:gsLst>
+            <a:gs pos="0">
+              <a:schemeClr val="accent2">
+                <a:hueOff val="6443614"/>
+                <a:satOff val="-18493"/>
+                <a:lumOff val="-29609"/>
+                <a:alphaOff val="0"/>
+                <a:satMod val="103000"/>
+                <a:lumMod val="102000"/>
+                <a:tint val="94000"/>
+              </a:schemeClr>
+            </a:gs>
+            <a:gs pos="50000">
+              <a:schemeClr val="accent2">
+                <a:hueOff val="6443614"/>
+                <a:satOff val="-18493"/>
+                <a:lumOff val="-29609"/>
+                <a:alphaOff val="0"/>
+                <a:satMod val="110000"/>
+                <a:lumMod val="100000"/>
+                <a:shade val="100000"/>
+              </a:schemeClr>
+            </a:gs>
+            <a:gs pos="100000">
+              <a:schemeClr val="accent2">
+                <a:hueOff val="6443614"/>
+                <a:satOff val="-18493"/>
+                <a:lumOff val="-29609"/>
+                <a:alphaOff val="0"/>
+                <a:lumMod val="99000"/>
+                <a:satMod val="120000"/>
+                <a:shade val="78000"/>
+              </a:schemeClr>
+            </a:gs>
+          </a:gsLst>
+          <a:lin ang="5400000" scaled="0"/>
+        </a:gradFill>
+        <a:ln>
+          <a:noFill/>
+        </a:ln>
+        <a:effectLst/>
+      </dsp:spPr>
+      <dsp:style>
+        <a:lnRef idx="0">
+          <a:scrgbClr r="0" g="0" b="0"/>
+        </a:lnRef>
+        <a:fillRef idx="3">
+          <a:scrgbClr r="0" g="0" b="0"/>
+        </a:fillRef>
+        <a:effectRef idx="2">
+          <a:scrgbClr r="0" g="0" b="0"/>
+        </a:effectRef>
+        <a:fontRef idx="minor">
+          <a:schemeClr val="lt1"/>
+        </a:fontRef>
+      </dsp:style>
+      <dsp:txBody>
+        <a:bodyPr spcFirstLastPara="0" vert="horz" wrap="square" lIns="144780" tIns="144780" rIns="144780" bIns="144780" numCol="1" spcCol="1270" anchor="ctr" anchorCtr="0">
+          <a:noAutofit/>
+        </a:bodyPr>
+        <a:lstStyle/>
+        <a:p>
+          <a:pPr marL="0" lvl="0" indent="0" algn="ctr" defTabSz="1689100" rtl="0">
+            <a:lnSpc>
+              <a:spcPct val="90000"/>
+            </a:lnSpc>
+            <a:spcBef>
+              <a:spcPct val="0"/>
+            </a:spcBef>
+            <a:spcAft>
+              <a:spcPct val="35000"/>
+            </a:spcAft>
+            <a:buNone/>
+          </a:pPr>
+          <a:r>
+            <a:rPr lang="en-US" sz="3800" kern="1200" dirty="0" err="1"/>
+            <a:t>Белый</a:t>
+          </a:r>
+          <a:r>
+            <a:rPr lang="en-US" sz="3800" kern="1200" dirty="0"/>
+            <a:t> </a:t>
+          </a:r>
+          <a:r>
+            <a:rPr lang="en-US" sz="3800" kern="1200" dirty="0" err="1"/>
+            <a:t>список</a:t>
+          </a:r>
+          <a:r>
+            <a:rPr lang="en-US" sz="3800" kern="1200" dirty="0"/>
+            <a:t> - </a:t>
+          </a:r>
+          <a:r>
+            <a:rPr lang="en-US" sz="3800" kern="1200" dirty="0" err="1"/>
+            <a:t>только</a:t>
+          </a:r>
+          <a:r>
+            <a:rPr lang="en-US" sz="3800" kern="1200" dirty="0">
+              <a:latin typeface="Aptos Display" panose="020F0302020204030204"/>
+            </a:rPr>
+            <a:t> </a:t>
+          </a:r>
+          <a:r>
+            <a:rPr lang="en-US" sz="3800" kern="1200" dirty="0" err="1">
+              <a:latin typeface="Aptos Display" panose="020F0302020204030204"/>
+            </a:rPr>
+            <a:t>те</a:t>
+          </a:r>
+          <a:r>
+            <a:rPr lang="en-US" sz="3800" kern="1200" dirty="0">
+              <a:latin typeface="Aptos Display" panose="020F0302020204030204"/>
+            </a:rPr>
+            <a:t> </a:t>
+          </a:r>
+          <a:r>
+            <a:rPr lang="en-US" sz="3800" kern="1200" dirty="0" err="1"/>
+            <a:t>пользователи</a:t>
+          </a:r>
+          <a:r>
+            <a:rPr lang="en-US" sz="3800" kern="1200" dirty="0"/>
+            <a:t>, </a:t>
+          </a:r>
+          <a:r>
+            <a:rPr lang="en-US" sz="3800" kern="1200" dirty="0" err="1"/>
+            <a:t>которых</a:t>
+          </a:r>
+          <a:r>
+            <a:rPr lang="en-US" sz="3800" kern="1200" dirty="0"/>
+            <a:t> </a:t>
+          </a:r>
+          <a:r>
+            <a:rPr lang="en-US" sz="3800" kern="1200" dirty="0" err="1"/>
+            <a:t>нужно</a:t>
+          </a:r>
+          <a:r>
+            <a:rPr lang="en-US" sz="3800" kern="1200" dirty="0"/>
+            <a:t> </a:t>
+          </a:r>
+          <a:r>
+            <a:rPr lang="en-US" sz="3800" kern="1200" dirty="0" err="1"/>
+            <a:t>обрабатывать</a:t>
+          </a:r>
+          <a:endParaRPr lang="en-US" sz="3800" kern="1200" dirty="0"/>
+        </a:p>
+      </dsp:txBody>
+      <dsp:txXfrm>
+        <a:off x="5508110" y="673807"/>
+        <a:ext cx="5006206" cy="3003723"/>
+      </dsp:txXfrm>
+    </dsp:sp>
+  </dsp:spTree>
+</dsp:drawing>
+</file>
+
+<file path=ppt/diagrams/layout1.xml><?xml version="1.0" encoding="utf-8"?>
+<dgm:layoutDef xmlns:dgm="http://schemas.openxmlformats.org/drawingml/2006/diagram" xmlns:a="http://schemas.openxmlformats.org/drawingml/2006/main" uniqueId="urn:microsoft.com/office/officeart/2005/8/layout/default">
+  <dgm:title val=""/>
+  <dgm:desc val=""/>
+  <dgm:catLst>
+    <dgm:cat type="list" pri="400"/>
+  </dgm:catLst>
+  <dgm:sampData>
+    <dgm:dataModel>
+      <dgm:ptLst>
+        <dgm:pt modelId="0" type="doc"/>
+        <dgm:pt modelId="1">
+          <dgm:prSet phldr="1"/>
+        </dgm:pt>
+        <dgm:pt modelId="2">
+          <dgm:prSet phldr="1"/>
+        </dgm:pt>
+        <dgm:pt modelId="3">
+          <dgm:prSet phldr="1"/>
+        </dgm:pt>
+        <dgm:pt modelId="4">
+          <dgm:prSet phldr="1"/>
+        </dgm:pt>
+        <dgm:pt modelId="5">
+          <dgm:prSet phldr="1"/>
+        </dgm:pt>
+      </dgm:ptLst>
+      <dgm:cxnLst>
+        <dgm:cxn modelId="6" srcId="0" destId="1" srcOrd="0" destOrd="0"/>
+        <dgm:cxn modelId="7" srcId="0" destId="2" srcOrd="1" destOrd="0"/>
+        <dgm:cxn modelId="8" srcId="0" destId="3" srcOrd="2" destOrd="0"/>
+        <dgm:cxn modelId="9" srcId="0" destId="4" srcOrd="3" destOrd="0"/>
+        <dgm:cxn modelId="10" srcId="0" destId="5" srcOrd="4" destOrd="0"/>
+      </dgm:cxnLst>
+      <dgm:bg/>
+      <dgm:whole/>
+    </dgm:dataModel>
+  </dgm:sampData>
+  <dgm:styleData>
+    <dgm:dataModel>
+      <dgm:ptLst>
+        <dgm:pt modelId="0" type="doc"/>
+        <dgm:pt modelId="1"/>
+        <dgm:pt modelId="2"/>
+      </dgm:ptLst>
+      <dgm:cxnLst>
+        <dgm:cxn modelId="3" srcId="0" destId="1" srcOrd="0" destOrd="0"/>
+        <dgm:cxn modelId="4" srcId="0" destId="2" srcOrd="1" destOrd="0"/>
+      </dgm:cxnLst>
+      <dgm:bg/>
+      <dgm:whole/>
+    </dgm:dataModel>
+  </dgm:styleData>
+  <dgm:clrData>
+    <dgm:dataModel>
+      <dgm:ptLst>
+        <dgm:pt modelId="0" type="doc"/>
+        <dgm:pt modelId="1"/>
+        <dgm:pt modelId="2"/>
+        <dgm:pt modelId="3"/>
+        <dgm:pt modelId="4"/>
+        <dgm:pt modelId="5"/>
+        <dgm:pt modelId="6"/>
+      </dgm:ptLst>
+      <dgm:cxnLst>
+        <dgm:cxn modelId="7" srcId="0" destId="1" srcOrd="0" destOrd="0"/>
+        <dgm:cxn modelId="8" srcId="0" destId="2" srcOrd="1" destOrd="0"/>
+        <dgm:cxn modelId="9" srcId="0" destId="3" srcOrd="2" destOrd="0"/>
+        <dgm:cxn modelId="10" srcId="0" destId="4" srcOrd="3" destOrd="0"/>
+        <dgm:cxn modelId="11" srcId="0" destId="5" srcOrd="4" destOrd="0"/>
+        <dgm:cxn modelId="12" srcId="0" destId="6" srcOrd="5" destOrd="0"/>
+      </dgm:cxnLst>
+      <dgm:bg/>
+      <dgm:whole/>
+    </dgm:dataModel>
+  </dgm:clrData>
+  <dgm:layoutNode name="diagram">
+    <dgm:varLst>
+      <dgm:dir/>
+      <dgm:resizeHandles val="exact"/>
+    </dgm:varLst>
+    <dgm:choose name="Name0">
+      <dgm:if name="Name1" func="var" arg="dir" op="equ" val="norm">
+        <dgm:alg type="snake">
+          <dgm:param type="grDir" val="tL"/>
+          <dgm:param type="flowDir" val="row"/>
+          <dgm:param type="contDir" val="sameDir"/>
+          <dgm:param type="off" val="ctr"/>
+        </dgm:alg>
+      </dgm:if>
+      <dgm:else name="Name2">
+        <dgm:alg type="snake">
+          <dgm:param type="grDir" val="tR"/>
+          <dgm:param type="flowDir" val="row"/>
+          <dgm:param type="contDir" val="sameDir"/>
+          <dgm:param type="off" val="ctr"/>
+        </dgm:alg>
+      </dgm:else>
+    </dgm:choose>
+    <dgm:shape xmlns:r="http://schemas.openxmlformats.org/officeDocument/2006/relationships" r:blip="">
+      <dgm:adjLst/>
+    </dgm:shape>
+    <dgm:presOf/>
+    <dgm:constrLst>
+      <dgm:constr type="w" for="ch" forName="node" refType="w"/>
+      <dgm:constr type="h" for="ch" forName="node" refType="w" refFor="ch" refForName="node" fact="0.6"/>
+      <dgm:constr type="w" for="ch" forName="sibTrans" refType="w" refFor="ch" refForName="node" fact="0.1"/>
+      <dgm:constr type="sp" refType="w" refFor="ch" refForName="sibTrans"/>
+      <dgm:constr type="primFontSz" for="ch" forName="node" op="equ" val="65"/>
+    </dgm:constrLst>
+    <dgm:ruleLst/>
+    <dgm:forEach name="Name3" axis="ch" ptType="node">
+      <dgm:layoutNode name="node">
+        <dgm:varLst>
+          <dgm:bulletEnabled val="1"/>
+        </dgm:varLst>
+        <dgm:alg type="tx"/>
+        <dgm:shape xmlns:r="http://schemas.openxmlformats.org/officeDocument/2006/relationships" type="rect" r:blip="">
+          <dgm:adjLst/>
+        </dgm:shape>
+        <dgm:presOf axis="desOrSelf" ptType="node"/>
+        <dgm:constrLst>
+          <dgm:constr type="lMarg" refType="primFontSz" fact="0.3"/>
+          <dgm:constr type="rMarg" refType="primFontSz" fact="0.3"/>
+          <dgm:constr type="tMarg" refType="primFontSz" fact="0.3"/>
+          <dgm:constr type="bMarg" refType="primFontSz" fact="0.3"/>
+        </dgm:constrLst>
+        <dgm:ruleLst>
+          <dgm:rule type="primFontSz" val="5" fact="NaN" max="NaN"/>
+        </dgm:ruleLst>
+      </dgm:layoutNode>
+      <dgm:forEach name="Name4" axis="followSib" ptType="sibTrans" cnt="1">
+        <dgm:layoutNode name="sibTrans">
+          <dgm:alg type="sp"/>
+          <dgm:shape xmlns:r="http://schemas.openxmlformats.org/officeDocument/2006/relationships" r:blip="">
+            <dgm:adjLst/>
+          </dgm:shape>
+          <dgm:presOf/>
+          <dgm:constrLst/>
+          <dgm:ruleLst/>
+        </dgm:layoutNode>
+      </dgm:forEach>
+    </dgm:forEach>
+  </dgm:layoutNode>
+</dgm:layoutDef>
+</file>
+
+<file path=ppt/diagrams/quickStyle1.xml><?xml version="1.0" encoding="utf-8"?>
+<dgm:styleDef xmlns:dgm="http://schemas.openxmlformats.org/drawingml/2006/diagram" xmlns:a="http://schemas.openxmlformats.org/drawingml/2006/main" uniqueId="urn:microsoft.com/office/officeart/2005/8/quickstyle/simple4">
+  <dgm:title val=""/>
+  <dgm:desc val=""/>
+  <dgm:catLst>
+    <dgm:cat type="simple" pri="10400"/>
+  </dgm:catLst>
+  <dgm:scene3d>
+    <a:camera prst="orthographicFront"/>
+    <a:lightRig rig="threePt" dir="t"/>
+  </dgm:scene3d>
+  <dgm:styleLbl name="node0">
+    <dgm:scene3d>
+      <a:camera prst="orthographicFront"/>
+      <a:lightRig rig="threePt" dir="t"/>
+    </dgm:scene3d>
+    <dgm:sp3d/>
+    <dgm:txPr/>
+    <dgm:style>
+      <a:lnRef idx="0">
+        <a:scrgbClr r="0" g="0" b="0"/>
+      </a:lnRef>
+      <a:fillRef idx="3">
+        <a:scrgbClr r="0" g="0" b="0"/>
+      </a:fillRef>
+      <a:effectRef idx="2">
+        <a:scrgbClr r="0" g="0" b="0"/>
+      </a:effectRef>
+      <a:fontRef idx="minor">
+        <a:schemeClr val="lt1"/>
+      </a:fontRef>
+    </dgm:style>
+  </dgm:styleLbl>
+  <dgm:styleLbl name="lnNode1">
+    <dgm:scene3d>
+      <a:camera prst="orthographicFront"/>
+      <a:lightRig rig="threePt" dir="t"/>
+    </dgm:scene3d>
+    <dgm:sp3d/>
+    <dgm:txPr/>
+    <dgm:style>
+      <a:lnRef idx="1">
+        <a:scrgbClr r="0" g="0" b="0"/>
+      </a:lnRef>
+      <a:fillRef idx="3">
+        <a:scrgbClr r="0" g="0" b="0"/>
+      </a:fillRef>
+      <a:effectRef idx="2">
+        <a:scrgbClr r="0" g="0" b="0"/>
+      </a:effectRef>
+      <a:fontRef idx="minor">
+        <a:schemeClr val="lt1"/>
+      </a:fontRef>
+    </dgm:style>
+  </dgm:styleLbl>
+  <dgm:styleLbl name="vennNode1">
+    <dgm:scene3d>
+      <a:camera prst="orthographicFront"/>
+      <a:lightRig rig="threePt" dir="t"/>
+    </dgm:scene3d>
+    <dgm:sp3d/>
+    <dgm:txPr/>
+    <dgm:style>
+      <a:lnRef idx="0">
+        <a:scrgbClr r="0" g="0" b="0"/>
+      </a:lnRef>
+      <a:fillRef idx="3">
+        <a:scrgbClr r="0" g="0" b="0"/>
+      </a:fillRef>
+      <a:effectRef idx="0">
+        <a:scrgbClr r="0" g="0" b="0"/>
+      </a:effectRef>
+      <a:fontRef idx="minor">
+        <a:schemeClr val="tx1"/>
+      </a:fontRef>
+    </dgm:style>
+  </dgm:styleLbl>
+  <dgm:styleLbl name="alignNode1">
+    <dgm:scene3d>
+      <a:camera prst="orthographicFront"/>
+      <a:lightRig rig="threePt" dir="t"/>
+    </dgm:scene3d>
+    <dgm:sp3d/>
+    <dgm:txPr/>
+    <dgm:style>
+      <a:lnRef idx="1">
+        <a:scrgbClr r="0" g="0" b="0"/>
+      </a:lnRef>
+      <a:fillRef idx="3">
+        <a:scrgbClr r="0" g="0" b="0"/>
+      </a:fillRef>
+      <a:effectRef idx="2">
+        <a:scrgbClr r="0" g="0" b="0"/>
+      </a:effectRef>
+      <a:fontRef idx="minor">
+        <a:schemeClr val="lt1"/>
+      </a:fontRef>
+    </dgm:style>
+  </dgm:styleLbl>
+  <dgm:styleLbl name="node1">
+    <dgm:scene3d>
+      <a:camera prst="orthographicFront"/>
+      <a:lightRig rig="threePt" dir="t"/>
+    </dgm:scene3d>
+    <dgm:sp3d/>
+    <dgm:txPr/>
+    <dgm:style>
+      <a:lnRef idx="0">
+        <a:scrgbClr r="0" g="0" b="0"/>
+      </a:lnRef>
+      <a:fillRef idx="3">
+        <a:scrgbClr r="0" g="0" b="0"/>
+      </a:fillRef>
+      <a:effectRef idx="2">
+        <a:scrgbClr r="0" g="0" b="0"/>
+      </a:effectRef>
+      <a:fontRef idx="minor">
+        <a:schemeClr val="lt1"/>
+      </a:fontRef>
+    </dgm:style>
+  </dgm:styleLbl>
+  <dgm:styleLbl name="node2">
+    <dgm:scene3d>
+      <a:camera prst="orthographicFront"/>
+      <a:lightRig rig="threePt" dir="t"/>
+    </dgm:scene3d>
+    <dgm:sp3d/>
+    <dgm:txPr/>
+    <dgm:style>
+      <a:lnRef idx="0">
+        <a:scrgbClr r="0" g="0" b="0"/>
+      </a:lnRef>
+      <a:fillRef idx="3">
+        <a:scrgbClr r="0" g="0" b="0"/>
+      </a:fillRef>
+      <a:effectRef idx="2">
+        <a:scrgbClr r="0" g="0" b="0"/>
+      </a:effectRef>
+      <a:fontRef idx="minor">
+        <a:schemeClr val="lt1"/>
+      </a:fontRef>
+    </dgm:style>
+  </dgm:styleLbl>
+  <dgm:styleLbl name="node3">
+    <dgm:scene3d>
+      <a:camera prst="orthographicFront"/>
+      <a:lightRig rig="threePt" dir="t"/>
+    </dgm:scene3d>
+    <dgm:sp3d/>
+    <dgm:txPr/>
+    <dgm:style>
+      <a:lnRef idx="0">
+        <a:scrgbClr r="0" g="0" b="0"/>
+      </a:lnRef>
+      <a:fillRef idx="3">
+        <a:scrgbClr r="0" g="0" b="0"/>
+      </a:fillRef>
+      <a:effectRef idx="2">
+        <a:scrgbClr r="0" g="0" b="0"/>
+      </a:effectRef>
+      <a:fontRef idx="minor">
+        <a:schemeClr val="lt1"/>
+      </a:fontRef>
+    </dgm:style>
+  </dgm:styleLbl>
+  <dgm:styleLbl name="node4">
+    <dgm:scene3d>
+      <a:camera prst="orthographicFront"/>
+      <a:lightRig rig="threePt" dir="t"/>
+    </dgm:scene3d>
+    <dgm:sp3d/>
+    <dgm:txPr/>
+    <dgm:style>
+      <a:lnRef idx="0">
+        <a:scrgbClr r="0" g="0" b="0"/>
+      </a:lnRef>
+      <a:fillRef idx="3">
+        <a:scrgbClr r="0" g="0" b="0"/>
+      </a:fillRef>
+      <a:effectRef idx="2">
+        <a:scrgbClr r="0" g="0" b="0"/>
+      </a:effectRef>
+      <a:fontRef idx="minor">
+        <a:schemeClr val="lt1"/>
+      </a:fontRef>
+    </dgm:style>
+  </dgm:styleLbl>
+  <dgm:styleLbl name="fgImgPlace1">
+    <dgm:scene3d>
+      <a:camera prst="orthographicFront"/>
+      <a:lightRig rig="threePt" dir="t"/>
+    </dgm:scene3d>
+    <dgm:sp3d/>
+    <dgm:txPr/>
+    <dgm:style>
+      <a:lnRef idx="0">
+        <a:scrgbClr r="0" g="0" b="0"/>
+      </a:lnRef>
+      <a:fillRef idx="1">
+        <a:scrgbClr r="0" g="0" b="0"/>
+      </a:fillRef>
+      <a:effectRef idx="2">
+        <a:scrgbClr r="0" g="0" b="0"/>
+      </a:effectRef>
+      <a:fontRef idx="minor"/>
+    </dgm:style>
+  </dgm:styleLbl>
+  <dgm:styleLbl name="alignImgPlace1">
+    <dgm:scene3d>
+      <a:camera prst="orthographicFront"/>
+      <a:lightRig rig="threePt" dir="t"/>
+    </dgm:scene3d>
+    <dgm:sp3d/>
+    <dgm:txPr/>
+    <dgm:style>
+      <a:lnRef idx="0">
+        <a:scrgbClr r="0" g="0" b="0"/>
+      </a:lnRef>
+      <a:fillRef idx="1">
+        <a:scrgbClr r="0" g="0" b="0"/>
+      </a:fillRef>
+      <a:effectRef idx="2">
+        <a:scrgbClr r="0" g="0" b="0"/>
+      </a:effectRef>
+      <a:fontRef idx="minor"/>
+    </dgm:style>
+  </dgm:styleLbl>
+  <dgm:styleLbl name="bgImgPlace1">
+    <dgm:scene3d>
+      <a:camera prst="orthographicFront"/>
+      <a:lightRig rig="threePt" dir="t"/>
+    </dgm:scene3d>
+    <dgm:sp3d/>
+    <dgm:txPr/>
+    <dgm:style>
+      <a:lnRef idx="0">
+        <a:scrgbClr r="0" g="0" b="0"/>
+      </a:lnRef>
+      <a:fillRef idx="1">
+        <a:scrgbClr r="0" g="0" b="0"/>
+      </a:fillRef>
+      <a:effectRef idx="2">
+        <a:scrgbClr r="0" g="0" b="0"/>
+      </a:effectRef>
+      <a:fontRef idx="minor"/>
+    </dgm:style>
+  </dgm:styleLbl>
+  <dgm:styleLbl name="sibTrans2D1">
+    <dgm:scene3d>
+      <a:camera prst="orthographicFront"/>
+      <a:lightRig rig="threePt" dir="t"/>
+    </dgm:scene3d>
+    <dgm:sp3d/>
+    <dgm:txPr/>
+    <dgm:style>
+      <a:lnRef idx="0">
+        <a:scrgbClr r="0" g="0" b="0"/>
+      </a:lnRef>
+      <a:fillRef idx="3">
+        <a:scrgbClr r="0" g="0" b="0"/>
+      </a:fillRef>
+      <a:effectRef idx="2">
+        <a:scrgbClr r="0" g="0" b="0"/>
+      </a:effectRef>
+      <a:fontRef idx="minor">
+        <a:schemeClr val="lt1"/>
+      </a:fontRef>
+    </dgm:style>
+  </dgm:styleLbl>
+  <dgm:styleLbl name="fgSibTrans2D1">
+    <dgm:scene3d>
+      <a:camera prst="orthographicFront"/>
+      <a:lightRig rig="threePt" dir="t"/>
+    </dgm:scene3d>
+    <dgm:sp3d/>
+    <dgm:txPr/>
+    <dgm:style>
+      <a:lnRef idx="0">
+        <a:scrgbClr r="0" g="0" b="0"/>
+      </a:lnRef>
+      <a:fillRef idx="3">
+        <a:scrgbClr r="0" g="0" b="0"/>
+      </a:fillRef>
+      <a:effectRef idx="2">
+        <a:scrgbClr r="0" g="0" b="0"/>
+      </a:effectRef>
+      <a:fontRef idx="minor">
+        <a:schemeClr val="lt1"/>
+      </a:fontRef>
+    </dgm:style>
+  </dgm:styleLbl>
+  <dgm:styleLbl name="bgSibTrans2D1">
+    <dgm:scene3d>
+      <a:camera prst="orthographicFront"/>
+      <a:lightRig rig="threePt" dir="t"/>
+    </dgm:scene3d>
+    <dgm:sp3d/>
+    <dgm:txPr/>
+    <dgm:style>
+      <a:lnRef idx="0">
+        <a:scrgbClr r="0" g="0" b="0"/>
+      </a:lnRef>
+      <a:fillRef idx="3">
+        <a:scrgbClr r="0" g="0" b="0"/>
+      </a:fillRef>
+      <a:effectRef idx="2">
+        <a:scrgbClr r="0" g="0" b="0"/>
+      </a:effectRef>
+      <a:fontRef idx="minor">
+        <a:schemeClr val="lt1"/>
+      </a:fontRef>
+    </dgm:style>
+  </dgm:styleLbl>
+  <dgm:styleLbl name="sibTrans1D1">
+    <dgm:scene3d>
+      <a:camera prst="orthographicFront"/>
+      <a:lightRig rig="threePt" dir="t"/>
+    </dgm:scene3d>
+    <dgm:sp3d/>
+    <dgm:txPr/>
+    <dgm:style>
+      <a:lnRef idx="1">
+        <a:scrgbClr r="0" g="0" b="0"/>
+      </a:lnRef>
+      <a:fillRef idx="0">
+        <a:scrgbClr r="0" g="0" b="0"/>
+      </a:fillRef>
+      <a:effectRef idx="0">
+        <a:scrgbClr r="0" g="0" b="0"/>
+      </a:effectRef>
+      <a:fontRef idx="minor"/>
+    </dgm:style>
+  </dgm:styleLbl>
+  <dgm:styleLbl name="callout">
+    <dgm:scene3d>
+      <a:camera prst="orthographicFront"/>
+      <a:lightRig rig="threePt" dir="t"/>
+    </dgm:scene3d>
+    <dgm:sp3d/>
+    <dgm:txPr/>
+    <dgm:style>
+      <a:lnRef idx="2">
+        <a:scrgbClr r="0" g="0" b="0"/>
+      </a:lnRef>
+      <a:fillRef idx="1">
+        <a:scrgbClr r="0" g="0" b="0"/>
+      </a:fillRef>
+      <a:effectRef idx="1">
+        <a:scrgbClr r="0" g="0" b="0"/>
+      </a:effectRef>
+      <a:fontRef idx="minor"/>
+    </dgm:style>
+  </dgm:styleLbl>
+  <dgm:styleLbl name="asst0">
+    <dgm:scene3d>
+      <a:camera prst="orthographicFront"/>
+      <a:lightRig rig="threePt" dir="t"/>
+    </dgm:scene3d>
+    <dgm:sp3d/>
+    <dgm:txPr/>
+    <dgm:style>
+      <a:lnRef idx="0">
+        <a:scrgbClr r="0" g="0" b="0"/>
+      </a:lnRef>
+      <a:fillRef idx="3">
+        <a:scrgbClr r="0" g="0" b="0"/>
+      </a:fillRef>
+      <a:effectRef idx="2">
+        <a:scrgbClr r="0" g="0" b="0"/>
+      </a:effectRef>
+      <a:fontRef idx="minor">
+        <a:schemeClr val="lt1"/>
+      </a:fontRef>
+    </dgm:style>
+  </dgm:styleLbl>
+  <dgm:styleLbl name="asst1">
+    <dgm:scene3d>
+      <a:camera prst="orthographicFront"/>
+      <a:lightRig rig="threePt" dir="t"/>
+    </dgm:scene3d>
+    <dgm:sp3d/>
+    <dgm:txPr/>
+    <dgm:style>
+      <a:lnRef idx="0">
+        <a:scrgbClr r="0" g="0" b="0"/>
+      </a:lnRef>
+      <a:fillRef idx="3">
+        <a:scrgbClr r="0" g="0" b="0"/>
+      </a:fillRef>
+      <a:effectRef idx="2">
+        <a:scrgbClr r="0" g="0" b="0"/>
+      </a:effectRef>
+      <a:fontRef idx="minor">
+        <a:schemeClr val="lt1"/>
+      </a:fontRef>
+    </dgm:style>
+  </dgm:styleLbl>
+  <dgm:styleLbl name="asst2">
+    <dgm:scene3d>
+      <a:camera prst="orthographicFront"/>
+      <a:lightRig rig="threePt" dir="t"/>
+    </dgm:scene3d>
+    <dgm:sp3d/>
+    <dgm:txPr/>
+    <dgm:style>
+      <a:lnRef idx="0">
+        <a:scrgbClr r="0" g="0" b="0"/>
+      </a:lnRef>
+      <a:fillRef idx="3">
+        <a:scrgbClr r="0" g="0" b="0"/>
+      </a:fillRef>
+      <a:effectRef idx="2">
+        <a:scrgbClr r="0" g="0" b="0"/>
+      </a:effectRef>
+      <a:fontRef idx="minor">
+        <a:schemeClr val="lt1"/>
+      </a:fontRef>
+    </dgm:style>
+  </dgm:styleLbl>
+  <dgm:styleLbl name="asst3">
+    <dgm:scene3d>
+      <a:camera prst="orthographicFront"/>
+      <a:lightRig rig="threePt" dir="t"/>
+    </dgm:scene3d>
+    <dgm:sp3d/>
+    <dgm:txPr/>
+    <dgm:style>
+      <a:lnRef idx="0">
+        <a:scrgbClr r="0" g="0" b="0"/>
+      </a:lnRef>
+      <a:fillRef idx="3">
+        <a:scrgbClr r="0" g="0" b="0"/>
+      </a:fillRef>
+      <a:effectRef idx="2">
+        <a:scrgbClr r="0" g="0" b="0"/>
+      </a:effectRef>
+      <a:fontRef idx="minor">
+        <a:schemeClr val="lt1"/>
+      </a:fontRef>
+    </dgm:style>
+  </dgm:styleLbl>
+  <dgm:styleLbl name="asst4">
+    <dgm:scene3d>
+      <a:camera prst="orthographicFront"/>
+      <a:lightRig rig="threePt" dir="t"/>
+    </dgm:scene3d>
+    <dgm:sp3d/>
+    <dgm:txPr/>
+    <dgm:style>
+      <a:lnRef idx="0">
+        <a:scrgbClr r="0" g="0" b="0"/>
+      </a:lnRef>
+      <a:fillRef idx="3">
+        <a:scrgbClr r="0" g="0" b="0"/>
+      </a:fillRef>
+      <a:effectRef idx="2">
+        <a:scrgbClr r="0" g="0" b="0"/>
+      </a:effectRef>
+      <a:fontRef idx="minor">
+        <a:schemeClr val="lt1"/>
+      </a:fontRef>
+    </dgm:style>
+  </dgm:styleLbl>
+  <dgm:styleLbl name="parChTrans2D1">
+    <dgm:scene3d>
+      <a:camera prst="orthographicFront"/>
+      <a:lightRig rig="threePt" dir="t"/>
+    </dgm:scene3d>
+    <dgm:sp3d/>
+    <dgm:txPr/>
+    <dgm:style>
+      <a:lnRef idx="0">
+        <a:scrgbClr r="0" g="0" b="0"/>
+      </a:lnRef>
+      <a:fillRef idx="3">
+        <a:scrgbClr r="0" g="0" b="0"/>
+      </a:fillRef>
+      <a:effectRef idx="2">
+        <a:scrgbClr r="0" g="0" b="0"/>
+      </a:effectRef>
+      <a:fontRef idx="minor">
+        <a:schemeClr val="lt1"/>
+      </a:fontRef>
+    </dgm:style>
+  </dgm:styleLbl>
+  <dgm:styleLbl name="parChTrans2D2">
+    <dgm:scene3d>
+      <a:camera prst="orthographicFront"/>
+      <a:lightRig rig="threePt" dir="t"/>
+    </dgm:scene3d>
+    <dgm:sp3d/>
+    <dgm:txPr/>
+    <dgm:style>
+      <a:lnRef idx="0">
+        <a:scrgbClr r="0" g="0" b="0"/>
+      </a:lnRef>
+      <a:fillRef idx="3">
+        <a:scrgbClr r="0" g="0" b="0"/>
+      </a:fillRef>
+      <a:effectRef idx="2">
+        <a:scrgbClr r="0" g="0" b="0"/>
+      </a:effectRef>
+      <a:fontRef idx="minor">
+        <a:schemeClr val="lt1"/>
+      </a:fontRef>
+    </dgm:style>
+  </dgm:styleLbl>
+  <dgm:styleLbl name="parChTrans2D3">
+    <dgm:scene3d>
+      <a:camera prst="orthographicFront"/>
+      <a:lightRig rig="threePt" dir="t"/>
+    </dgm:scene3d>
+    <dgm:sp3d/>
+    <dgm:txPr/>
+    <dgm:style>
+      <a:lnRef idx="1">
+        <a:scrgbClr r="0" g="0" b="0"/>
+      </a:lnRef>
+      <a:fillRef idx="3">
+        <a:scrgbClr r="0" g="0" b="0"/>
+      </a:fillRef>
+      <a:effectRef idx="2">
+        <a:scrgbClr r="0" g="0" b="0"/>
+      </a:effectRef>
+      <a:fontRef idx="minor">
+        <a:schemeClr val="lt1"/>
+      </a:fontRef>
+    </dgm:style>
+  </dgm:styleLbl>
+  <dgm:styleLbl name="parChTrans2D4">
+    <dgm:scene3d>
+      <a:camera prst="orthographicFront"/>
+      <a:lightRig rig="threePt" dir="t"/>
+    </dgm:scene3d>
+    <dgm:sp3d/>
+    <dgm:txPr/>
+    <dgm:style>
+      <a:lnRef idx="1">
+        <a:scrgbClr r="0" g="0" b="0"/>
+      </a:lnRef>
+      <a:fillRef idx="3">
+        <a:scrgbClr r="0" g="0" b="0"/>
+      </a:fillRef>
+      <a:effectRef idx="2">
+        <a:scrgbClr r="0" g="0" b="0"/>
+      </a:effectRef>
+      <a:fontRef idx="minor">
+        <a:schemeClr val="lt1"/>
+      </a:fontRef>
+    </dgm:style>
+  </dgm:styleLbl>
+  <dgm:styleLbl name="parChTrans1D1">
+    <dgm:scene3d>
+      <a:camera prst="orthographicFront"/>
+      <a:lightRig rig="threePt" dir="t"/>
+    </dgm:scene3d>
+    <dgm:sp3d/>
+    <dgm:txPr/>
+    <dgm:style>
+      <a:lnRef idx="1">
+        <a:scrgbClr r="0" g="0" b="0"/>
+      </a:lnRef>
+      <a:fillRef idx="0">
+        <a:scrgbClr r="0" g="0" b="0"/>
+      </a:fillRef>
+      <a:effectRef idx="0">
+        <a:scrgbClr r="0" g="0" b="0"/>
+      </a:effectRef>
+      <a:fontRef idx="minor"/>
+    </dgm:style>
+  </dgm:styleLbl>
+  <dgm:styleLbl name="parChTrans1D2">
+    <dgm:scene3d>
+      <a:camera prst="orthographicFront"/>
+      <a:lightRig rig="threePt" dir="t"/>
+    </dgm:scene3d>
+    <dgm:sp3d/>
+    <dgm:txPr/>
+    <dgm:style>
+      <a:lnRef idx="1">
+        <a:scrgbClr r="0" g="0" b="0"/>
+      </a:lnRef>
+      <a:fillRef idx="0">
+        <a:scrgbClr r="0" g="0" b="0"/>
+      </a:fillRef>
+      <a:effectRef idx="0">
+        <a:scrgbClr r="0" g="0" b="0"/>
+      </a:effectRef>
+      <a:fontRef idx="minor"/>
+    </dgm:style>
+  </dgm:styleLbl>
+  <dgm:styleLbl name="parChTrans1D3">
+    <dgm:scene3d>
+      <a:camera prst="orthographicFront"/>
+      <a:lightRig rig="threePt" dir="t"/>
+    </dgm:scene3d>
+    <dgm:sp3d/>
+    <dgm:txPr/>
+    <dgm:style>
+      <a:lnRef idx="1">
+        <a:scrgbClr r="0" g="0" b="0"/>
+      </a:lnRef>
+      <a:fillRef idx="0">
+        <a:scrgbClr r="0" g="0" b="0"/>
+      </a:fillRef>
+      <a:effectRef idx="0">
+        <a:scrgbClr r="0" g="0" b="0"/>
+      </a:effectRef>
+      <a:fontRef idx="minor"/>
+    </dgm:style>
+  </dgm:styleLbl>
+  <dgm:styleLbl name="parChTrans1D4">
+    <dgm:scene3d>
+      <a:camera prst="orthographicFront"/>
+      <a:lightRig rig="threePt" dir="t"/>
+    </dgm:scene3d>
+    <dgm:sp3d/>
+    <dgm:txPr/>
+    <dgm:style>
+      <a:lnRef idx="1">
+        <a:scrgbClr r="0" g="0" b="0"/>
+      </a:lnRef>
+      <a:fillRef idx="0">
+        <a:scrgbClr r="0" g="0" b="0"/>
+      </a:fillRef>
+      <a:effectRef idx="0">
+        <a:scrgbClr r="0" g="0" b="0"/>
+      </a:effectRef>
+      <a:fontRef idx="minor"/>
+    </dgm:style>
+  </dgm:styleLbl>
+  <dgm:styleLbl name="fgAcc1">
+    <dgm:scene3d>
+      <a:camera prst="orthographicFront"/>
+      <a:lightRig rig="threePt" dir="t"/>
+    </dgm:scene3d>
+    <dgm:sp3d/>
+    <dgm:txPr/>
+    <dgm:style>
+      <a:lnRef idx="1">
+        <a:scrgbClr r="0" g="0" b="0"/>
+      </a:lnRef>
+      <a:fillRef idx="1">
+        <a:scrgbClr r="0" g="0" b="0"/>
+      </a:fillRef>
+      <a:effectRef idx="0">
+        <a:scrgbClr r="0" g="0" b="0"/>
+      </a:effectRef>
+      <a:fontRef idx="minor"/>
+    </dgm:style>
+  </dgm:styleLbl>
+  <dgm:styleLbl name="conFgAcc1">
+    <dgm:scene3d>
+      <a:camera prst="orthographicFront"/>
+      <a:lightRig rig="threePt" dir="t"/>
+    </dgm:scene3d>
+    <dgm:sp3d/>
+    <dgm:txPr/>
+    <dgm:style>
+      <a:lnRef idx="1">
+        <a:scrgbClr r="0" g="0" b="0"/>
+      </a:lnRef>
+      <a:fillRef idx="1">
+        <a:scrgbClr r="0" g="0" b="0"/>
+      </a:fillRef>
+      <a:effectRef idx="0">
+        <a:scrgbClr r="0" g="0" b="0"/>
+      </a:effectRef>
+      <a:fontRef idx="minor"/>
+    </dgm:style>
+  </dgm:styleLbl>
+  <dgm:styleLbl name="alignAcc1">
+    <dgm:scene3d>
+      <a:camera prst="orthographicFront"/>
+      <a:lightRig rig="threePt" dir="t"/>
+    </dgm:scene3d>
+    <dgm:sp3d/>
+    <dgm:txPr/>
+    <dgm:style>
+      <a:lnRef idx="1">
+        <a:scrgbClr r="0" g="0" b="0"/>
+      </a:lnRef>
+      <a:fillRef idx="1">
+        <a:scrgbClr r="0" g="0" b="0"/>
+      </a:fillRef>
+      <a:effectRef idx="0">
+        <a:scrgbClr r="0" g="0" b="0"/>
+      </a:effectRef>
+      <a:fontRef idx="minor"/>
+    </dgm:style>
+  </dgm:styleLbl>
+  <dgm:styleLbl name="trAlignAcc1">
+    <dgm:scene3d>
+      <a:camera prst="orthographicFront"/>
+      <a:lightRig rig="threePt" dir="t"/>
+    </dgm:scene3d>
+    <dgm:sp3d/>
+    <dgm:txPr/>
+    <dgm:style>
+      <a:lnRef idx="1">
+        <a:scrgbClr r="0" g="0" b="0"/>
+      </a:lnRef>
+      <a:fillRef idx="1">
+        <a:scrgbClr r="0" g="0" b="0"/>
+      </a:fillRef>
+      <a:effectRef idx="0">
+        <a:scrgbClr r="0" g="0" b="0"/>
+      </a:effectRef>
+      <a:fontRef idx="minor"/>
+    </dgm:style>
+  </dgm:styleLbl>
+  <dgm:styleLbl name="bgAcc1">
+    <dgm:scene3d>
+      <a:camera prst="orthographicFront"/>
+      <a:lightRig rig="threePt" dir="t"/>
+    </dgm:scene3d>
+    <dgm:sp3d/>
+    <dgm:txPr/>
+    <dgm:style>
+      <a:lnRef idx="1">
+        <a:scrgbClr r="0" g="0" b="0"/>
+      </a:lnRef>
+      <a:fillRef idx="1">
+        <a:scrgbClr r="0" g="0" b="0"/>
+      </a:fillRef>
+      <a:effectRef idx="0">
+        <a:scrgbClr r="0" g="0" b="0"/>
+      </a:effectRef>
+      <a:fontRef idx="minor"/>
+    </dgm:style>
+  </dgm:styleLbl>
+  <dgm:styleLbl name="solidFgAcc1">
+    <dgm:scene3d>
+      <a:camera prst="orthographicFront"/>
+      <a:lightRig rig="threePt" dir="t"/>
+    </dgm:scene3d>
+    <dgm:sp3d/>
+    <dgm:txPr/>
+    <dgm:style>
+      <a:lnRef idx="1">
+        <a:scrgbClr r="0" g="0" b="0"/>
+      </a:lnRef>
+      <a:fillRef idx="1">
+        <a:scrgbClr r="0" g="0" b="0"/>
+      </a:fillRef>
+      <a:effectRef idx="0">
+        <a:scrgbClr r="0" g="0" b="0"/>
+      </a:effectRef>
+      <a:fontRef idx="minor"/>
+    </dgm:style>
+  </dgm:styleLbl>
+  <dgm:styleLbl name="solidAlignAcc1">
+    <dgm:scene3d>
+      <a:camera prst="orthographicFront"/>
+      <a:lightRig rig="threePt" dir="t"/>
+    </dgm:scene3d>
+    <dgm:sp3d/>
+    <dgm:txPr/>
+    <dgm:style>
+      <a:lnRef idx="1">
+        <a:scrgbClr r="0" g="0" b="0"/>
+      </a:lnRef>
+      <a:fillRef idx="1">
+        <a:scrgbClr r="0" g="0" b="0"/>
+      </a:fillRef>
+      <a:effectRef idx="0">
+        <a:scrgbClr r="0" g="0" b="0"/>
+      </a:effectRef>
+      <a:fontRef idx="minor"/>
+    </dgm:style>
+  </dgm:styleLbl>
+  <dgm:styleLbl name="solidBgAcc1">
+    <dgm:scene3d>
+      <a:camera prst="orthographicFront"/>
+      <a:lightRig rig="threePt" dir="t"/>
+    </dgm:scene3d>
+    <dgm:sp3d/>
+    <dgm:txPr/>
+    <dgm:style>
+      <a:lnRef idx="1">
+        <a:scrgbClr r="0" g="0" b="0"/>
+      </a:lnRef>
+      <a:fillRef idx="1">
+        <a:scrgbClr r="0" g="0" b="0"/>
+      </a:fillRef>
+      <a:effectRef idx="0">
+        <a:scrgbClr r="0" g="0" b="0"/>
+      </a:effectRef>
+      <a:fontRef idx="minor"/>
+    </dgm:style>
+  </dgm:styleLbl>
+  <dgm:styleLbl name="fgAccFollowNode1">
+    <dgm:scene3d>
+      <a:camera prst="orthographicFront"/>
+      <a:lightRig rig="threePt" dir="t"/>
+    </dgm:scene3d>
+    <dgm:sp3d/>
+    <dgm:txPr/>
+    <dgm:style>
+      <a:lnRef idx="1">
+        <a:scrgbClr r="0" g="0" b="0"/>
+      </a:lnRef>
+      <a:fillRef idx="1">
+        <a:scrgbClr r="0" g="0" b="0"/>
+      </a:fillRef>
+      <a:effectRef idx="0">
+        <a:scrgbClr r="0" g="0" b="0"/>
+      </a:effectRef>
+      <a:fontRef idx="minor"/>
+    </dgm:style>
+  </dgm:styleLbl>
+  <dgm:styleLbl name="alignAccFollowNode1">
+    <dgm:scene3d>
+      <a:camera prst="orthographicFront"/>
+      <a:lightRig rig="threePt" dir="t"/>
+    </dgm:scene3d>
+    <dgm:sp3d/>
+    <dgm:txPr/>
+    <dgm:style>
+      <a:lnRef idx="1">
+        <a:scrgbClr r="0" g="0" b="0"/>
+      </a:lnRef>
+      <a:fillRef idx="1">
+        <a:scrgbClr r="0" g="0" b="0"/>
+      </a:fillRef>
+      <a:effectRef idx="0">
+        <a:scrgbClr r="0" g="0" b="0"/>
+      </a:effectRef>
+      <a:fontRef idx="minor"/>
+    </dgm:style>
+  </dgm:styleLbl>
+  <dgm:styleLbl name="bgAccFollowNode1">
+    <dgm:scene3d>
+      <a:camera prst="orthographicFront"/>
+      <a:lightRig rig="threePt" dir="t"/>
+    </dgm:scene3d>
+    <dgm:sp3d/>
+    <dgm:txPr/>
+    <dgm:style>
+      <a:lnRef idx="1">
+        <a:scrgbClr r="0" g="0" b="0"/>
+      </a:lnRef>
+      <a:fillRef idx="1">
+        <a:scrgbClr r="0" g="0" b="0"/>
+      </a:fillRef>
+      <a:effectRef idx="0">
+        <a:scrgbClr r="0" g="0" b="0"/>
+      </a:effectRef>
+      <a:fontRef idx="minor"/>
+    </dgm:style>
+  </dgm:styleLbl>
+  <dgm:styleLbl name="fgAcc0">
+    <dgm:scene3d>
+      <a:camera prst="orthographicFront"/>
+      <a:lightRig rig="threePt" dir="t"/>
+    </dgm:scene3d>
+    <dgm:sp3d/>
+    <dgm:txPr/>
+    <dgm:style>
+      <a:lnRef idx="1">
+        <a:scrgbClr r="0" g="0" b="0"/>
+      </a:lnRef>
+      <a:fillRef idx="1">
+        <a:scrgbClr r="0" g="0" b="0"/>
+      </a:fillRef>
+      <a:effectRef idx="0">
+        <a:scrgbClr r="0" g="0" b="0"/>
+      </a:effectRef>
+      <a:fontRef idx="minor"/>
+    </dgm:style>
+  </dgm:styleLbl>
+  <dgm:styleLbl name="fgAcc2">
+    <dgm:scene3d>
+      <a:camera prst="orthographicFront"/>
+      <a:lightRig rig="threePt" dir="t"/>
+    </dgm:scene3d>
+    <dgm:sp3d/>
+    <dgm:txPr/>
+    <dgm:style>
+      <a:lnRef idx="1">
+        <a:scrgbClr r="0" g="0" b="0"/>
+      </a:lnRef>
+      <a:fillRef idx="1">
+        <a:scrgbClr r="0" g="0" b="0"/>
+      </a:fillRef>
+      <a:effectRef idx="0">
+        <a:scrgbClr r="0" g="0" b="0"/>
+      </a:effectRef>
+      <a:fontRef idx="minor"/>
+    </dgm:style>
+  </dgm:styleLbl>
+  <dgm:styleLbl name="fgAcc3">
+    <dgm:scene3d>
+      <a:camera prst="orthographicFront"/>
+      <a:lightRig rig="threePt" dir="t"/>
+    </dgm:scene3d>
+    <dgm:sp3d/>
+    <dgm:txPr/>
+    <dgm:style>
+      <a:lnRef idx="1">
+        <a:scrgbClr r="0" g="0" b="0"/>
+      </a:lnRef>
+      <a:fillRef idx="1">
+        <a:scrgbClr r="0" g="0" b="0"/>
+      </a:fillRef>
+      <a:effectRef idx="0">
+        <a:scrgbClr r="0" g="0" b="0"/>
+      </a:effectRef>
+      <a:fontRef idx="minor"/>
+    </dgm:style>
+  </dgm:styleLbl>
+  <dgm:styleLbl name="fgAcc4">
+    <dgm:scene3d>
+      <a:camera prst="orthographicFront"/>
+      <a:lightRig rig="threePt" dir="t"/>
+    </dgm:scene3d>
+    <dgm:sp3d/>
+    <dgm:txPr/>
+    <dgm:style>
+      <a:lnRef idx="1">
+        <a:scrgbClr r="0" g="0" b="0"/>
+      </a:lnRef>
+      <a:fillRef idx="1">
+        <a:scrgbClr r="0" g="0" b="0"/>
+      </a:fillRef>
+      <a:effectRef idx="0">
+        <a:scrgbClr r="0" g="0" b="0"/>
+      </a:effectRef>
+      <a:fontRef idx="minor"/>
+    </dgm:style>
+  </dgm:styleLbl>
+  <dgm:styleLbl name="bgShp">
+    <dgm:scene3d>
+      <a:camera prst="orthographicFront"/>
+      <a:lightRig rig="threePt" dir="t"/>
+    </dgm:scene3d>
+    <dgm:sp3d/>
+    <dgm:txPr/>
+    <dgm:style>
+      <a:lnRef idx="0">
+        <a:scrgbClr r="0" g="0" b="0"/>
+      </a:lnRef>
+      <a:fillRef idx="1">
+        <a:scrgbClr r="0" g="0" b="0"/>
+      </a:fillRef>
+      <a:effectRef idx="2">
+        <a:scrgbClr r="0" g="0" b="0"/>
+      </a:effectRef>
+      <a:fontRef idx="minor"/>
+    </dgm:style>
+  </dgm:styleLbl>
+  <dgm:styleLbl name="dkBgShp">
+    <dgm:scene3d>
+      <a:camera prst="orthographicFront"/>
+      <a:lightRig rig="threePt" dir="t"/>
+    </dgm:scene3d>
+    <dgm:sp3d/>
+    <dgm:txPr/>
+    <dgm:style>
+      <a:lnRef idx="0">
+        <a:scrgbClr r="0" g="0" b="0"/>
+      </a:lnRef>
+      <a:fillRef idx="1">
+        <a:scrgbClr r="0" g="0" b="0"/>
+      </a:fillRef>
+      <a:effectRef idx="2">
+        <a:scrgbClr r="0" g="0" b="0"/>
+      </a:effectRef>
+      <a:fontRef idx="minor"/>
+    </dgm:style>
+  </dgm:styleLbl>
+  <dgm:styleLbl name="trBgShp">
+    <dgm:scene3d>
+      <a:camera prst="orthographicFront"/>
+      <a:lightRig rig="threePt" dir="t"/>
+    </dgm:scene3d>
+    <dgm:sp3d/>
+    <dgm:txPr/>
+    <dgm:style>
+      <a:lnRef idx="0">
+        <a:scrgbClr r="0" g="0" b="0"/>
+      </a:lnRef>
+      <a:fillRef idx="1">
+        <a:scrgbClr r="0" g="0" b="0"/>
+      </a:fillRef>
+      <a:effectRef idx="0">
+        <a:scrgbClr r="0" g="0" b="0"/>
+      </a:effectRef>
+      <a:fontRef idx="minor"/>
+    </dgm:style>
+  </dgm:styleLbl>
+  <dgm:styleLbl name="fgShp">
+    <dgm:scene3d>
+      <a:camera prst="orthographicFront"/>
+      <a:lightRig rig="threePt" dir="t"/>
+    </dgm:scene3d>
+    <dgm:sp3d/>
+    <dgm:txPr/>
+    <dgm:style>
+      <a:lnRef idx="0">
+        <a:scrgbClr r="0" g="0" b="0"/>
+      </a:lnRef>
+      <a:fillRef idx="3">
+        <a:scrgbClr r="0" g="0" b="0"/>
+      </a:fillRef>
+      <a:effectRef idx="2">
+        <a:scrgbClr r="0" g="0" b="0"/>
+      </a:effectRef>
+      <a:fontRef idx="minor"/>
+    </dgm:style>
+  </dgm:styleLbl>
+  <dgm:styleLbl name="revTx">
+    <dgm:scene3d>
+      <a:camera prst="orthographicFront"/>
+      <a:lightRig rig="threePt" dir="t"/>
+    </dgm:scene3d>
+    <dgm:sp3d/>
+    <dgm:txPr/>
+    <dgm:style>
+      <a:lnRef idx="0">
+        <a:scrgbClr r="0" g="0" b="0"/>
+      </a:lnRef>
+      <a:fillRef idx="0">
+        <a:scrgbClr r="0" g="0" b="0"/>
+      </a:fillRef>
+      <a:effectRef idx="0">
+        <a:scrgbClr r="0" g="0" b="0"/>
+      </a:effectRef>
+      <a:fontRef idx="minor"/>
+    </dgm:style>
+  </dgm:styleLbl>
+</dgm:styleDef>
 </file>
 
 <file path=ppt/slideLayouts/slideLayout1.xml><?xml version="1.0" encoding="utf-8"?>
@@ -249,7 +2786,7 @@
           <a:p>
             <a:fld id="{F2FFB779-270B-4192-84BA-A697F48306DC}" type="datetimeFigureOut">
               <a:rPr lang="ru-RU" smtClean="0"/>
-              <a:t>07.04.2024</a:t>
+              <a:t>14.04.2024</a:t>
             </a:fld>
             <a:endParaRPr lang="ru-RU"/>
           </a:p>
@@ -417,7 +2954,7 @@
           <a:p>
             <a:fld id="{F2FFB779-270B-4192-84BA-A697F48306DC}" type="datetimeFigureOut">
               <a:rPr lang="ru-RU" smtClean="0"/>
-              <a:t>07.04.2024</a:t>
+              <a:t>14.04.2024</a:t>
             </a:fld>
             <a:endParaRPr lang="ru-RU"/>
           </a:p>
@@ -595,7 +3132,7 @@
           <a:p>
             <a:fld id="{F2FFB779-270B-4192-84BA-A697F48306DC}" type="datetimeFigureOut">
               <a:rPr lang="ru-RU" smtClean="0"/>
-              <a:t>07.04.2024</a:t>
+              <a:t>14.04.2024</a:t>
             </a:fld>
             <a:endParaRPr lang="ru-RU"/>
           </a:p>
@@ -763,7 +3300,7 @@
           <a:p>
             <a:fld id="{F2FFB779-270B-4192-84BA-A697F48306DC}" type="datetimeFigureOut">
               <a:rPr lang="ru-RU" smtClean="0"/>
-              <a:t>07.04.2024</a:t>
+              <a:t>14.04.2024</a:t>
             </a:fld>
             <a:endParaRPr lang="ru-RU"/>
           </a:p>
@@ -1008,7 +3545,7 @@
           <a:p>
             <a:fld id="{F2FFB779-270B-4192-84BA-A697F48306DC}" type="datetimeFigureOut">
               <a:rPr lang="ru-RU" smtClean="0"/>
-              <a:t>07.04.2024</a:t>
+              <a:t>14.04.2024</a:t>
             </a:fld>
             <a:endParaRPr lang="ru-RU"/>
           </a:p>
@@ -1237,7 +3774,7 @@
           <a:p>
             <a:fld id="{F2FFB779-270B-4192-84BA-A697F48306DC}" type="datetimeFigureOut">
               <a:rPr lang="ru-RU" smtClean="0"/>
-              <a:t>07.04.2024</a:t>
+              <a:t>14.04.2024</a:t>
             </a:fld>
             <a:endParaRPr lang="ru-RU"/>
           </a:p>
@@ -1601,7 +4138,7 @@
           <a:p>
             <a:fld id="{F2FFB779-270B-4192-84BA-A697F48306DC}" type="datetimeFigureOut">
               <a:rPr lang="ru-RU" smtClean="0"/>
-              <a:t>07.04.2024</a:t>
+              <a:t>14.04.2024</a:t>
             </a:fld>
             <a:endParaRPr lang="ru-RU"/>
           </a:p>
@@ -1718,7 +4255,7 @@
           <a:p>
             <a:fld id="{F2FFB779-270B-4192-84BA-A697F48306DC}" type="datetimeFigureOut">
               <a:rPr lang="ru-RU" smtClean="0"/>
-              <a:t>07.04.2024</a:t>
+              <a:t>14.04.2024</a:t>
             </a:fld>
             <a:endParaRPr lang="ru-RU"/>
           </a:p>
@@ -1813,7 +4350,7 @@
           <a:p>
             <a:fld id="{F2FFB779-270B-4192-84BA-A697F48306DC}" type="datetimeFigureOut">
               <a:rPr lang="ru-RU" smtClean="0"/>
-              <a:t>07.04.2024</a:t>
+              <a:t>14.04.2024</a:t>
             </a:fld>
             <a:endParaRPr lang="ru-RU"/>
           </a:p>
@@ -2088,7 +4625,7 @@
           <a:p>
             <a:fld id="{F2FFB779-270B-4192-84BA-A697F48306DC}" type="datetimeFigureOut">
               <a:rPr lang="ru-RU" smtClean="0"/>
-              <a:t>07.04.2024</a:t>
+              <a:t>14.04.2024</a:t>
             </a:fld>
             <a:endParaRPr lang="ru-RU"/>
           </a:p>
@@ -2340,7 +4877,7 @@
           <a:p>
             <a:fld id="{F2FFB779-270B-4192-84BA-A697F48306DC}" type="datetimeFigureOut">
               <a:rPr lang="ru-RU" smtClean="0"/>
-              <a:t>07.04.2024</a:t>
+              <a:t>14.04.2024</a:t>
             </a:fld>
             <a:endParaRPr lang="ru-RU"/>
           </a:p>
@@ -2551,7 +5088,7 @@
           <a:p>
             <a:fld id="{F2FFB779-270B-4192-84BA-A697F48306DC}" type="datetimeFigureOut">
               <a:rPr lang="ru-RU" smtClean="0"/>
-              <a:t>07.04.2024</a:t>
+              <a:t>14.04.2024</a:t>
             </a:fld>
             <a:endParaRPr lang="ru-RU"/>
           </a:p>
@@ -2942,6 +5479,14 @@
 <file path=ppt/slides/slide1.xml><?xml version="1.0" encoding="utf-8"?>
 <p:sld xmlns:a="http://schemas.openxmlformats.org/drawingml/2006/main" xmlns:r="http://schemas.openxmlformats.org/officeDocument/2006/relationships" xmlns:p="http://schemas.openxmlformats.org/presentationml/2006/main">
   <p:cSld>
+    <p:bg>
+      <p:bgPr>
+        <a:solidFill>
+          <a:schemeClr val="bg1"/>
+        </a:solidFill>
+        <a:effectLst/>
+      </p:bgPr>
+    </p:bg>
     <p:spTree>
       <p:nvGrpSpPr>
         <p:cNvPr id="1" name=""/>
@@ -2956,10 +5501,5651 @@
           <a:chExt cx="0" cy="0"/>
         </a:xfrm>
       </p:grpSpPr>
+      <p:sp useBgFill="1">
+        <p:nvSpPr>
+          <p:cNvPr id="7" name="Rectangle 6">
+            <a:extLst>
+              <a:ext uri="{FF2B5EF4-FFF2-40B4-BE49-F238E27FC236}">
+                <a16:creationId xmlns:a16="http://schemas.microsoft.com/office/drawing/2014/main" id="{577D6B2E-37A3-429E-A37C-F30ED6487282}"/>
+              </a:ext>
+              <a:ext uri="{C183D7F6-B498-43B3-948B-1728B52AA6E4}">
+                <adec:decorative xmlns:adec="http://schemas.microsoft.com/office/drawing/2017/decorative" val="1"/>
+              </a:ext>
+            </a:extLst>
+          </p:cNvPr>
+          <p:cNvSpPr>
+            <a:spLocks noGrp="1" noRot="1" noChangeAspect="1" noMove="1" noResize="1" noEditPoints="1" noAdjustHandles="1" noChangeArrowheads="1" noChangeShapeType="1" noTextEdit="1"/>
+          </p:cNvSpPr>
+          <p:nvPr>
+            <p:extLst>
+              <p:ext uri="{386F3935-93C4-4BCD-93E2-E3B085C9AB24}">
+                <p16:designElem xmlns:p16="http://schemas.microsoft.com/office/powerpoint/2015/main" val="1"/>
+              </p:ext>
+            </p:extLst>
+          </p:nvPr>
+        </p:nvSpPr>
+        <p:spPr>
+          <a:xfrm>
+            <a:off x="0" y="0"/>
+            <a:ext cx="12192000" cy="6858000"/>
+          </a:xfrm>
+          <a:prstGeom prst="rect">
+            <a:avLst/>
+          </a:prstGeom>
+          <a:ln w="12700" cap="flat" cmpd="sng" algn="ctr">
+            <a:noFill/>
+            <a:prstDash val="solid"/>
+            <a:miter lim="800000"/>
+          </a:ln>
+          <a:effectLst/>
+          <a:extLst>
+            <a:ext uri="{91240B29-F687-4F45-9708-019B960494DF}">
+              <a14:hiddenLine xmlns:a14="http://schemas.microsoft.com/office/drawing/2010/main" w="12700" cap="flat" cmpd="sng" algn="ctr">
+                <a:solidFill>
+                  <a:schemeClr val="accent1">
+                    <a:shade val="50000"/>
+                  </a:schemeClr>
+                </a:solidFill>
+                <a:prstDash val="solid"/>
+                <a:miter lim="800000"/>
+              </a14:hiddenLine>
+            </a:ext>
+          </a:extLst>
+        </p:spPr>
+        <p:style>
+          <a:lnRef idx="2">
+            <a:schemeClr val="accent1">
+              <a:shade val="50000"/>
+            </a:schemeClr>
+          </a:lnRef>
+          <a:fillRef idx="1">
+            <a:schemeClr val="accent1"/>
+          </a:fillRef>
+          <a:effectRef idx="0">
+            <a:schemeClr val="accent1"/>
+          </a:effectRef>
+          <a:fontRef idx="minor">
+            <a:schemeClr val="lt1"/>
+          </a:fontRef>
+        </p:style>
+        <p:txBody>
+          <a:bodyPr rtlCol="0" anchor="ctr"/>
+          <a:lstStyle/>
+          <a:p>
+            <a:pPr algn="ctr"/>
+            <a:endParaRPr lang="en-US"/>
+          </a:p>
+        </p:txBody>
+      </p:sp>
+      <p:sp>
+        <p:nvSpPr>
+          <p:cNvPr id="9" name="Rectangle 8">
+            <a:extLst>
+              <a:ext uri="{FF2B5EF4-FFF2-40B4-BE49-F238E27FC236}">
+                <a16:creationId xmlns:a16="http://schemas.microsoft.com/office/drawing/2014/main" id="{5CEAD642-85CF-4750-8432-7C80C901F001}"/>
+              </a:ext>
+              <a:ext uri="{C183D7F6-B498-43B3-948B-1728B52AA6E4}">
+                <adec:decorative xmlns:adec="http://schemas.microsoft.com/office/drawing/2017/decorative" val="1"/>
+              </a:ext>
+            </a:extLst>
+          </p:cNvPr>
+          <p:cNvSpPr>
+            <a:spLocks noGrp="1" noRot="1" noChangeAspect="1" noMove="1" noResize="1" noEditPoints="1" noAdjustHandles="1" noChangeArrowheads="1" noChangeShapeType="1" noTextEdit="1"/>
+          </p:cNvSpPr>
+          <p:nvPr>
+            <p:extLst>
+              <p:ext uri="{386F3935-93C4-4BCD-93E2-E3B085C9AB24}">
+                <p16:designElem xmlns:p16="http://schemas.microsoft.com/office/powerpoint/2015/main" val="1"/>
+              </p:ext>
+            </p:extLst>
+          </p:nvPr>
+        </p:nvSpPr>
+        <p:spPr>
+          <a:xfrm rot="10800000">
+            <a:off x="-11723" y="-1"/>
+            <a:ext cx="12225953" cy="6868071"/>
+          </a:xfrm>
+          <a:prstGeom prst="rect">
+            <a:avLst/>
+          </a:prstGeom>
+          <a:gradFill>
+            <a:gsLst>
+              <a:gs pos="0">
+                <a:srgbClr val="000000"/>
+              </a:gs>
+              <a:gs pos="100000">
+                <a:schemeClr val="accent1">
+                  <a:lumMod val="75000"/>
+                </a:schemeClr>
+              </a:gs>
+            </a:gsLst>
+            <a:lin ang="4200000" scaled="0"/>
+          </a:gradFill>
+          <a:ln>
+            <a:noFill/>
+          </a:ln>
+        </p:spPr>
+        <p:style>
+          <a:lnRef idx="2">
+            <a:schemeClr val="accent1">
+              <a:shade val="50000"/>
+            </a:schemeClr>
+          </a:lnRef>
+          <a:fillRef idx="1">
+            <a:schemeClr val="accent1"/>
+          </a:fillRef>
+          <a:effectRef idx="0">
+            <a:schemeClr val="accent1"/>
+          </a:effectRef>
+          <a:fontRef idx="minor">
+            <a:schemeClr val="lt1"/>
+          </a:fontRef>
+        </p:style>
+        <p:txBody>
+          <a:bodyPr rtlCol="0" anchor="ctr"/>
+          <a:lstStyle/>
+          <a:p>
+            <a:pPr algn="ctr"/>
+            <a:endParaRPr lang="en-US"/>
+          </a:p>
+        </p:txBody>
+      </p:sp>
+      <p:sp>
+        <p:nvSpPr>
+          <p:cNvPr id="11" name="Rectangle 10">
+            <a:extLst>
+              <a:ext uri="{FF2B5EF4-FFF2-40B4-BE49-F238E27FC236}">
+                <a16:creationId xmlns:a16="http://schemas.microsoft.com/office/drawing/2014/main" id="{FA33EEAE-15D5-4119-8C1E-89D943F911EF}"/>
+              </a:ext>
+              <a:ext uri="{C183D7F6-B498-43B3-948B-1728B52AA6E4}">
+                <adec:decorative xmlns:adec="http://schemas.microsoft.com/office/drawing/2017/decorative" val="1"/>
+              </a:ext>
+            </a:extLst>
+          </p:cNvPr>
+          <p:cNvSpPr>
+            <a:spLocks noGrp="1" noRot="1" noChangeAspect="1" noMove="1" noResize="1" noEditPoints="1" noAdjustHandles="1" noChangeArrowheads="1" noChangeShapeType="1" noTextEdit="1"/>
+          </p:cNvSpPr>
+          <p:nvPr>
+            <p:extLst>
+              <p:ext uri="{386F3935-93C4-4BCD-93E2-E3B085C9AB24}">
+                <p16:designElem xmlns:p16="http://schemas.microsoft.com/office/powerpoint/2015/main" val="1"/>
+              </p:ext>
+            </p:extLst>
+          </p:nvPr>
+        </p:nvSpPr>
+        <p:spPr>
+          <a:xfrm rot="10800000" flipH="1">
+            <a:off x="441959" y="-3"/>
+            <a:ext cx="11772269" cy="6868074"/>
+          </a:xfrm>
+          <a:prstGeom prst="rect">
+            <a:avLst/>
+          </a:prstGeom>
+          <a:gradFill>
+            <a:gsLst>
+              <a:gs pos="21000">
+                <a:schemeClr val="accent1">
+                  <a:lumMod val="50000"/>
+                  <a:alpha val="83000"/>
+                </a:schemeClr>
+              </a:gs>
+              <a:gs pos="100000">
+                <a:schemeClr val="accent1">
+                  <a:alpha val="0"/>
+                </a:schemeClr>
+              </a:gs>
+            </a:gsLst>
+            <a:lin ang="8400000" scaled="0"/>
+          </a:gradFill>
+          <a:ln>
+            <a:noFill/>
+          </a:ln>
+        </p:spPr>
+        <p:style>
+          <a:lnRef idx="2">
+            <a:schemeClr val="accent1">
+              <a:shade val="50000"/>
+            </a:schemeClr>
+          </a:lnRef>
+          <a:fillRef idx="1">
+            <a:schemeClr val="accent1"/>
+          </a:fillRef>
+          <a:effectRef idx="0">
+            <a:schemeClr val="accent1"/>
+          </a:effectRef>
+          <a:fontRef idx="minor">
+            <a:schemeClr val="lt1"/>
+          </a:fontRef>
+        </p:style>
+        <p:txBody>
+          <a:bodyPr rtlCol="0" anchor="ctr"/>
+          <a:lstStyle/>
+          <a:p>
+            <a:pPr algn="ctr"/>
+            <a:endParaRPr lang="en-US"/>
+          </a:p>
+        </p:txBody>
+      </p:sp>
+      <p:sp>
+        <p:nvSpPr>
+          <p:cNvPr id="13" name="Rectangle 12">
+            <a:extLst>
+              <a:ext uri="{FF2B5EF4-FFF2-40B4-BE49-F238E27FC236}">
+                <a16:creationId xmlns:a16="http://schemas.microsoft.com/office/drawing/2014/main" id="{730D8B3B-9B80-4025-B934-26DC7D7CD231}"/>
+              </a:ext>
+              <a:ext uri="{C183D7F6-B498-43B3-948B-1728B52AA6E4}">
+                <adec:decorative xmlns:adec="http://schemas.microsoft.com/office/drawing/2017/decorative" val="1"/>
+              </a:ext>
+            </a:extLst>
+          </p:cNvPr>
+          <p:cNvSpPr>
+            <a:spLocks noGrp="1" noRot="1" noChangeAspect="1" noMove="1" noResize="1" noEditPoints="1" noAdjustHandles="1" noChangeArrowheads="1" noChangeShapeType="1" noTextEdit="1"/>
+          </p:cNvSpPr>
+          <p:nvPr>
+            <p:extLst>
+              <p:ext uri="{386F3935-93C4-4BCD-93E2-E3B085C9AB24}">
+                <p16:designElem xmlns:p16="http://schemas.microsoft.com/office/powerpoint/2015/main" val="1"/>
+              </p:ext>
+            </p:extLst>
+          </p:nvPr>
+        </p:nvSpPr>
+        <p:spPr>
+          <a:xfrm rot="10800000">
+            <a:off x="-15200" y="0"/>
+            <a:ext cx="3623374" cy="6868072"/>
+          </a:xfrm>
+          <a:prstGeom prst="rect">
+            <a:avLst/>
+          </a:prstGeom>
+          <a:gradFill>
+            <a:gsLst>
+              <a:gs pos="0">
+                <a:schemeClr val="accent1">
+                  <a:lumMod val="75000"/>
+                  <a:alpha val="0"/>
+                </a:schemeClr>
+              </a:gs>
+              <a:gs pos="99000">
+                <a:srgbClr val="000000">
+                  <a:alpha val="41000"/>
+                </a:srgbClr>
+              </a:gs>
+            </a:gsLst>
+            <a:lin ang="13200000" scaled="0"/>
+          </a:gradFill>
+          <a:ln>
+            <a:noFill/>
+          </a:ln>
+        </p:spPr>
+        <p:style>
+          <a:lnRef idx="2">
+            <a:schemeClr val="accent1">
+              <a:shade val="50000"/>
+            </a:schemeClr>
+          </a:lnRef>
+          <a:fillRef idx="1">
+            <a:schemeClr val="accent1"/>
+          </a:fillRef>
+          <a:effectRef idx="0">
+            <a:schemeClr val="accent1"/>
+          </a:effectRef>
+          <a:fontRef idx="minor">
+            <a:schemeClr val="lt1"/>
+          </a:fontRef>
+        </p:style>
+        <p:txBody>
+          <a:bodyPr rtlCol="0" anchor="ctr"/>
+          <a:lstStyle/>
+          <a:p>
+            <a:pPr algn="ctr"/>
+            <a:endParaRPr lang="en-US"/>
+          </a:p>
+        </p:txBody>
+      </p:sp>
+      <p:sp>
+        <p:nvSpPr>
+          <p:cNvPr id="15" name="Rectangle 14">
+            <a:extLst>
+              <a:ext uri="{FF2B5EF4-FFF2-40B4-BE49-F238E27FC236}">
+                <a16:creationId xmlns:a16="http://schemas.microsoft.com/office/drawing/2014/main" id="{1064D5D5-227B-4F66-9AEA-46F570E793BD}"/>
+              </a:ext>
+              <a:ext uri="{C183D7F6-B498-43B3-948B-1728B52AA6E4}">
+                <adec:decorative xmlns:adec="http://schemas.microsoft.com/office/drawing/2017/decorative" val="1"/>
+              </a:ext>
+            </a:extLst>
+          </p:cNvPr>
+          <p:cNvSpPr>
+            <a:spLocks noGrp="1" noRot="1" noChangeAspect="1" noMove="1" noResize="1" noEditPoints="1" noAdjustHandles="1" noChangeArrowheads="1" noChangeShapeType="1" noTextEdit="1"/>
+          </p:cNvSpPr>
+          <p:nvPr>
+            <p:extLst>
+              <p:ext uri="{386F3935-93C4-4BCD-93E2-E3B085C9AB24}">
+                <p16:designElem xmlns:p16="http://schemas.microsoft.com/office/powerpoint/2015/main" val="1"/>
+              </p:ext>
+            </p:extLst>
+          </p:nvPr>
+        </p:nvSpPr>
+        <p:spPr>
+          <a:xfrm flipH="1">
+            <a:off x="-15875" y="-3"/>
+            <a:ext cx="12233581" cy="6868076"/>
+          </a:xfrm>
+          <a:prstGeom prst="rect">
+            <a:avLst/>
+          </a:prstGeom>
+          <a:gradFill>
+            <a:gsLst>
+              <a:gs pos="3000">
+                <a:schemeClr val="accent1">
+                  <a:lumMod val="75000"/>
+                  <a:alpha val="0"/>
+                </a:schemeClr>
+              </a:gs>
+              <a:gs pos="100000">
+                <a:srgbClr val="000000">
+                  <a:alpha val="73000"/>
+                </a:srgbClr>
+              </a:gs>
+            </a:gsLst>
+            <a:lin ang="17400000" scaled="0"/>
+          </a:gradFill>
+          <a:ln>
+            <a:noFill/>
+          </a:ln>
+        </p:spPr>
+        <p:style>
+          <a:lnRef idx="2">
+            <a:schemeClr val="accent1">
+              <a:shade val="50000"/>
+            </a:schemeClr>
+          </a:lnRef>
+          <a:fillRef idx="1">
+            <a:schemeClr val="accent1"/>
+          </a:fillRef>
+          <a:effectRef idx="0">
+            <a:schemeClr val="accent1"/>
+          </a:effectRef>
+          <a:fontRef idx="minor">
+            <a:schemeClr val="lt1"/>
+          </a:fontRef>
+        </p:style>
+        <p:txBody>
+          <a:bodyPr rtlCol="0" anchor="ctr"/>
+          <a:lstStyle/>
+          <a:p>
+            <a:pPr algn="ctr"/>
+            <a:endParaRPr lang="en-US"/>
+          </a:p>
+        </p:txBody>
+      </p:sp>
+      <p:sp>
+        <p:nvSpPr>
+          <p:cNvPr id="17" name="Rectangle 16">
+            <a:extLst>
+              <a:ext uri="{FF2B5EF4-FFF2-40B4-BE49-F238E27FC236}">
+                <a16:creationId xmlns:a16="http://schemas.microsoft.com/office/drawing/2014/main" id="{646B67A4-D328-4747-A82B-65E84FA46368}"/>
+              </a:ext>
+              <a:ext uri="{C183D7F6-B498-43B3-948B-1728B52AA6E4}">
+                <adec:decorative xmlns:adec="http://schemas.microsoft.com/office/drawing/2017/decorative" val="1"/>
+              </a:ext>
+            </a:extLst>
+          </p:cNvPr>
+          <p:cNvSpPr>
+            <a:spLocks noGrp="1" noRot="1" noChangeAspect="1" noMove="1" noResize="1" noEditPoints="1" noAdjustHandles="1" noChangeArrowheads="1" noChangeShapeType="1" noTextEdit="1"/>
+          </p:cNvSpPr>
+          <p:nvPr>
+            <p:extLst>
+              <p:ext uri="{386F3935-93C4-4BCD-93E2-E3B085C9AB24}">
+                <p16:designElem xmlns:p16="http://schemas.microsoft.com/office/powerpoint/2015/main" val="1"/>
+              </p:ext>
+            </p:extLst>
+          </p:nvPr>
+        </p:nvSpPr>
+        <p:spPr>
+          <a:xfrm rot="5400000" flipH="1">
+            <a:off x="4484334" y="-861824"/>
+            <a:ext cx="6861931" cy="8597859"/>
+          </a:xfrm>
+          <a:prstGeom prst="rect">
+            <a:avLst/>
+          </a:prstGeom>
+          <a:gradFill>
+            <a:gsLst>
+              <a:gs pos="3000">
+                <a:schemeClr val="accent1">
+                  <a:lumMod val="75000"/>
+                  <a:alpha val="0"/>
+                </a:schemeClr>
+              </a:gs>
+              <a:gs pos="100000">
+                <a:srgbClr val="000000">
+                  <a:alpha val="27000"/>
+                </a:srgbClr>
+              </a:gs>
+            </a:gsLst>
+            <a:lin ang="13800000" scaled="0"/>
+          </a:gradFill>
+          <a:ln>
+            <a:noFill/>
+          </a:ln>
+        </p:spPr>
+        <p:style>
+          <a:lnRef idx="2">
+            <a:schemeClr val="accent1">
+              <a:shade val="50000"/>
+            </a:schemeClr>
+          </a:lnRef>
+          <a:fillRef idx="1">
+            <a:schemeClr val="accent1"/>
+          </a:fillRef>
+          <a:effectRef idx="0">
+            <a:schemeClr val="accent1"/>
+          </a:effectRef>
+          <a:fontRef idx="minor">
+            <a:schemeClr val="lt1"/>
+          </a:fontRef>
+        </p:style>
+        <p:txBody>
+          <a:bodyPr rtlCol="0" anchor="ctr"/>
+          <a:lstStyle/>
+          <a:p>
+            <a:pPr algn="ctr"/>
+            <a:endParaRPr lang="en-US"/>
+          </a:p>
+        </p:txBody>
+      </p:sp>
+      <p:sp>
+        <p:nvSpPr>
+          <p:cNvPr id="19" name="Oval 18">
+            <a:extLst>
+              <a:ext uri="{FF2B5EF4-FFF2-40B4-BE49-F238E27FC236}">
+                <a16:creationId xmlns:a16="http://schemas.microsoft.com/office/drawing/2014/main" id="{B5A1B09C-1565-46F8-B70F-621C5EB48A09}"/>
+              </a:ext>
+              <a:ext uri="{C183D7F6-B498-43B3-948B-1728B52AA6E4}">
+                <adec:decorative xmlns:adec="http://schemas.microsoft.com/office/drawing/2017/decorative" val="1"/>
+              </a:ext>
+            </a:extLst>
+          </p:cNvPr>
+          <p:cNvSpPr>
+            <a:spLocks noGrp="1" noRot="1" noChangeAspect="1" noMove="1" noResize="1" noEditPoints="1" noAdjustHandles="1" noChangeArrowheads="1" noChangeShapeType="1" noTextEdit="1"/>
+          </p:cNvSpPr>
+          <p:nvPr>
+            <p:extLst>
+              <p:ext uri="{386F3935-93C4-4BCD-93E2-E3B085C9AB24}">
+                <p16:designElem xmlns:p16="http://schemas.microsoft.com/office/powerpoint/2015/main" val="1"/>
+              </p:ext>
+            </p:extLst>
+          </p:nvPr>
+        </p:nvSpPr>
+        <p:spPr>
+          <a:xfrm rot="5993193">
+            <a:off x="1186972" y="1089049"/>
+            <a:ext cx="4967533" cy="4988390"/>
+          </a:xfrm>
+          <a:prstGeom prst="ellipse">
+            <a:avLst/>
+          </a:prstGeom>
+          <a:gradFill>
+            <a:gsLst>
+              <a:gs pos="0">
+                <a:schemeClr val="accent1">
+                  <a:alpha val="26000"/>
+                </a:schemeClr>
+              </a:gs>
+              <a:gs pos="85000">
+                <a:schemeClr val="accent1">
+                  <a:lumMod val="60000"/>
+                  <a:lumOff val="40000"/>
+                  <a:alpha val="0"/>
+                </a:schemeClr>
+              </a:gs>
+            </a:gsLst>
+            <a:lin ang="14400000" scaled="0"/>
+          </a:gradFill>
+          <a:ln>
+            <a:noFill/>
+          </a:ln>
+        </p:spPr>
+        <p:style>
+          <a:lnRef idx="2">
+            <a:schemeClr val="accent1">
+              <a:shade val="50000"/>
+            </a:schemeClr>
+          </a:lnRef>
+          <a:fillRef idx="1">
+            <a:schemeClr val="accent1"/>
+          </a:fillRef>
+          <a:effectRef idx="0">
+            <a:schemeClr val="accent1"/>
+          </a:effectRef>
+          <a:fontRef idx="minor">
+            <a:schemeClr val="lt1"/>
+          </a:fontRef>
+        </p:style>
+        <p:txBody>
+          <a:bodyPr rtlCol="0" anchor="ctr"/>
+          <a:lstStyle/>
+          <a:p>
+            <a:pPr algn="ctr"/>
+            <a:endParaRPr lang="en-US" dirty="0"/>
+          </a:p>
+        </p:txBody>
+      </p:sp>
+      <p:sp>
+        <p:nvSpPr>
+          <p:cNvPr id="2" name="Title 1">
+            <a:extLst>
+              <a:ext uri="{FF2B5EF4-FFF2-40B4-BE49-F238E27FC236}">
+                <a16:creationId xmlns:a16="http://schemas.microsoft.com/office/drawing/2014/main" id="{2215115C-8DC0-1388-9B32-E5A96F61F1AE}"/>
+              </a:ext>
+            </a:extLst>
+          </p:cNvPr>
+          <p:cNvSpPr>
+            <a:spLocks noGrp="1"/>
+          </p:cNvSpPr>
+          <p:nvPr>
+            <p:ph type="title"/>
+          </p:nvPr>
+        </p:nvSpPr>
+        <p:spPr>
+          <a:xfrm>
+            <a:off x="4162567" y="818984"/>
+            <a:ext cx="6714699" cy="3178689"/>
+          </a:xfrm>
+        </p:spPr>
+        <p:txBody>
+          <a:bodyPr vert="horz" lIns="91440" tIns="45720" rIns="91440" bIns="45720" rtlCol="0" anchor="b">
+            <a:normAutofit/>
+          </a:bodyPr>
+          <a:lstStyle/>
+          <a:p>
+            <a:r>
+              <a:rPr lang="en-US" sz="4800" kern="1200">
+                <a:solidFill>
+                  <a:srgbClr val="FFFFFF"/>
+                </a:solidFill>
+                <a:latin typeface="+mj-lt"/>
+                <a:ea typeface="+mj-ea"/>
+                <a:cs typeface="+mj-cs"/>
+              </a:rPr>
+              <a:t>Project 3</a:t>
+            </a:r>
+          </a:p>
+        </p:txBody>
+      </p:sp>
+      <p:sp>
+        <p:nvSpPr>
+          <p:cNvPr id="21" name="Rectangle 20">
+            <a:extLst>
+              <a:ext uri="{FF2B5EF4-FFF2-40B4-BE49-F238E27FC236}">
+                <a16:creationId xmlns:a16="http://schemas.microsoft.com/office/drawing/2014/main" id="{8C516CC8-80AC-446C-A56E-9F54B7210402}"/>
+              </a:ext>
+              <a:ext uri="{C183D7F6-B498-43B3-948B-1728B52AA6E4}">
+                <adec:decorative xmlns:adec="http://schemas.microsoft.com/office/drawing/2017/decorative" val="1"/>
+              </a:ext>
+            </a:extLst>
+          </p:cNvPr>
+          <p:cNvSpPr>
+            <a:spLocks noGrp="1" noRot="1" noChangeAspect="1" noMove="1" noResize="1" noEditPoints="1" noAdjustHandles="1" noChangeArrowheads="1" noChangeShapeType="1" noTextEdit="1"/>
+          </p:cNvSpPr>
+          <p:nvPr>
+            <p:extLst>
+              <p:ext uri="{386F3935-93C4-4BCD-93E2-E3B085C9AB24}">
+                <p16:designElem xmlns:p16="http://schemas.microsoft.com/office/powerpoint/2015/main" val="1"/>
+              </p:ext>
+            </p:extLst>
+          </p:nvPr>
+        </p:nvSpPr>
+        <p:spPr>
+          <a:xfrm flipH="1">
+            <a:off x="-3" y="4490110"/>
+            <a:ext cx="12217710" cy="2377962"/>
+          </a:xfrm>
+          <a:prstGeom prst="rect">
+            <a:avLst/>
+          </a:prstGeom>
+          <a:gradFill>
+            <a:gsLst>
+              <a:gs pos="0">
+                <a:schemeClr val="accent1">
+                  <a:lumMod val="75000"/>
+                  <a:alpha val="50000"/>
+                </a:schemeClr>
+              </a:gs>
+              <a:gs pos="99000">
+                <a:srgbClr val="000000">
+                  <a:alpha val="34000"/>
+                </a:srgbClr>
+              </a:gs>
+            </a:gsLst>
+            <a:lin ang="13200000" scaled="0"/>
+          </a:gradFill>
+          <a:ln>
+            <a:noFill/>
+          </a:ln>
+        </p:spPr>
+        <p:style>
+          <a:lnRef idx="2">
+            <a:schemeClr val="accent1">
+              <a:shade val="50000"/>
+            </a:schemeClr>
+          </a:lnRef>
+          <a:fillRef idx="1">
+            <a:schemeClr val="accent1"/>
+          </a:fillRef>
+          <a:effectRef idx="0">
+            <a:schemeClr val="accent1"/>
+          </a:effectRef>
+          <a:fontRef idx="minor">
+            <a:schemeClr val="lt1"/>
+          </a:fontRef>
+        </p:style>
+        <p:txBody>
+          <a:bodyPr rtlCol="0" anchor="ctr"/>
+          <a:lstStyle/>
+          <a:p>
+            <a:pPr algn="ctr"/>
+            <a:endParaRPr lang="en-US"/>
+          </a:p>
+        </p:txBody>
+      </p:sp>
+    </p:spTree>
+    <p:extLst>
+      <p:ext uri="{BB962C8B-B14F-4D97-AF65-F5344CB8AC3E}">
+        <p14:creationId xmlns:p14="http://schemas.microsoft.com/office/powerpoint/2010/main" val="3671087319"/>
+      </p:ext>
+    </p:extLst>
+  </p:cSld>
+  <p:clrMapOvr>
+    <a:masterClrMapping/>
+  </p:clrMapOvr>
+</p:sld>
+</file>
+
+<file path=ppt/slides/slide2.xml><?xml version="1.0" encoding="utf-8"?>
+<p:sld xmlns:a="http://schemas.openxmlformats.org/drawingml/2006/main" xmlns:r="http://schemas.openxmlformats.org/officeDocument/2006/relationships" xmlns:p="http://schemas.openxmlformats.org/presentationml/2006/main">
+  <p:cSld>
+    <p:bg>
+      <p:bgPr>
+        <a:solidFill>
+          <a:schemeClr val="bg1"/>
+        </a:solidFill>
+        <a:effectLst/>
+      </p:bgPr>
+    </p:bg>
+    <p:spTree>
+      <p:nvGrpSpPr>
+        <p:cNvPr id="1" name=""/>
+        <p:cNvGrpSpPr/>
+        <p:nvPr/>
+      </p:nvGrpSpPr>
+      <p:grpSpPr>
+        <a:xfrm>
+          <a:off x="0" y="0"/>
+          <a:ext cx="0" cy="0"/>
+          <a:chOff x="0" y="0"/>
+          <a:chExt cx="0" cy="0"/>
+        </a:xfrm>
+      </p:grpSpPr>
+      <p:sp>
+        <p:nvSpPr>
+          <p:cNvPr id="33" name="Rectangle 32">
+            <a:extLst>
+              <a:ext uri="{FF2B5EF4-FFF2-40B4-BE49-F238E27FC236}">
+                <a16:creationId xmlns:a16="http://schemas.microsoft.com/office/drawing/2014/main" id="{D7A453D2-15D8-4403-815F-291FA16340D9}"/>
+              </a:ext>
+              <a:ext uri="{C183D7F6-B498-43B3-948B-1728B52AA6E4}">
+                <adec:decorative xmlns:adec="http://schemas.microsoft.com/office/drawing/2017/decorative" val="1"/>
+              </a:ext>
+            </a:extLst>
+          </p:cNvPr>
+          <p:cNvSpPr>
+            <a:spLocks noGrp="1" noRot="1" noChangeAspect="1" noMove="1" noResize="1" noEditPoints="1" noAdjustHandles="1" noChangeArrowheads="1" noChangeShapeType="1" noTextEdit="1"/>
+          </p:cNvSpPr>
+          <p:nvPr>
+            <p:extLst>
+              <p:ext uri="{386F3935-93C4-4BCD-93E2-E3B085C9AB24}">
+                <p16:designElem xmlns:p16="http://schemas.microsoft.com/office/powerpoint/2015/main" val="1"/>
+              </p:ext>
+            </p:extLst>
+          </p:nvPr>
+        </p:nvSpPr>
+        <p:spPr>
+          <a:xfrm>
+            <a:off x="3048" y="0"/>
+            <a:ext cx="12188952" cy="6858000"/>
+          </a:xfrm>
+          <a:prstGeom prst="rect">
+            <a:avLst/>
+          </a:prstGeom>
+          <a:solidFill>
+            <a:schemeClr val="tx2"/>
+          </a:solidFill>
+          <a:ln>
+            <a:noFill/>
+          </a:ln>
+        </p:spPr>
+        <p:style>
+          <a:lnRef idx="2">
+            <a:schemeClr val="accent1">
+              <a:shade val="50000"/>
+            </a:schemeClr>
+          </a:lnRef>
+          <a:fillRef idx="1">
+            <a:schemeClr val="accent1"/>
+          </a:fillRef>
+          <a:effectRef idx="0">
+            <a:schemeClr val="accent1"/>
+          </a:effectRef>
+          <a:fontRef idx="minor">
+            <a:schemeClr val="lt1"/>
+          </a:fontRef>
+        </p:style>
+        <p:txBody>
+          <a:bodyPr rtlCol="0" anchor="ctr"/>
+          <a:lstStyle/>
+          <a:p>
+            <a:pPr algn="ctr"/>
+            <a:endParaRPr lang="en-US"/>
+          </a:p>
+        </p:txBody>
+      </p:sp>
+      <p:sp>
+        <p:nvSpPr>
+          <p:cNvPr id="35" name="Rectangle 34">
+            <a:extLst>
+              <a:ext uri="{FF2B5EF4-FFF2-40B4-BE49-F238E27FC236}">
+                <a16:creationId xmlns:a16="http://schemas.microsoft.com/office/drawing/2014/main" id="{8161EA6B-09CA-445B-AB0D-8DF76FA92DEF}"/>
+              </a:ext>
+              <a:ext uri="{C183D7F6-B498-43B3-948B-1728B52AA6E4}">
+                <adec:decorative xmlns:adec="http://schemas.microsoft.com/office/drawing/2017/decorative" val="1"/>
+              </a:ext>
+            </a:extLst>
+          </p:cNvPr>
+          <p:cNvSpPr>
+            <a:spLocks noGrp="1" noRot="1" noChangeAspect="1" noMove="1" noResize="1" noEditPoints="1" noAdjustHandles="1" noChangeArrowheads="1" noChangeShapeType="1" noTextEdit="1"/>
+          </p:cNvSpPr>
+          <p:nvPr>
+            <p:extLst>
+              <p:ext uri="{386F3935-93C4-4BCD-93E2-E3B085C9AB24}">
+                <p16:designElem xmlns:p16="http://schemas.microsoft.com/office/powerpoint/2015/main" val="1"/>
+              </p:ext>
+            </p:extLst>
+          </p:nvPr>
+        </p:nvSpPr>
+        <p:spPr>
+          <a:xfrm>
+            <a:off x="0" y="0"/>
+            <a:ext cx="12188952" cy="6858000"/>
+          </a:xfrm>
+          <a:prstGeom prst="rect">
+            <a:avLst/>
+          </a:prstGeom>
+          <a:solidFill>
+            <a:schemeClr val="tx1">
+              <a:alpha val="53000"/>
+            </a:schemeClr>
+          </a:solidFill>
+          <a:ln>
+            <a:noFill/>
+          </a:ln>
+        </p:spPr>
+        <p:style>
+          <a:lnRef idx="2">
+            <a:schemeClr val="accent1">
+              <a:shade val="50000"/>
+            </a:schemeClr>
+          </a:lnRef>
+          <a:fillRef idx="1">
+            <a:schemeClr val="accent1"/>
+          </a:fillRef>
+          <a:effectRef idx="0">
+            <a:schemeClr val="accent1"/>
+          </a:effectRef>
+          <a:fontRef idx="minor">
+            <a:schemeClr val="lt1"/>
+          </a:fontRef>
+        </p:style>
+        <p:txBody>
+          <a:bodyPr rtlCol="0" anchor="ctr"/>
+          <a:lstStyle/>
+          <a:p>
+            <a:pPr algn="ctr"/>
+            <a:endParaRPr lang="en-US"/>
+          </a:p>
+        </p:txBody>
+      </p:sp>
+      <p:grpSp>
+        <p:nvGrpSpPr>
+          <p:cNvPr id="37" name="Group 36">
+            <a:extLst>
+              <a:ext uri="{FF2B5EF4-FFF2-40B4-BE49-F238E27FC236}">
+                <a16:creationId xmlns:a16="http://schemas.microsoft.com/office/drawing/2014/main" id="{913B067F-3154-4968-A886-DF93A787EC44}"/>
+              </a:ext>
+              <a:ext uri="{C183D7F6-B498-43B3-948B-1728B52AA6E4}">
+                <adec:decorative xmlns:adec="http://schemas.microsoft.com/office/drawing/2017/decorative" val="1"/>
+              </a:ext>
+            </a:extLst>
+          </p:cNvPr>
+          <p:cNvGrpSpPr>
+            <a:grpSpLocks noGrp="1" noUngrp="1" noRot="1" noChangeAspect="1" noMove="1" noResize="1"/>
+          </p:cNvGrpSpPr>
+          <p:nvPr>
+            <p:extLst>
+              <p:ext uri="{386F3935-93C4-4BCD-93E2-E3B085C9AB24}">
+                <p16:designElem xmlns:p16="http://schemas.microsoft.com/office/powerpoint/2015/main" val="1"/>
+              </p:ext>
+            </p:extLst>
+          </p:nvPr>
+        </p:nvGrpSpPr>
+        <p:grpSpPr>
+          <a:xfrm>
+            <a:off x="1" y="2075420"/>
+            <a:ext cx="12048729" cy="4093306"/>
+            <a:chOff x="1" y="2075420"/>
+            <a:chExt cx="12048729" cy="4093306"/>
+          </a:xfrm>
+        </p:grpSpPr>
+        <p:sp>
+          <p:nvSpPr>
+            <p:cNvPr id="38" name="Oval 37">
+              <a:extLst>
+                <a:ext uri="{FF2B5EF4-FFF2-40B4-BE49-F238E27FC236}">
+                  <a16:creationId xmlns:a16="http://schemas.microsoft.com/office/drawing/2014/main" id="{97583D6C-C05B-47AB-8540-B2700B82A4AE}"/>
+                </a:ext>
+                <a:ext uri="{C183D7F6-B498-43B3-948B-1728B52AA6E4}">
+                  <adec:decorative xmlns:adec="http://schemas.microsoft.com/office/drawing/2017/decorative" val="1"/>
+                </a:ext>
+              </a:extLst>
+            </p:cNvPr>
+            <p:cNvSpPr/>
+            <p:nvPr>
+              <p:extLst>
+                <p:ext uri="{386F3935-93C4-4BCD-93E2-E3B085C9AB24}">
+                  <p16:designElem xmlns:p16="http://schemas.microsoft.com/office/powerpoint/2015/main" val="1"/>
+                </p:ext>
+              </p:extLst>
+            </p:nvPr>
+          </p:nvSpPr>
+          <p:spPr>
+            <a:xfrm rot="4500000">
+              <a:off x="7942191" y="2507571"/>
+              <a:ext cx="3563871" cy="3563871"/>
+            </a:xfrm>
+            <a:prstGeom prst="ellipse">
+              <a:avLst/>
+            </a:prstGeom>
+            <a:noFill/>
+            <a:ln w="31750">
+              <a:gradFill>
+                <a:gsLst>
+                  <a:gs pos="0">
+                    <a:schemeClr val="tx2">
+                      <a:lumMod val="60000"/>
+                      <a:lumOff val="40000"/>
+                      <a:alpha val="10000"/>
+                    </a:schemeClr>
+                  </a:gs>
+                  <a:gs pos="100000">
+                    <a:schemeClr val="tx2">
+                      <a:lumMod val="50000"/>
+                      <a:alpha val="20000"/>
+                    </a:schemeClr>
+                  </a:gs>
+                </a:gsLst>
+                <a:lin ang="5400000" scaled="1"/>
+              </a:gradFill>
+              <a:prstDash val="sysDot"/>
+            </a:ln>
+          </p:spPr>
+          <p:style>
+            <a:lnRef idx="2">
+              <a:schemeClr val="accent1">
+                <a:shade val="50000"/>
+              </a:schemeClr>
+            </a:lnRef>
+            <a:fillRef idx="1">
+              <a:schemeClr val="accent1"/>
+            </a:fillRef>
+            <a:effectRef idx="0">
+              <a:schemeClr val="accent1"/>
+            </a:effectRef>
+            <a:fontRef idx="minor">
+              <a:schemeClr val="lt1"/>
+            </a:fontRef>
+          </p:style>
+          <p:txBody>
+            <a:bodyPr rtlCol="0" anchor="ctr"/>
+            <a:lstStyle/>
+            <a:p>
+              <a:pPr algn="ctr"/>
+              <a:endParaRPr lang="en-US"/>
+            </a:p>
+          </p:txBody>
+        </p:sp>
+        <p:sp>
+          <p:nvSpPr>
+            <p:cNvPr id="39" name="Oval 38">
+              <a:extLst>
+                <a:ext uri="{FF2B5EF4-FFF2-40B4-BE49-F238E27FC236}">
+                  <a16:creationId xmlns:a16="http://schemas.microsoft.com/office/drawing/2014/main" id="{6501AD91-D973-4968-95E4-4C26CFDF8F79}"/>
+                </a:ext>
+                <a:ext uri="{C183D7F6-B498-43B3-948B-1728B52AA6E4}">
+                  <adec:decorative xmlns:adec="http://schemas.microsoft.com/office/drawing/2017/decorative" val="1"/>
+                </a:ext>
+              </a:extLst>
+            </p:cNvPr>
+            <p:cNvSpPr/>
+            <p:nvPr>
+              <p:extLst>
+                <p:ext uri="{386F3935-93C4-4BCD-93E2-E3B085C9AB24}">
+                  <p16:designElem xmlns:p16="http://schemas.microsoft.com/office/powerpoint/2015/main" val="1"/>
+                </p:ext>
+              </p:extLst>
+            </p:nvPr>
+          </p:nvSpPr>
+          <p:spPr>
+            <a:xfrm rot="16200000">
+              <a:off x="10435065" y="4048931"/>
+              <a:ext cx="1381607" cy="1381607"/>
+            </a:xfrm>
+            <a:prstGeom prst="ellipse">
+              <a:avLst/>
+            </a:prstGeom>
+            <a:noFill/>
+            <a:ln w="31750">
+              <a:gradFill>
+                <a:gsLst>
+                  <a:gs pos="0">
+                    <a:schemeClr val="tx2">
+                      <a:lumMod val="60000"/>
+                      <a:lumOff val="40000"/>
+                      <a:alpha val="20000"/>
+                    </a:schemeClr>
+                  </a:gs>
+                  <a:gs pos="100000">
+                    <a:schemeClr val="tx2">
+                      <a:lumMod val="50000"/>
+                      <a:alpha val="20000"/>
+                    </a:schemeClr>
+                  </a:gs>
+                </a:gsLst>
+                <a:lin ang="5400000" scaled="1"/>
+              </a:gradFill>
+              <a:prstDash val="sysDot"/>
+            </a:ln>
+          </p:spPr>
+          <p:style>
+            <a:lnRef idx="2">
+              <a:schemeClr val="accent1">
+                <a:shade val="50000"/>
+              </a:schemeClr>
+            </a:lnRef>
+            <a:fillRef idx="1">
+              <a:schemeClr val="accent1"/>
+            </a:fillRef>
+            <a:effectRef idx="0">
+              <a:schemeClr val="accent1"/>
+            </a:effectRef>
+            <a:fontRef idx="minor">
+              <a:schemeClr val="lt1"/>
+            </a:fontRef>
+          </p:style>
+          <p:txBody>
+            <a:bodyPr rtlCol="0" anchor="ctr"/>
+            <a:lstStyle/>
+            <a:p>
+              <a:pPr algn="ctr"/>
+              <a:endParaRPr lang="en-US"/>
+            </a:p>
+          </p:txBody>
+        </p:sp>
+        <p:sp>
+          <p:nvSpPr>
+            <p:cNvPr id="40" name="Oval 39">
+              <a:extLst>
+                <a:ext uri="{FF2B5EF4-FFF2-40B4-BE49-F238E27FC236}">
+                  <a16:creationId xmlns:a16="http://schemas.microsoft.com/office/drawing/2014/main" id="{5C165989-F5FE-4BB6-9817-E7828CB1D6E0}"/>
+                </a:ext>
+                <a:ext uri="{C183D7F6-B498-43B3-948B-1728B52AA6E4}">
+                  <adec:decorative xmlns:adec="http://schemas.microsoft.com/office/drawing/2017/decorative" val="1"/>
+                </a:ext>
+              </a:extLst>
+            </p:cNvPr>
+            <p:cNvSpPr/>
+            <p:nvPr>
+              <p:extLst>
+                <p:ext uri="{386F3935-93C4-4BCD-93E2-E3B085C9AB24}">
+                  <p16:designElem xmlns:p16="http://schemas.microsoft.com/office/powerpoint/2015/main" val="1"/>
+                </p:ext>
+              </p:extLst>
+            </p:nvPr>
+          </p:nvSpPr>
+          <p:spPr>
+            <a:xfrm rot="16200000">
+              <a:off x="1" y="2075420"/>
+              <a:ext cx="3144364" cy="3144364"/>
+            </a:xfrm>
+            <a:prstGeom prst="ellipse">
+              <a:avLst/>
+            </a:prstGeom>
+            <a:gradFill>
+              <a:gsLst>
+                <a:gs pos="0">
+                  <a:schemeClr val="tx2">
+                    <a:lumMod val="75000"/>
+                    <a:alpha val="20000"/>
+                  </a:schemeClr>
+                </a:gs>
+                <a:gs pos="100000">
+                  <a:schemeClr val="tx2">
+                    <a:lumMod val="50000"/>
+                    <a:alpha val="10000"/>
+                  </a:schemeClr>
+                </a:gs>
+              </a:gsLst>
+              <a:lin ang="5400000" scaled="1"/>
+            </a:gradFill>
+            <a:ln>
+              <a:noFill/>
+            </a:ln>
+          </p:spPr>
+          <p:style>
+            <a:lnRef idx="2">
+              <a:schemeClr val="accent1">
+                <a:shade val="50000"/>
+              </a:schemeClr>
+            </a:lnRef>
+            <a:fillRef idx="1">
+              <a:schemeClr val="accent1"/>
+            </a:fillRef>
+            <a:effectRef idx="0">
+              <a:schemeClr val="accent1"/>
+            </a:effectRef>
+            <a:fontRef idx="minor">
+              <a:schemeClr val="lt1"/>
+            </a:fontRef>
+          </p:style>
+          <p:txBody>
+            <a:bodyPr rtlCol="0" anchor="ctr"/>
+            <a:lstStyle/>
+            <a:p>
+              <a:pPr algn="ctr"/>
+              <a:endParaRPr lang="en-US"/>
+            </a:p>
+          </p:txBody>
+        </p:sp>
+        <p:sp>
+          <p:nvSpPr>
+            <p:cNvPr id="41" name="Oval 40">
+              <a:extLst>
+                <a:ext uri="{FF2B5EF4-FFF2-40B4-BE49-F238E27FC236}">
+                  <a16:creationId xmlns:a16="http://schemas.microsoft.com/office/drawing/2014/main" id="{6B0649CC-B912-4E82-BEA0-DA75ECB19A67}"/>
+                </a:ext>
+                <a:ext uri="{C183D7F6-B498-43B3-948B-1728B52AA6E4}">
+                  <adec:decorative xmlns:adec="http://schemas.microsoft.com/office/drawing/2017/decorative" val="1"/>
+                </a:ext>
+              </a:extLst>
+            </p:cNvPr>
+            <p:cNvSpPr/>
+            <p:nvPr>
+              <p:extLst>
+                <p:ext uri="{386F3935-93C4-4BCD-93E2-E3B085C9AB24}">
+                  <p16:designElem xmlns:p16="http://schemas.microsoft.com/office/powerpoint/2015/main" val="1"/>
+                </p:ext>
+              </p:extLst>
+            </p:nvPr>
+          </p:nvSpPr>
+          <p:spPr>
+            <a:xfrm rot="12600000">
+              <a:off x="10150845" y="4270841"/>
+              <a:ext cx="1897885" cy="1897885"/>
+            </a:xfrm>
+            <a:prstGeom prst="ellipse">
+              <a:avLst/>
+            </a:prstGeom>
+            <a:gradFill>
+              <a:gsLst>
+                <a:gs pos="0">
+                  <a:schemeClr val="tx2">
+                    <a:lumMod val="75000"/>
+                    <a:alpha val="10000"/>
+                  </a:schemeClr>
+                </a:gs>
+                <a:gs pos="100000">
+                  <a:schemeClr val="tx2">
+                    <a:lumMod val="75000"/>
+                    <a:alpha val="20000"/>
+                  </a:schemeClr>
+                </a:gs>
+              </a:gsLst>
+              <a:lin ang="5400000" scaled="1"/>
+            </a:gradFill>
+            <a:ln>
+              <a:noFill/>
+            </a:ln>
+          </p:spPr>
+          <p:style>
+            <a:lnRef idx="2">
+              <a:schemeClr val="accent1">
+                <a:shade val="50000"/>
+              </a:schemeClr>
+            </a:lnRef>
+            <a:fillRef idx="1">
+              <a:schemeClr val="accent1"/>
+            </a:fillRef>
+            <a:effectRef idx="0">
+              <a:schemeClr val="accent1"/>
+            </a:effectRef>
+            <a:fontRef idx="minor">
+              <a:schemeClr val="lt1"/>
+            </a:fontRef>
+          </p:style>
+          <p:txBody>
+            <a:bodyPr rtlCol="0" anchor="ctr"/>
+            <a:lstStyle/>
+            <a:p>
+              <a:pPr algn="ctr"/>
+              <a:endParaRPr lang="en-US" dirty="0"/>
+            </a:p>
+          </p:txBody>
+        </p:sp>
+        <p:sp>
+          <p:nvSpPr>
+            <p:cNvPr id="42" name="Oval 41">
+              <a:extLst>
+                <a:ext uri="{FF2B5EF4-FFF2-40B4-BE49-F238E27FC236}">
+                  <a16:creationId xmlns:a16="http://schemas.microsoft.com/office/drawing/2014/main" id="{6BA08C17-C9A5-4FA8-ABC4-44FB3B869672}"/>
+                </a:ext>
+                <a:ext uri="{C183D7F6-B498-43B3-948B-1728B52AA6E4}">
+                  <adec:decorative xmlns:adec="http://schemas.microsoft.com/office/drawing/2017/decorative" val="1"/>
+                </a:ext>
+              </a:extLst>
+            </p:cNvPr>
+            <p:cNvSpPr/>
+            <p:nvPr>
+              <p:extLst>
+                <p:ext uri="{386F3935-93C4-4BCD-93E2-E3B085C9AB24}">
+                  <p16:designElem xmlns:p16="http://schemas.microsoft.com/office/powerpoint/2015/main" val="1"/>
+                </p:ext>
+              </p:extLst>
+            </p:nvPr>
+          </p:nvSpPr>
+          <p:spPr>
+            <a:xfrm rot="4500000">
+              <a:off x="2046780" y="3040492"/>
+              <a:ext cx="2579322" cy="2579322"/>
+            </a:xfrm>
+            <a:prstGeom prst="ellipse">
+              <a:avLst/>
+            </a:prstGeom>
+            <a:noFill/>
+            <a:ln w="31750">
+              <a:gradFill>
+                <a:gsLst>
+                  <a:gs pos="0">
+                    <a:schemeClr val="tx2">
+                      <a:lumMod val="60000"/>
+                      <a:lumOff val="40000"/>
+                      <a:alpha val="20000"/>
+                    </a:schemeClr>
+                  </a:gs>
+                  <a:gs pos="100000">
+                    <a:schemeClr val="tx2">
+                      <a:lumMod val="50000"/>
+                      <a:alpha val="20000"/>
+                    </a:schemeClr>
+                  </a:gs>
+                </a:gsLst>
+                <a:lin ang="5400000" scaled="1"/>
+              </a:gradFill>
+              <a:prstDash val="sysDot"/>
+            </a:ln>
+          </p:spPr>
+          <p:style>
+            <a:lnRef idx="2">
+              <a:schemeClr val="accent1">
+                <a:shade val="50000"/>
+              </a:schemeClr>
+            </a:lnRef>
+            <a:fillRef idx="1">
+              <a:schemeClr val="accent1"/>
+            </a:fillRef>
+            <a:effectRef idx="0">
+              <a:schemeClr val="accent1"/>
+            </a:effectRef>
+            <a:fontRef idx="minor">
+              <a:schemeClr val="lt1"/>
+            </a:fontRef>
+          </p:style>
+          <p:txBody>
+            <a:bodyPr rtlCol="0" anchor="ctr"/>
+            <a:lstStyle/>
+            <a:p>
+              <a:pPr algn="ctr"/>
+              <a:endParaRPr lang="en-US"/>
+            </a:p>
+          </p:txBody>
+        </p:sp>
+        <p:sp>
+          <p:nvSpPr>
+            <p:cNvPr id="43" name="Oval 42">
+              <a:extLst>
+                <a:ext uri="{FF2B5EF4-FFF2-40B4-BE49-F238E27FC236}">
+                  <a16:creationId xmlns:a16="http://schemas.microsoft.com/office/drawing/2014/main" id="{70DEAC6C-553C-437E-BC17-D44952337564}"/>
+                </a:ext>
+                <a:ext uri="{C183D7F6-B498-43B3-948B-1728B52AA6E4}">
+                  <adec:decorative xmlns:adec="http://schemas.microsoft.com/office/drawing/2017/decorative" val="1"/>
+                </a:ext>
+              </a:extLst>
+            </p:cNvPr>
+            <p:cNvSpPr/>
+            <p:nvPr>
+              <p:extLst>
+                <p:ext uri="{386F3935-93C4-4BCD-93E2-E3B085C9AB24}">
+                  <p16:designElem xmlns:p16="http://schemas.microsoft.com/office/powerpoint/2015/main" val="1"/>
+                </p:ext>
+              </p:extLst>
+            </p:nvPr>
+          </p:nvSpPr>
+          <p:spPr>
+            <a:xfrm rot="4500000">
+              <a:off x="2224640" y="3193975"/>
+              <a:ext cx="2243193" cy="2243193"/>
+            </a:xfrm>
+            <a:prstGeom prst="ellipse">
+              <a:avLst/>
+            </a:prstGeom>
+            <a:noFill/>
+            <a:ln w="31750">
+              <a:gradFill>
+                <a:gsLst>
+                  <a:gs pos="0">
+                    <a:schemeClr val="tx2">
+                      <a:lumMod val="60000"/>
+                      <a:lumOff val="40000"/>
+                      <a:alpha val="10000"/>
+                    </a:schemeClr>
+                  </a:gs>
+                  <a:gs pos="100000">
+                    <a:schemeClr val="tx2">
+                      <a:lumMod val="50000"/>
+                      <a:alpha val="10000"/>
+                    </a:schemeClr>
+                  </a:gs>
+                </a:gsLst>
+                <a:lin ang="5400000" scaled="1"/>
+              </a:gradFill>
+            </a:ln>
+          </p:spPr>
+          <p:style>
+            <a:lnRef idx="2">
+              <a:schemeClr val="accent1">
+                <a:shade val="50000"/>
+              </a:schemeClr>
+            </a:lnRef>
+            <a:fillRef idx="1">
+              <a:schemeClr val="accent1"/>
+            </a:fillRef>
+            <a:effectRef idx="0">
+              <a:schemeClr val="accent1"/>
+            </a:effectRef>
+            <a:fontRef idx="minor">
+              <a:schemeClr val="lt1"/>
+            </a:fontRef>
+          </p:style>
+          <p:txBody>
+            <a:bodyPr rtlCol="0" anchor="ctr"/>
+            <a:lstStyle/>
+            <a:p>
+              <a:pPr algn="ctr"/>
+              <a:endParaRPr lang="en-US"/>
+            </a:p>
+          </p:txBody>
+        </p:sp>
+      </p:grpSp>
+      <p:sp>
+        <p:nvSpPr>
+          <p:cNvPr id="45" name="Rectangle 44">
+            <a:extLst>
+              <a:ext uri="{FF2B5EF4-FFF2-40B4-BE49-F238E27FC236}">
+                <a16:creationId xmlns:a16="http://schemas.microsoft.com/office/drawing/2014/main" id="{B8114C98-A349-4111-A123-E8EAB86ABE30}"/>
+              </a:ext>
+              <a:ext uri="{C183D7F6-B498-43B3-948B-1728B52AA6E4}">
+                <adec:decorative xmlns:adec="http://schemas.microsoft.com/office/drawing/2017/decorative" val="1"/>
+              </a:ext>
+            </a:extLst>
+          </p:cNvPr>
+          <p:cNvSpPr>
+            <a:spLocks noGrp="1" noRot="1" noChangeAspect="1" noMove="1" noResize="1" noEditPoints="1" noAdjustHandles="1" noChangeArrowheads="1" noChangeShapeType="1" noTextEdit="1"/>
+          </p:cNvSpPr>
+          <p:nvPr>
+            <p:extLst>
+              <p:ext uri="{386F3935-93C4-4BCD-93E2-E3B085C9AB24}">
+                <p16:designElem xmlns:p16="http://schemas.microsoft.com/office/powerpoint/2015/main" val="1"/>
+              </p:ext>
+            </p:extLst>
+          </p:nvPr>
+        </p:nvSpPr>
+        <p:spPr>
+          <a:xfrm rot="16200000">
+            <a:off x="10438146" y="1042605"/>
+            <a:ext cx="2796461" cy="711252"/>
+          </a:xfrm>
+          <a:prstGeom prst="rect">
+            <a:avLst/>
+          </a:prstGeom>
+          <a:gradFill flip="none" rotWithShape="1">
+            <a:gsLst>
+              <a:gs pos="0">
+                <a:schemeClr val="tx2">
+                  <a:lumMod val="40000"/>
+                  <a:lumOff val="60000"/>
+                  <a:alpha val="0"/>
+                </a:schemeClr>
+              </a:gs>
+              <a:gs pos="100000">
+                <a:schemeClr val="tx2">
+                  <a:lumMod val="75000"/>
+                  <a:alpha val="10000"/>
+                </a:schemeClr>
+              </a:gs>
+            </a:gsLst>
+            <a:lin ang="8400000" scaled="0"/>
+            <a:tileRect/>
+          </a:gradFill>
+          <a:ln>
+            <a:noFill/>
+          </a:ln>
+        </p:spPr>
+        <p:style>
+          <a:lnRef idx="2">
+            <a:schemeClr val="accent1">
+              <a:shade val="50000"/>
+            </a:schemeClr>
+          </a:lnRef>
+          <a:fillRef idx="1">
+            <a:schemeClr val="accent1"/>
+          </a:fillRef>
+          <a:effectRef idx="0">
+            <a:schemeClr val="accent1"/>
+          </a:effectRef>
+          <a:fontRef idx="minor">
+            <a:schemeClr val="lt1"/>
+          </a:fontRef>
+        </p:style>
+        <p:txBody>
+          <a:bodyPr rtlCol="0" anchor="ctr"/>
+          <a:lstStyle/>
+          <a:p>
+            <a:pPr algn="ctr"/>
+            <a:endParaRPr lang="en-US"/>
+          </a:p>
+        </p:txBody>
+      </p:sp>
+      <p:grpSp>
+        <p:nvGrpSpPr>
+          <p:cNvPr id="47" name="Group 46">
+            <a:extLst>
+              <a:ext uri="{FF2B5EF4-FFF2-40B4-BE49-F238E27FC236}">
+                <a16:creationId xmlns:a16="http://schemas.microsoft.com/office/drawing/2014/main" id="{670FB431-AE18-414D-92F4-1D12D1991152}"/>
+              </a:ext>
+              <a:ext uri="{C183D7F6-B498-43B3-948B-1728B52AA6E4}">
+                <adec:decorative xmlns:adec="http://schemas.microsoft.com/office/drawing/2017/decorative" val="1"/>
+              </a:ext>
+            </a:extLst>
+          </p:cNvPr>
+          <p:cNvGrpSpPr>
+            <a:grpSpLocks noGrp="1" noUngrp="1" noRot="1" noChangeAspect="1" noMove="1" noResize="1"/>
+          </p:cNvGrpSpPr>
+          <p:nvPr>
+            <p:extLst>
+              <p:ext uri="{386F3935-93C4-4BCD-93E2-E3B085C9AB24}">
+                <p16:designElem xmlns:p16="http://schemas.microsoft.com/office/powerpoint/2015/main" val="1"/>
+              </p:ext>
+            </p:extLst>
+          </p:nvPr>
+        </p:nvGrpSpPr>
+        <p:grpSpPr>
+          <a:xfrm>
+            <a:off x="11259539" y="317578"/>
+            <a:ext cx="548640" cy="549007"/>
+            <a:chOff x="7029447" y="3514725"/>
+            <a:chExt cx="1285875" cy="549007"/>
+          </a:xfrm>
+        </p:grpSpPr>
+        <p:cxnSp>
+          <p:nvCxnSpPr>
+            <p:cNvPr id="48" name="Straight Connector 47">
+              <a:extLst>
+                <a:ext uri="{FF2B5EF4-FFF2-40B4-BE49-F238E27FC236}">
+                  <a16:creationId xmlns:a16="http://schemas.microsoft.com/office/drawing/2014/main" id="{24467063-D74E-4D42-8790-B9F6D69584BE}"/>
+                </a:ext>
+                <a:ext uri="{C183D7F6-B498-43B3-948B-1728B52AA6E4}">
+                  <adec:decorative xmlns:adec="http://schemas.microsoft.com/office/drawing/2017/decorative" val="1"/>
+                </a:ext>
+              </a:extLst>
+            </p:cNvPr>
+            <p:cNvCxnSpPr>
+              <a:cxnSpLocks/>
+            </p:cNvCxnSpPr>
+            <p:nvPr>
+              <p:extLst>
+                <p:ext uri="{386F3935-93C4-4BCD-93E2-E3B085C9AB24}">
+                  <p16:designElem xmlns:p16="http://schemas.microsoft.com/office/powerpoint/2015/main" val="1"/>
+                </p:ext>
+              </p:extLst>
+            </p:nvPr>
+          </p:nvCxnSpPr>
+          <p:spPr>
+            <a:xfrm>
+              <a:off x="7029447" y="3514725"/>
+              <a:ext cx="1285875" cy="0"/>
+            </a:xfrm>
+            <a:prstGeom prst="line">
+              <a:avLst/>
+            </a:prstGeom>
+            <a:ln w="31750" cap="rnd" cmpd="sng">
+              <a:gradFill>
+                <a:gsLst>
+                  <a:gs pos="0">
+                    <a:schemeClr val="tx2">
+                      <a:lumMod val="60000"/>
+                      <a:lumOff val="40000"/>
+                      <a:alpha val="40000"/>
+                    </a:schemeClr>
+                  </a:gs>
+                  <a:gs pos="100000">
+                    <a:schemeClr val="tx2">
+                      <a:lumMod val="75000"/>
+                      <a:alpha val="40000"/>
+                    </a:schemeClr>
+                  </a:gs>
+                </a:gsLst>
+                <a:lin ang="5400000" scaled="1"/>
+              </a:gradFill>
+              <a:prstDash val="sysDot"/>
+              <a:round/>
+            </a:ln>
+          </p:spPr>
+          <p:style>
+            <a:lnRef idx="1">
+              <a:schemeClr val="accent1"/>
+            </a:lnRef>
+            <a:fillRef idx="0">
+              <a:schemeClr val="accent1"/>
+            </a:fillRef>
+            <a:effectRef idx="0">
+              <a:schemeClr val="accent1"/>
+            </a:effectRef>
+            <a:fontRef idx="minor">
+              <a:schemeClr val="tx1"/>
+            </a:fontRef>
+          </p:style>
+        </p:cxnSp>
+        <p:cxnSp>
+          <p:nvCxnSpPr>
+            <p:cNvPr id="49" name="Straight Connector 48">
+              <a:extLst>
+                <a:ext uri="{FF2B5EF4-FFF2-40B4-BE49-F238E27FC236}">
+                  <a16:creationId xmlns:a16="http://schemas.microsoft.com/office/drawing/2014/main" id="{A1D19BAC-1681-47BC-AAF5-92FAFFF6F4CE}"/>
+                </a:ext>
+                <a:ext uri="{C183D7F6-B498-43B3-948B-1728B52AA6E4}">
+                  <adec:decorative xmlns:adec="http://schemas.microsoft.com/office/drawing/2017/decorative" val="1"/>
+                </a:ext>
+              </a:extLst>
+            </p:cNvPr>
+            <p:cNvCxnSpPr>
+              <a:cxnSpLocks/>
+            </p:cNvCxnSpPr>
+            <p:nvPr>
+              <p:extLst>
+                <p:ext uri="{386F3935-93C4-4BCD-93E2-E3B085C9AB24}">
+                  <p16:designElem xmlns:p16="http://schemas.microsoft.com/office/powerpoint/2015/main" val="1"/>
+                </p:ext>
+              </p:extLst>
+            </p:nvPr>
+          </p:nvCxnSpPr>
+          <p:spPr>
+            <a:xfrm>
+              <a:off x="7029447" y="3697727"/>
+              <a:ext cx="1285875" cy="0"/>
+            </a:xfrm>
+            <a:prstGeom prst="line">
+              <a:avLst/>
+            </a:prstGeom>
+            <a:ln w="31750" cap="rnd" cmpd="sng">
+              <a:gradFill>
+                <a:gsLst>
+                  <a:gs pos="0">
+                    <a:schemeClr val="tx2">
+                      <a:lumMod val="60000"/>
+                      <a:lumOff val="40000"/>
+                      <a:alpha val="40000"/>
+                    </a:schemeClr>
+                  </a:gs>
+                  <a:gs pos="100000">
+                    <a:schemeClr val="tx2">
+                      <a:lumMod val="75000"/>
+                      <a:alpha val="40000"/>
+                    </a:schemeClr>
+                  </a:gs>
+                </a:gsLst>
+                <a:lin ang="5400000" scaled="1"/>
+              </a:gradFill>
+              <a:prstDash val="sysDot"/>
+              <a:round/>
+            </a:ln>
+          </p:spPr>
+          <p:style>
+            <a:lnRef idx="1">
+              <a:schemeClr val="accent1"/>
+            </a:lnRef>
+            <a:fillRef idx="0">
+              <a:schemeClr val="accent1"/>
+            </a:fillRef>
+            <a:effectRef idx="0">
+              <a:schemeClr val="accent1"/>
+            </a:effectRef>
+            <a:fontRef idx="minor">
+              <a:schemeClr val="tx1"/>
+            </a:fontRef>
+          </p:style>
+        </p:cxnSp>
+        <p:cxnSp>
+          <p:nvCxnSpPr>
+            <p:cNvPr id="50" name="Straight Connector 49">
+              <a:extLst>
+                <a:ext uri="{FF2B5EF4-FFF2-40B4-BE49-F238E27FC236}">
+                  <a16:creationId xmlns:a16="http://schemas.microsoft.com/office/drawing/2014/main" id="{94347C2B-E846-452C-97AA-7E254FC1CE8F}"/>
+                </a:ext>
+                <a:ext uri="{C183D7F6-B498-43B3-948B-1728B52AA6E4}">
+                  <adec:decorative xmlns:adec="http://schemas.microsoft.com/office/drawing/2017/decorative" val="1"/>
+                </a:ext>
+              </a:extLst>
+            </p:cNvPr>
+            <p:cNvCxnSpPr>
+              <a:cxnSpLocks/>
+            </p:cNvCxnSpPr>
+            <p:nvPr>
+              <p:extLst>
+                <p:ext uri="{386F3935-93C4-4BCD-93E2-E3B085C9AB24}">
+                  <p16:designElem xmlns:p16="http://schemas.microsoft.com/office/powerpoint/2015/main" val="1"/>
+                </p:ext>
+              </p:extLst>
+            </p:nvPr>
+          </p:nvCxnSpPr>
+          <p:spPr>
+            <a:xfrm>
+              <a:off x="7029447" y="3880729"/>
+              <a:ext cx="1285875" cy="0"/>
+            </a:xfrm>
+            <a:prstGeom prst="line">
+              <a:avLst/>
+            </a:prstGeom>
+            <a:ln w="31750" cap="rnd" cmpd="sng">
+              <a:gradFill>
+                <a:gsLst>
+                  <a:gs pos="0">
+                    <a:schemeClr val="tx2">
+                      <a:lumMod val="60000"/>
+                      <a:lumOff val="40000"/>
+                      <a:alpha val="40000"/>
+                    </a:schemeClr>
+                  </a:gs>
+                  <a:gs pos="100000">
+                    <a:schemeClr val="tx2">
+                      <a:lumMod val="75000"/>
+                      <a:alpha val="40000"/>
+                    </a:schemeClr>
+                  </a:gs>
+                </a:gsLst>
+                <a:lin ang="5400000" scaled="1"/>
+              </a:gradFill>
+              <a:prstDash val="sysDot"/>
+              <a:round/>
+            </a:ln>
+          </p:spPr>
+          <p:style>
+            <a:lnRef idx="1">
+              <a:schemeClr val="accent1"/>
+            </a:lnRef>
+            <a:fillRef idx="0">
+              <a:schemeClr val="accent1"/>
+            </a:fillRef>
+            <a:effectRef idx="0">
+              <a:schemeClr val="accent1"/>
+            </a:effectRef>
+            <a:fontRef idx="minor">
+              <a:schemeClr val="tx1"/>
+            </a:fontRef>
+          </p:style>
+        </p:cxnSp>
+        <p:cxnSp>
+          <p:nvCxnSpPr>
+            <p:cNvPr id="51" name="Straight Connector 50">
+              <a:extLst>
+                <a:ext uri="{FF2B5EF4-FFF2-40B4-BE49-F238E27FC236}">
+                  <a16:creationId xmlns:a16="http://schemas.microsoft.com/office/drawing/2014/main" id="{10EA2B35-7959-4C2A-84AA-FF5D94FEDE90}"/>
+                </a:ext>
+                <a:ext uri="{C183D7F6-B498-43B3-948B-1728B52AA6E4}">
+                  <adec:decorative xmlns:adec="http://schemas.microsoft.com/office/drawing/2017/decorative" val="1"/>
+                </a:ext>
+              </a:extLst>
+            </p:cNvPr>
+            <p:cNvCxnSpPr>
+              <a:cxnSpLocks/>
+            </p:cNvCxnSpPr>
+            <p:nvPr>
+              <p:extLst>
+                <p:ext uri="{386F3935-93C4-4BCD-93E2-E3B085C9AB24}">
+                  <p16:designElem xmlns:p16="http://schemas.microsoft.com/office/powerpoint/2015/main" val="1"/>
+                </p:ext>
+              </p:extLst>
+            </p:nvPr>
+          </p:nvCxnSpPr>
+          <p:spPr>
+            <a:xfrm>
+              <a:off x="7029447" y="4063732"/>
+              <a:ext cx="1285875" cy="0"/>
+            </a:xfrm>
+            <a:prstGeom prst="line">
+              <a:avLst/>
+            </a:prstGeom>
+            <a:ln w="31750" cap="rnd" cmpd="sng">
+              <a:gradFill>
+                <a:gsLst>
+                  <a:gs pos="0">
+                    <a:schemeClr val="tx2">
+                      <a:lumMod val="60000"/>
+                      <a:lumOff val="40000"/>
+                      <a:alpha val="40000"/>
+                    </a:schemeClr>
+                  </a:gs>
+                  <a:gs pos="100000">
+                    <a:schemeClr val="tx2">
+                      <a:lumMod val="75000"/>
+                      <a:alpha val="40000"/>
+                    </a:schemeClr>
+                  </a:gs>
+                </a:gsLst>
+                <a:lin ang="5400000" scaled="1"/>
+              </a:gradFill>
+              <a:prstDash val="sysDot"/>
+              <a:round/>
+            </a:ln>
+          </p:spPr>
+          <p:style>
+            <a:lnRef idx="1">
+              <a:schemeClr val="accent1"/>
+            </a:lnRef>
+            <a:fillRef idx="0">
+              <a:schemeClr val="accent1"/>
+            </a:fillRef>
+            <a:effectRef idx="0">
+              <a:schemeClr val="accent1"/>
+            </a:effectRef>
+            <a:fontRef idx="minor">
+              <a:schemeClr val="tx1"/>
+            </a:fontRef>
+          </p:style>
+        </p:cxnSp>
+      </p:grpSp>
+      <p:sp>
+        <p:nvSpPr>
+          <p:cNvPr id="53" name="Rectangle 52">
+            <a:extLst>
+              <a:ext uri="{FF2B5EF4-FFF2-40B4-BE49-F238E27FC236}">
+                <a16:creationId xmlns:a16="http://schemas.microsoft.com/office/drawing/2014/main" id="{E2D3D3F2-ABBB-4453-B1C5-1BEBF7E4DD56}"/>
+              </a:ext>
+              <a:ext uri="{C183D7F6-B498-43B3-948B-1728B52AA6E4}">
+                <adec:decorative xmlns:adec="http://schemas.microsoft.com/office/drawing/2017/decorative" val="1"/>
+              </a:ext>
+            </a:extLst>
+          </p:cNvPr>
+          <p:cNvSpPr>
+            <a:spLocks noGrp="1" noRot="1" noChangeAspect="1" noMove="1" noResize="1" noEditPoints="1" noAdjustHandles="1" noChangeArrowheads="1" noChangeShapeType="1" noTextEdit="1"/>
+          </p:cNvSpPr>
+          <p:nvPr>
+            <p:extLst>
+              <p:ext uri="{386F3935-93C4-4BCD-93E2-E3B085C9AB24}">
+                <p16:designElem xmlns:p16="http://schemas.microsoft.com/office/powerpoint/2015/main" val="1"/>
+              </p:ext>
+            </p:extLst>
+          </p:nvPr>
+        </p:nvSpPr>
+        <p:spPr>
+          <a:xfrm rot="10800000">
+            <a:off x="-1" y="6140785"/>
+            <a:ext cx="6095997" cy="711252"/>
+          </a:xfrm>
+          <a:prstGeom prst="rect">
+            <a:avLst/>
+          </a:prstGeom>
+          <a:gradFill flip="none" rotWithShape="1">
+            <a:gsLst>
+              <a:gs pos="10000">
+                <a:schemeClr val="tx2">
+                  <a:lumMod val="50000"/>
+                  <a:alpha val="10000"/>
+                </a:schemeClr>
+              </a:gs>
+              <a:gs pos="100000">
+                <a:schemeClr val="tx2">
+                  <a:lumMod val="60000"/>
+                  <a:lumOff val="40000"/>
+                  <a:alpha val="0"/>
+                </a:schemeClr>
+              </a:gs>
+            </a:gsLst>
+            <a:lin ang="8400000" scaled="0"/>
+            <a:tileRect/>
+          </a:gradFill>
+          <a:ln>
+            <a:noFill/>
+          </a:ln>
+        </p:spPr>
+        <p:style>
+          <a:lnRef idx="2">
+            <a:schemeClr val="accent1">
+              <a:shade val="50000"/>
+            </a:schemeClr>
+          </a:lnRef>
+          <a:fillRef idx="1">
+            <a:schemeClr val="accent1"/>
+          </a:fillRef>
+          <a:effectRef idx="0">
+            <a:schemeClr val="accent1"/>
+          </a:effectRef>
+          <a:fontRef idx="minor">
+            <a:schemeClr val="lt1"/>
+          </a:fontRef>
+        </p:style>
+        <p:txBody>
+          <a:bodyPr rtlCol="0" anchor="ctr"/>
+          <a:lstStyle/>
+          <a:p>
+            <a:pPr algn="ctr"/>
+            <a:endParaRPr lang="en-US"/>
+          </a:p>
+        </p:txBody>
+      </p:sp>
+      <p:grpSp>
+        <p:nvGrpSpPr>
+          <p:cNvPr id="55" name="Group 54">
+            <a:extLst>
+              <a:ext uri="{FF2B5EF4-FFF2-40B4-BE49-F238E27FC236}">
+                <a16:creationId xmlns:a16="http://schemas.microsoft.com/office/drawing/2014/main" id="{8214E4A5-A0D2-42C4-8D14-D2A7E495F041}"/>
+              </a:ext>
+              <a:ext uri="{C183D7F6-B498-43B3-948B-1728B52AA6E4}">
+                <adec:decorative xmlns:adec="http://schemas.microsoft.com/office/drawing/2017/decorative" val="1"/>
+              </a:ext>
+            </a:extLst>
+          </p:cNvPr>
+          <p:cNvGrpSpPr>
+            <a:grpSpLocks noGrp="1" noUngrp="1" noRot="1" noChangeAspect="1" noMove="1" noResize="1"/>
+          </p:cNvGrpSpPr>
+          <p:nvPr>
+            <p:extLst>
+              <p:ext uri="{386F3935-93C4-4BCD-93E2-E3B085C9AB24}">
+                <p16:designElem xmlns:p16="http://schemas.microsoft.com/office/powerpoint/2015/main" val="1"/>
+              </p:ext>
+            </p:extLst>
+          </p:nvPr>
+        </p:nvGrpSpPr>
+        <p:grpSpPr>
+          <a:xfrm rot="5400000">
+            <a:off x="616345" y="5940560"/>
+            <a:ext cx="1285875" cy="549007"/>
+            <a:chOff x="7029447" y="3514725"/>
+            <a:chExt cx="1285875" cy="549007"/>
+          </a:xfrm>
+        </p:grpSpPr>
+        <p:cxnSp>
+          <p:nvCxnSpPr>
+            <p:cNvPr id="56" name="Straight Connector 55">
+              <a:extLst>
+                <a:ext uri="{FF2B5EF4-FFF2-40B4-BE49-F238E27FC236}">
+                  <a16:creationId xmlns:a16="http://schemas.microsoft.com/office/drawing/2014/main" id="{7494D7A0-6B21-41E8-A7D3-0033BBB79156}"/>
+                </a:ext>
+                <a:ext uri="{C183D7F6-B498-43B3-948B-1728B52AA6E4}">
+                  <adec:decorative xmlns:adec="http://schemas.microsoft.com/office/drawing/2017/decorative" val="1"/>
+                </a:ext>
+              </a:extLst>
+            </p:cNvPr>
+            <p:cNvCxnSpPr>
+              <a:cxnSpLocks/>
+            </p:cNvCxnSpPr>
+            <p:nvPr>
+              <p:extLst>
+                <p:ext uri="{386F3935-93C4-4BCD-93E2-E3B085C9AB24}">
+                  <p16:designElem xmlns:p16="http://schemas.microsoft.com/office/powerpoint/2015/main" val="1"/>
+                </p:ext>
+              </p:extLst>
+            </p:nvPr>
+          </p:nvCxnSpPr>
+          <p:spPr>
+            <a:xfrm>
+              <a:off x="7029447" y="3514725"/>
+              <a:ext cx="1285875" cy="0"/>
+            </a:xfrm>
+            <a:prstGeom prst="line">
+              <a:avLst/>
+            </a:prstGeom>
+            <a:ln w="31750" cap="rnd" cmpd="sng">
+              <a:gradFill>
+                <a:gsLst>
+                  <a:gs pos="0">
+                    <a:schemeClr val="tx2">
+                      <a:lumMod val="60000"/>
+                      <a:lumOff val="40000"/>
+                      <a:alpha val="40000"/>
+                    </a:schemeClr>
+                  </a:gs>
+                  <a:gs pos="100000">
+                    <a:schemeClr val="tx2">
+                      <a:lumMod val="50000"/>
+                      <a:alpha val="40000"/>
+                    </a:schemeClr>
+                  </a:gs>
+                </a:gsLst>
+                <a:lin ang="5400000" scaled="1"/>
+              </a:gradFill>
+              <a:prstDash val="sysDot"/>
+              <a:round/>
+            </a:ln>
+          </p:spPr>
+          <p:style>
+            <a:lnRef idx="1">
+              <a:schemeClr val="accent1"/>
+            </a:lnRef>
+            <a:fillRef idx="0">
+              <a:schemeClr val="accent1"/>
+            </a:fillRef>
+            <a:effectRef idx="0">
+              <a:schemeClr val="accent1"/>
+            </a:effectRef>
+            <a:fontRef idx="minor">
+              <a:schemeClr val="tx1"/>
+            </a:fontRef>
+          </p:style>
+        </p:cxnSp>
+        <p:cxnSp>
+          <p:nvCxnSpPr>
+            <p:cNvPr id="57" name="Straight Connector 56">
+              <a:extLst>
+                <a:ext uri="{FF2B5EF4-FFF2-40B4-BE49-F238E27FC236}">
+                  <a16:creationId xmlns:a16="http://schemas.microsoft.com/office/drawing/2014/main" id="{1E141D7D-32B0-448E-A666-EA8703AFCF2C}"/>
+                </a:ext>
+                <a:ext uri="{C183D7F6-B498-43B3-948B-1728B52AA6E4}">
+                  <adec:decorative xmlns:adec="http://schemas.microsoft.com/office/drawing/2017/decorative" val="1"/>
+                </a:ext>
+              </a:extLst>
+            </p:cNvPr>
+            <p:cNvCxnSpPr>
+              <a:cxnSpLocks/>
+            </p:cNvCxnSpPr>
+            <p:nvPr>
+              <p:extLst>
+                <p:ext uri="{386F3935-93C4-4BCD-93E2-E3B085C9AB24}">
+                  <p16:designElem xmlns:p16="http://schemas.microsoft.com/office/powerpoint/2015/main" val="1"/>
+                </p:ext>
+              </p:extLst>
+            </p:nvPr>
+          </p:nvCxnSpPr>
+          <p:spPr>
+            <a:xfrm>
+              <a:off x="7029447" y="3697727"/>
+              <a:ext cx="1285875" cy="0"/>
+            </a:xfrm>
+            <a:prstGeom prst="line">
+              <a:avLst/>
+            </a:prstGeom>
+            <a:ln w="31750" cap="rnd" cmpd="sng">
+              <a:gradFill>
+                <a:gsLst>
+                  <a:gs pos="0">
+                    <a:schemeClr val="tx2">
+                      <a:lumMod val="60000"/>
+                      <a:lumOff val="40000"/>
+                      <a:alpha val="40000"/>
+                    </a:schemeClr>
+                  </a:gs>
+                  <a:gs pos="100000">
+                    <a:schemeClr val="tx2">
+                      <a:lumMod val="50000"/>
+                      <a:alpha val="40000"/>
+                    </a:schemeClr>
+                  </a:gs>
+                </a:gsLst>
+                <a:lin ang="5400000" scaled="1"/>
+              </a:gradFill>
+              <a:prstDash val="sysDot"/>
+              <a:round/>
+            </a:ln>
+          </p:spPr>
+          <p:style>
+            <a:lnRef idx="1">
+              <a:schemeClr val="accent1"/>
+            </a:lnRef>
+            <a:fillRef idx="0">
+              <a:schemeClr val="accent1"/>
+            </a:fillRef>
+            <a:effectRef idx="0">
+              <a:schemeClr val="accent1"/>
+            </a:effectRef>
+            <a:fontRef idx="minor">
+              <a:schemeClr val="tx1"/>
+            </a:fontRef>
+          </p:style>
+        </p:cxnSp>
+        <p:cxnSp>
+          <p:nvCxnSpPr>
+            <p:cNvPr id="58" name="Straight Connector 57">
+              <a:extLst>
+                <a:ext uri="{FF2B5EF4-FFF2-40B4-BE49-F238E27FC236}">
+                  <a16:creationId xmlns:a16="http://schemas.microsoft.com/office/drawing/2014/main" id="{8D87E268-6345-420F-8B97-B37ED04100EC}"/>
+                </a:ext>
+                <a:ext uri="{C183D7F6-B498-43B3-948B-1728B52AA6E4}">
+                  <adec:decorative xmlns:adec="http://schemas.microsoft.com/office/drawing/2017/decorative" val="1"/>
+                </a:ext>
+              </a:extLst>
+            </p:cNvPr>
+            <p:cNvCxnSpPr>
+              <a:cxnSpLocks/>
+            </p:cNvCxnSpPr>
+            <p:nvPr>
+              <p:extLst>
+                <p:ext uri="{386F3935-93C4-4BCD-93E2-E3B085C9AB24}">
+                  <p16:designElem xmlns:p16="http://schemas.microsoft.com/office/powerpoint/2015/main" val="1"/>
+                </p:ext>
+              </p:extLst>
+            </p:nvPr>
+          </p:nvCxnSpPr>
+          <p:spPr>
+            <a:xfrm>
+              <a:off x="7029447" y="3880729"/>
+              <a:ext cx="1285875" cy="0"/>
+            </a:xfrm>
+            <a:prstGeom prst="line">
+              <a:avLst/>
+            </a:prstGeom>
+            <a:ln w="31750" cap="rnd" cmpd="sng">
+              <a:gradFill>
+                <a:gsLst>
+                  <a:gs pos="0">
+                    <a:schemeClr val="tx2">
+                      <a:lumMod val="60000"/>
+                      <a:lumOff val="40000"/>
+                      <a:alpha val="40000"/>
+                    </a:schemeClr>
+                  </a:gs>
+                  <a:gs pos="100000">
+                    <a:schemeClr val="tx2">
+                      <a:lumMod val="50000"/>
+                      <a:alpha val="40000"/>
+                    </a:schemeClr>
+                  </a:gs>
+                </a:gsLst>
+                <a:lin ang="5400000" scaled="1"/>
+              </a:gradFill>
+              <a:prstDash val="sysDot"/>
+              <a:round/>
+            </a:ln>
+          </p:spPr>
+          <p:style>
+            <a:lnRef idx="1">
+              <a:schemeClr val="accent1"/>
+            </a:lnRef>
+            <a:fillRef idx="0">
+              <a:schemeClr val="accent1"/>
+            </a:fillRef>
+            <a:effectRef idx="0">
+              <a:schemeClr val="accent1"/>
+            </a:effectRef>
+            <a:fontRef idx="minor">
+              <a:schemeClr val="tx1"/>
+            </a:fontRef>
+          </p:style>
+        </p:cxnSp>
+        <p:cxnSp>
+          <p:nvCxnSpPr>
+            <p:cNvPr id="59" name="Straight Connector 58">
+              <a:extLst>
+                <a:ext uri="{FF2B5EF4-FFF2-40B4-BE49-F238E27FC236}">
+                  <a16:creationId xmlns:a16="http://schemas.microsoft.com/office/drawing/2014/main" id="{35E1622E-7FA6-4760-A2BF-A8105EBF7BB9}"/>
+                </a:ext>
+                <a:ext uri="{C183D7F6-B498-43B3-948B-1728B52AA6E4}">
+                  <adec:decorative xmlns:adec="http://schemas.microsoft.com/office/drawing/2017/decorative" val="1"/>
+                </a:ext>
+              </a:extLst>
+            </p:cNvPr>
+            <p:cNvCxnSpPr>
+              <a:cxnSpLocks/>
+            </p:cNvCxnSpPr>
+            <p:nvPr>
+              <p:extLst>
+                <p:ext uri="{386F3935-93C4-4BCD-93E2-E3B085C9AB24}">
+                  <p16:designElem xmlns:p16="http://schemas.microsoft.com/office/powerpoint/2015/main" val="1"/>
+                </p:ext>
+              </p:extLst>
+            </p:nvPr>
+          </p:nvCxnSpPr>
+          <p:spPr>
+            <a:xfrm>
+              <a:off x="7029447" y="4063732"/>
+              <a:ext cx="1285875" cy="0"/>
+            </a:xfrm>
+            <a:prstGeom prst="line">
+              <a:avLst/>
+            </a:prstGeom>
+            <a:ln w="31750" cap="rnd" cmpd="sng">
+              <a:gradFill>
+                <a:gsLst>
+                  <a:gs pos="0">
+                    <a:schemeClr val="tx2">
+                      <a:lumMod val="60000"/>
+                      <a:lumOff val="40000"/>
+                      <a:alpha val="40000"/>
+                    </a:schemeClr>
+                  </a:gs>
+                  <a:gs pos="100000">
+                    <a:schemeClr val="tx2">
+                      <a:lumMod val="50000"/>
+                      <a:alpha val="40000"/>
+                    </a:schemeClr>
+                  </a:gs>
+                </a:gsLst>
+                <a:lin ang="5400000" scaled="1"/>
+              </a:gradFill>
+              <a:prstDash val="sysDot"/>
+              <a:round/>
+            </a:ln>
+          </p:spPr>
+          <p:style>
+            <a:lnRef idx="1">
+              <a:schemeClr val="accent1"/>
+            </a:lnRef>
+            <a:fillRef idx="0">
+              <a:schemeClr val="accent1"/>
+            </a:fillRef>
+            <a:effectRef idx="0">
+              <a:schemeClr val="accent1"/>
+            </a:effectRef>
+            <a:fontRef idx="minor">
+              <a:schemeClr val="tx1"/>
+            </a:fontRef>
+          </p:style>
+        </p:cxnSp>
+      </p:grpSp>
+      <p:pic>
+        <p:nvPicPr>
+          <p:cNvPr id="2" name="Picture 1">
+            <a:extLst>
+              <a:ext uri="{FF2B5EF4-FFF2-40B4-BE49-F238E27FC236}">
+                <a16:creationId xmlns:a16="http://schemas.microsoft.com/office/drawing/2014/main" id="{347041A6-6B36-1C5F-926E-F8EC360D0539}"/>
+              </a:ext>
+            </a:extLst>
+          </p:cNvPr>
+          <p:cNvPicPr>
+            <a:picLocks noChangeAspect="1"/>
+          </p:cNvPicPr>
+          <p:nvPr/>
+        </p:nvPicPr>
+        <p:blipFill>
+          <a:blip r:embed="rId2"/>
+          <a:stretch>
+            <a:fillRect/>
+          </a:stretch>
+        </p:blipFill>
+        <p:spPr>
+          <a:xfrm>
+            <a:off x="950940" y="617779"/>
+            <a:ext cx="10203902" cy="3265248"/>
+          </a:xfrm>
+          <a:prstGeom prst="rect">
+            <a:avLst/>
+          </a:prstGeom>
+        </p:spPr>
+      </p:pic>
+      <p:grpSp>
+        <p:nvGrpSpPr>
+          <p:cNvPr id="61" name="Group 60">
+            <a:extLst>
+              <a:ext uri="{FF2B5EF4-FFF2-40B4-BE49-F238E27FC236}">
+                <a16:creationId xmlns:a16="http://schemas.microsoft.com/office/drawing/2014/main" id="{1F4E1649-4D1F-4A91-AF97-A254BFDD524D}"/>
+              </a:ext>
+              <a:ext uri="{C183D7F6-B498-43B3-948B-1728B52AA6E4}">
+                <adec:decorative xmlns:adec="http://schemas.microsoft.com/office/drawing/2017/decorative" val="1"/>
+              </a:ext>
+            </a:extLst>
+          </p:cNvPr>
+          <p:cNvGrpSpPr>
+            <a:grpSpLocks noGrp="1" noUngrp="1" noRot="1" noChangeAspect="1" noMove="1" noResize="1"/>
+          </p:cNvGrpSpPr>
+          <p:nvPr>
+            <p:extLst>
+              <p:ext uri="{386F3935-93C4-4BCD-93E2-E3B085C9AB24}">
+                <p16:designElem xmlns:p16="http://schemas.microsoft.com/office/powerpoint/2015/main" val="1"/>
+              </p:ext>
+            </p:extLst>
+          </p:nvPr>
+        </p:nvGrpSpPr>
+        <p:grpSpPr>
+          <a:xfrm rot="16200000">
+            <a:off x="474192" y="776904"/>
+            <a:ext cx="304800" cy="429768"/>
+            <a:chOff x="215328" y="-46937"/>
+            <a:chExt cx="304800" cy="2773841"/>
+          </a:xfrm>
+        </p:grpSpPr>
+        <p:cxnSp>
+          <p:nvCxnSpPr>
+            <p:cNvPr id="62" name="Straight Connector 61">
+              <a:extLst>
+                <a:ext uri="{FF2B5EF4-FFF2-40B4-BE49-F238E27FC236}">
+                  <a16:creationId xmlns:a16="http://schemas.microsoft.com/office/drawing/2014/main" id="{FE483602-62F9-474D-9C9B-5EE4CD7671CB}"/>
+                </a:ext>
+                <a:ext uri="{C183D7F6-B498-43B3-948B-1728B52AA6E4}">
+                  <adec:decorative xmlns:adec="http://schemas.microsoft.com/office/drawing/2017/decorative" val="1"/>
+                </a:ext>
+              </a:extLst>
+            </p:cNvPr>
+            <p:cNvCxnSpPr>
+              <a:cxnSpLocks/>
+            </p:cNvCxnSpPr>
+            <p:nvPr>
+              <p:extLst>
+                <p:ext uri="{386F3935-93C4-4BCD-93E2-E3B085C9AB24}">
+                  <p16:designElem xmlns:p16="http://schemas.microsoft.com/office/powerpoint/2015/main" val="1"/>
+                </p:ext>
+              </p:extLst>
+            </p:nvPr>
+          </p:nvCxnSpPr>
+          <p:spPr>
+            <a:xfrm>
+              <a:off x="215328" y="-46937"/>
+              <a:ext cx="0" cy="2773841"/>
+            </a:xfrm>
+            <a:prstGeom prst="line">
+              <a:avLst/>
+            </a:prstGeom>
+            <a:ln w="25400" cmpd="sng">
+              <a:solidFill>
+                <a:schemeClr val="bg2">
+                  <a:lumMod val="60000"/>
+                  <a:lumOff val="40000"/>
+                  <a:alpha val="50000"/>
+                </a:schemeClr>
+              </a:solidFill>
+              <a:prstDash val="sysDot"/>
+            </a:ln>
+          </p:spPr>
+          <p:style>
+            <a:lnRef idx="1">
+              <a:schemeClr val="accent1"/>
+            </a:lnRef>
+            <a:fillRef idx="0">
+              <a:schemeClr val="accent1"/>
+            </a:fillRef>
+            <a:effectRef idx="0">
+              <a:schemeClr val="accent1"/>
+            </a:effectRef>
+            <a:fontRef idx="minor">
+              <a:schemeClr val="tx1"/>
+            </a:fontRef>
+          </p:style>
+        </p:cxnSp>
+        <p:cxnSp>
+          <p:nvCxnSpPr>
+            <p:cNvPr id="63" name="Straight Connector 62">
+              <a:extLst>
+                <a:ext uri="{FF2B5EF4-FFF2-40B4-BE49-F238E27FC236}">
+                  <a16:creationId xmlns:a16="http://schemas.microsoft.com/office/drawing/2014/main" id="{DD7D1AC0-A6C7-40E3-9841-F34AC831A483}"/>
+                </a:ext>
+                <a:ext uri="{C183D7F6-B498-43B3-948B-1728B52AA6E4}">
+                  <adec:decorative xmlns:adec="http://schemas.microsoft.com/office/drawing/2017/decorative" val="1"/>
+                </a:ext>
+              </a:extLst>
+            </p:cNvPr>
+            <p:cNvCxnSpPr>
+              <a:cxnSpLocks/>
+            </p:cNvCxnSpPr>
+            <p:nvPr>
+              <p:extLst>
+                <p:ext uri="{386F3935-93C4-4BCD-93E2-E3B085C9AB24}">
+                  <p16:designElem xmlns:p16="http://schemas.microsoft.com/office/powerpoint/2015/main" val="1"/>
+                </p:ext>
+              </p:extLst>
+            </p:nvPr>
+          </p:nvCxnSpPr>
+          <p:spPr>
+            <a:xfrm>
+              <a:off x="316928" y="-46937"/>
+              <a:ext cx="0" cy="2773841"/>
+            </a:xfrm>
+            <a:prstGeom prst="line">
+              <a:avLst/>
+            </a:prstGeom>
+            <a:ln w="25400" cmpd="sng">
+              <a:solidFill>
+                <a:schemeClr val="bg2">
+                  <a:lumMod val="60000"/>
+                  <a:lumOff val="40000"/>
+                  <a:alpha val="50000"/>
+                </a:schemeClr>
+              </a:solidFill>
+              <a:prstDash val="sysDot"/>
+            </a:ln>
+          </p:spPr>
+          <p:style>
+            <a:lnRef idx="1">
+              <a:schemeClr val="accent1"/>
+            </a:lnRef>
+            <a:fillRef idx="0">
+              <a:schemeClr val="accent1"/>
+            </a:fillRef>
+            <a:effectRef idx="0">
+              <a:schemeClr val="accent1"/>
+            </a:effectRef>
+            <a:fontRef idx="minor">
+              <a:schemeClr val="tx1"/>
+            </a:fontRef>
+          </p:style>
+        </p:cxnSp>
+        <p:cxnSp>
+          <p:nvCxnSpPr>
+            <p:cNvPr id="64" name="Straight Connector 63">
+              <a:extLst>
+                <a:ext uri="{FF2B5EF4-FFF2-40B4-BE49-F238E27FC236}">
+                  <a16:creationId xmlns:a16="http://schemas.microsoft.com/office/drawing/2014/main" id="{F951C4DD-7427-497D-9DE3-9D731D3F456E}"/>
+                </a:ext>
+                <a:ext uri="{C183D7F6-B498-43B3-948B-1728B52AA6E4}">
+                  <adec:decorative xmlns:adec="http://schemas.microsoft.com/office/drawing/2017/decorative" val="1"/>
+                </a:ext>
+              </a:extLst>
+            </p:cNvPr>
+            <p:cNvCxnSpPr>
+              <a:cxnSpLocks/>
+            </p:cNvCxnSpPr>
+            <p:nvPr>
+              <p:extLst>
+                <p:ext uri="{386F3935-93C4-4BCD-93E2-E3B085C9AB24}">
+                  <p16:designElem xmlns:p16="http://schemas.microsoft.com/office/powerpoint/2015/main" val="1"/>
+                </p:ext>
+              </p:extLst>
+            </p:nvPr>
+          </p:nvCxnSpPr>
+          <p:spPr>
+            <a:xfrm>
+              <a:off x="418528" y="-46937"/>
+              <a:ext cx="0" cy="2773841"/>
+            </a:xfrm>
+            <a:prstGeom prst="line">
+              <a:avLst/>
+            </a:prstGeom>
+            <a:ln w="25400" cmpd="sng">
+              <a:solidFill>
+                <a:schemeClr val="bg2">
+                  <a:lumMod val="60000"/>
+                  <a:lumOff val="40000"/>
+                  <a:alpha val="50000"/>
+                </a:schemeClr>
+              </a:solidFill>
+              <a:prstDash val="sysDot"/>
+            </a:ln>
+          </p:spPr>
+          <p:style>
+            <a:lnRef idx="1">
+              <a:schemeClr val="accent1"/>
+            </a:lnRef>
+            <a:fillRef idx="0">
+              <a:schemeClr val="accent1"/>
+            </a:fillRef>
+            <a:effectRef idx="0">
+              <a:schemeClr val="accent1"/>
+            </a:effectRef>
+            <a:fontRef idx="minor">
+              <a:schemeClr val="tx1"/>
+            </a:fontRef>
+          </p:style>
+        </p:cxnSp>
+        <p:cxnSp>
+          <p:nvCxnSpPr>
+            <p:cNvPr id="65" name="Straight Connector 64">
+              <a:extLst>
+                <a:ext uri="{FF2B5EF4-FFF2-40B4-BE49-F238E27FC236}">
+                  <a16:creationId xmlns:a16="http://schemas.microsoft.com/office/drawing/2014/main" id="{0EE18298-0BF5-4D7A-921A-2F4186E8D96A}"/>
+                </a:ext>
+                <a:ext uri="{C183D7F6-B498-43B3-948B-1728B52AA6E4}">
+                  <adec:decorative xmlns:adec="http://schemas.microsoft.com/office/drawing/2017/decorative" val="1"/>
+                </a:ext>
+              </a:extLst>
+            </p:cNvPr>
+            <p:cNvCxnSpPr>
+              <a:cxnSpLocks/>
+            </p:cNvCxnSpPr>
+            <p:nvPr>
+              <p:extLst>
+                <p:ext uri="{386F3935-93C4-4BCD-93E2-E3B085C9AB24}">
+                  <p16:designElem xmlns:p16="http://schemas.microsoft.com/office/powerpoint/2015/main" val="1"/>
+                </p:ext>
+              </p:extLst>
+            </p:nvPr>
+          </p:nvCxnSpPr>
+          <p:spPr>
+            <a:xfrm>
+              <a:off x="520128" y="-46937"/>
+              <a:ext cx="0" cy="2773841"/>
+            </a:xfrm>
+            <a:prstGeom prst="line">
+              <a:avLst/>
+            </a:prstGeom>
+            <a:ln w="25400" cmpd="sng">
+              <a:solidFill>
+                <a:schemeClr val="bg2">
+                  <a:lumMod val="60000"/>
+                  <a:lumOff val="40000"/>
+                  <a:alpha val="50000"/>
+                </a:schemeClr>
+              </a:solidFill>
+              <a:prstDash val="sysDot"/>
+            </a:ln>
+          </p:spPr>
+          <p:style>
+            <a:lnRef idx="1">
+              <a:schemeClr val="accent1"/>
+            </a:lnRef>
+            <a:fillRef idx="0">
+              <a:schemeClr val="accent1"/>
+            </a:fillRef>
+            <a:effectRef idx="0">
+              <a:schemeClr val="accent1"/>
+            </a:effectRef>
+            <a:fontRef idx="minor">
+              <a:schemeClr val="tx1"/>
+            </a:fontRef>
+          </p:style>
+        </p:cxnSp>
+      </p:grpSp>
+      <p:sp>
+        <p:nvSpPr>
+          <p:cNvPr id="67" name="Oval 66">
+            <a:extLst>
+              <a:ext uri="{FF2B5EF4-FFF2-40B4-BE49-F238E27FC236}">
+                <a16:creationId xmlns:a16="http://schemas.microsoft.com/office/drawing/2014/main" id="{773AEA78-C03B-40B7-9D11-DC022119D577}"/>
+              </a:ext>
+              <a:ext uri="{C183D7F6-B498-43B3-948B-1728B52AA6E4}">
+                <adec:decorative xmlns:adec="http://schemas.microsoft.com/office/drawing/2017/decorative" val="1"/>
+              </a:ext>
+            </a:extLst>
+          </p:cNvPr>
+          <p:cNvSpPr>
+            <a:spLocks noGrp="1" noRot="1" noChangeAspect="1" noMove="1" noResize="1" noEditPoints="1" noAdjustHandles="1" noChangeArrowheads="1" noChangeShapeType="1" noTextEdit="1"/>
+          </p:cNvSpPr>
+          <p:nvPr>
+            <p:extLst>
+              <p:ext uri="{386F3935-93C4-4BCD-93E2-E3B085C9AB24}">
+                <p16:designElem xmlns:p16="http://schemas.microsoft.com/office/powerpoint/2015/main" val="1"/>
+              </p:ext>
+            </p:extLst>
+          </p:nvPr>
+        </p:nvSpPr>
+        <p:spPr>
+          <a:xfrm rot="12600000">
+            <a:off x="10150845" y="4270841"/>
+            <a:ext cx="1897885" cy="1897885"/>
+          </a:xfrm>
+          <a:prstGeom prst="ellipse">
+            <a:avLst/>
+          </a:prstGeom>
+          <a:gradFill>
+            <a:gsLst>
+              <a:gs pos="0">
+                <a:schemeClr val="tx2">
+                  <a:lumMod val="75000"/>
+                  <a:alpha val="10000"/>
+                </a:schemeClr>
+              </a:gs>
+              <a:gs pos="100000">
+                <a:schemeClr val="tx2">
+                  <a:lumMod val="60000"/>
+                  <a:lumOff val="40000"/>
+                  <a:alpha val="10000"/>
+                </a:schemeClr>
+              </a:gs>
+            </a:gsLst>
+            <a:lin ang="5400000" scaled="1"/>
+          </a:gradFill>
+          <a:ln>
+            <a:noFill/>
+          </a:ln>
+        </p:spPr>
+        <p:style>
+          <a:lnRef idx="2">
+            <a:schemeClr val="accent1">
+              <a:shade val="50000"/>
+            </a:schemeClr>
+          </a:lnRef>
+          <a:fillRef idx="1">
+            <a:schemeClr val="accent1"/>
+          </a:fillRef>
+          <a:effectRef idx="0">
+            <a:schemeClr val="accent1"/>
+          </a:effectRef>
+          <a:fontRef idx="minor">
+            <a:schemeClr val="lt1"/>
+          </a:fontRef>
+        </p:style>
+        <p:txBody>
+          <a:bodyPr rtlCol="0" anchor="ctr"/>
+          <a:lstStyle/>
+          <a:p>
+            <a:pPr algn="ctr"/>
+            <a:endParaRPr lang="en-US"/>
+          </a:p>
+        </p:txBody>
+      </p:sp>
+      <p:sp>
+        <p:nvSpPr>
+          <p:cNvPr id="4" name="Content Placeholder 3">
+            <a:extLst>
+              <a:ext uri="{FF2B5EF4-FFF2-40B4-BE49-F238E27FC236}">
+                <a16:creationId xmlns:a16="http://schemas.microsoft.com/office/drawing/2014/main" id="{3F048AE2-402E-E69B-A8D8-FA2A1F19E924}"/>
+              </a:ext>
+            </a:extLst>
+          </p:cNvPr>
+          <p:cNvSpPr>
+            <a:spLocks noGrp="1"/>
+          </p:cNvSpPr>
+          <p:nvPr>
+            <p:ph idx="1"/>
+          </p:nvPr>
+        </p:nvSpPr>
+        <p:spPr>
+          <a:xfrm>
+            <a:off x="5925304" y="4018143"/>
+            <a:ext cx="5549111" cy="2129599"/>
+          </a:xfrm>
+          <a:noFill/>
+        </p:spPr>
+        <p:txBody>
+          <a:bodyPr vert="horz" lIns="91440" tIns="45720" rIns="91440" bIns="45720" rtlCol="0" anchor="t">
+            <a:normAutofit/>
+          </a:bodyPr>
+          <a:lstStyle/>
+          <a:p>
+            <a:pPr marL="0" indent="0">
+              <a:buNone/>
+            </a:pPr>
+            <a:r>
+              <a:rPr lang="en-US" sz="1800" kern="1200">
+                <a:solidFill>
+                  <a:schemeClr val="bg1"/>
+                </a:solidFill>
+                <a:latin typeface="+mn-lt"/>
+                <a:ea typeface="+mn-ea"/>
+                <a:cs typeface="+mn-cs"/>
+              </a:rPr>
+              <a:t>Веб сайт разработанный как интерфейс для сторонней программы</a:t>
+            </a:r>
+          </a:p>
+        </p:txBody>
+      </p:sp>
     </p:spTree>
     <p:extLst>
       <p:ext uri="{BB962C8B-B14F-4D97-AF65-F5344CB8AC3E}">
         <p14:creationId xmlns:p14="http://schemas.microsoft.com/office/powerpoint/2010/main" val="1351651579"/>
+      </p:ext>
+    </p:extLst>
+  </p:cSld>
+  <p:clrMapOvr>
+    <a:masterClrMapping/>
+  </p:clrMapOvr>
+</p:sld>
+</file>
+
+<file path=ppt/slides/slide3.xml><?xml version="1.0" encoding="utf-8"?>
+<p:sld xmlns:a="http://schemas.openxmlformats.org/drawingml/2006/main" xmlns:r="http://schemas.openxmlformats.org/officeDocument/2006/relationships" xmlns:p="http://schemas.openxmlformats.org/presentationml/2006/main">
+  <p:cSld>
+    <p:bg>
+      <p:bgPr>
+        <a:solidFill>
+          <a:schemeClr val="bg1"/>
+        </a:solidFill>
+        <a:effectLst/>
+      </p:bgPr>
+    </p:bg>
+    <p:spTree>
+      <p:nvGrpSpPr>
+        <p:cNvPr id="1" name=""/>
+        <p:cNvGrpSpPr/>
+        <p:nvPr/>
+      </p:nvGrpSpPr>
+      <p:grpSpPr>
+        <a:xfrm>
+          <a:off x="0" y="0"/>
+          <a:ext cx="0" cy="0"/>
+          <a:chOff x="0" y="0"/>
+          <a:chExt cx="0" cy="0"/>
+        </a:xfrm>
+      </p:grpSpPr>
+      <p:sp>
+        <p:nvSpPr>
+          <p:cNvPr id="21" name="Rectangle 20">
+            <a:extLst>
+              <a:ext uri="{FF2B5EF4-FFF2-40B4-BE49-F238E27FC236}">
+                <a16:creationId xmlns:a16="http://schemas.microsoft.com/office/drawing/2014/main" id="{9228552E-C8B1-4A80-8448-0787CE0FC704}"/>
+              </a:ext>
+              <a:ext uri="{C183D7F6-B498-43B3-948B-1728B52AA6E4}">
+                <adec:decorative xmlns:adec="http://schemas.microsoft.com/office/drawing/2017/decorative" val="1"/>
+              </a:ext>
+            </a:extLst>
+          </p:cNvPr>
+          <p:cNvSpPr>
+            <a:spLocks noGrp="1" noRot="1" noChangeAspect="1" noMove="1" noResize="1" noEditPoints="1" noAdjustHandles="1" noChangeArrowheads="1" noChangeShapeType="1" noTextEdit="1"/>
+          </p:cNvSpPr>
+          <p:nvPr>
+            <p:extLst>
+              <p:ext uri="{386F3935-93C4-4BCD-93E2-E3B085C9AB24}">
+                <p16:designElem xmlns:p16="http://schemas.microsoft.com/office/powerpoint/2015/main" val="1"/>
+              </p:ext>
+            </p:extLst>
+          </p:nvPr>
+        </p:nvSpPr>
+        <p:spPr>
+          <a:xfrm>
+            <a:off x="0" y="0"/>
+            <a:ext cx="12192000" cy="6858000"/>
+          </a:xfrm>
+          <a:prstGeom prst="rect">
+            <a:avLst/>
+          </a:prstGeom>
+          <a:solidFill>
+            <a:srgbClr val="000000"/>
+          </a:solidFill>
+          <a:ln>
+            <a:noFill/>
+          </a:ln>
+        </p:spPr>
+        <p:style>
+          <a:lnRef idx="2">
+            <a:schemeClr val="accent1">
+              <a:shade val="50000"/>
+            </a:schemeClr>
+          </a:lnRef>
+          <a:fillRef idx="1">
+            <a:schemeClr val="accent1"/>
+          </a:fillRef>
+          <a:effectRef idx="0">
+            <a:schemeClr val="accent1"/>
+          </a:effectRef>
+          <a:fontRef idx="minor">
+            <a:schemeClr val="lt1"/>
+          </a:fontRef>
+        </p:style>
+        <p:txBody>
+          <a:bodyPr rtlCol="0" anchor="ctr"/>
+          <a:lstStyle/>
+          <a:p>
+            <a:pPr algn="ctr"/>
+            <a:endParaRPr lang="en-US"/>
+          </a:p>
+        </p:txBody>
+      </p:sp>
+      <p:pic>
+        <p:nvPicPr>
+          <p:cNvPr id="17" name="Picture 16">
+            <a:extLst>
+              <a:ext uri="{FF2B5EF4-FFF2-40B4-BE49-F238E27FC236}">
+                <a16:creationId xmlns:a16="http://schemas.microsoft.com/office/drawing/2014/main" id="{F398B48E-AA21-34C2-4384-9672D92DDE7C}"/>
+              </a:ext>
+            </a:extLst>
+          </p:cNvPr>
+          <p:cNvPicPr>
+            <a:picLocks noChangeAspect="1"/>
+          </p:cNvPicPr>
+          <p:nvPr/>
+        </p:nvPicPr>
+        <p:blipFill rotWithShape="1">
+          <a:blip r:embed="rId2">
+            <a:alphaModFix amt="35000"/>
+          </a:blip>
+          <a:srcRect l="5802" r="2794" b="3"/>
+          <a:stretch/>
+        </p:blipFill>
+        <p:spPr>
+          <a:xfrm>
+            <a:off x="20" y="10"/>
+            <a:ext cx="12191980" cy="6857990"/>
+          </a:xfrm>
+          <a:prstGeom prst="rect">
+            <a:avLst/>
+          </a:prstGeom>
+        </p:spPr>
+      </p:pic>
+      <p:sp>
+        <p:nvSpPr>
+          <p:cNvPr id="2" name="Title 1">
+            <a:extLst>
+              <a:ext uri="{FF2B5EF4-FFF2-40B4-BE49-F238E27FC236}">
+                <a16:creationId xmlns:a16="http://schemas.microsoft.com/office/drawing/2014/main" id="{AE26A3F9-51E5-9C88-8503-BA5B693F6C79}"/>
+              </a:ext>
+            </a:extLst>
+          </p:cNvPr>
+          <p:cNvSpPr>
+            <a:spLocks noGrp="1"/>
+          </p:cNvSpPr>
+          <p:nvPr>
+            <p:ph type="title"/>
+          </p:nvPr>
+        </p:nvSpPr>
+        <p:spPr>
+          <a:xfrm>
+            <a:off x="838200" y="365125"/>
+            <a:ext cx="10515600" cy="1325563"/>
+          </a:xfrm>
+        </p:spPr>
+        <p:txBody>
+          <a:bodyPr>
+            <a:normAutofit/>
+          </a:bodyPr>
+          <a:lstStyle/>
+          <a:p>
+            <a:r>
+              <a:rPr lang="en-US">
+                <a:solidFill>
+                  <a:srgbClr val="FFFFFF"/>
+                </a:solidFill>
+              </a:rPr>
+              <a:t>Фильтры</a:t>
+            </a:r>
+          </a:p>
+        </p:txBody>
+      </p:sp>
+      <p:graphicFrame>
+        <p:nvGraphicFramePr>
+          <p:cNvPr id="5" name="Content Placeholder 2">
+            <a:extLst>
+              <a:ext uri="{FF2B5EF4-FFF2-40B4-BE49-F238E27FC236}">
+                <a16:creationId xmlns:a16="http://schemas.microsoft.com/office/drawing/2014/main" id="{4B6AFF57-C8D0-275C-7128-CBEDE3D9E57A}"/>
+              </a:ext>
+            </a:extLst>
+          </p:cNvPr>
+          <p:cNvGraphicFramePr>
+            <a:graphicFrameLocks noGrp="1"/>
+          </p:cNvGraphicFramePr>
+          <p:nvPr>
+            <p:ph idx="1"/>
+            <p:extLst>
+              <p:ext uri="{D42A27DB-BD31-4B8C-83A1-F6EECF244321}">
+                <p14:modId xmlns:p14="http://schemas.microsoft.com/office/powerpoint/2010/main" val="3214600050"/>
+              </p:ext>
+            </p:extLst>
+          </p:nvPr>
+        </p:nvGraphicFramePr>
+        <p:xfrm>
+          <a:off x="838200" y="1825625"/>
+          <a:ext cx="10515600" cy="4351338"/>
+        </p:xfrm>
+        <a:graphic>
+          <a:graphicData uri="http://schemas.openxmlformats.org/drawingml/2006/diagram">
+            <dgm:relIds xmlns:dgm="http://schemas.openxmlformats.org/drawingml/2006/diagram" xmlns:r="http://schemas.openxmlformats.org/officeDocument/2006/relationships" r:dm="rId3" r:lo="rId4" r:qs="rId5" r:cs="rId6"/>
+          </a:graphicData>
+        </a:graphic>
+      </p:graphicFrame>
+    </p:spTree>
+    <p:extLst>
+      <p:ext uri="{BB962C8B-B14F-4D97-AF65-F5344CB8AC3E}">
+        <p14:creationId xmlns:p14="http://schemas.microsoft.com/office/powerpoint/2010/main" val="2912789517"/>
+      </p:ext>
+    </p:extLst>
+  </p:cSld>
+  <p:clrMapOvr>
+    <a:overrideClrMapping bg1="dk1" tx1="lt1" bg2="dk2" tx2="lt2" accent1="accent1" accent2="accent2" accent3="accent3" accent4="accent4" accent5="accent5" accent6="accent6" hlink="hlink" folHlink="folHlink"/>
+  </p:clrMapOvr>
+</p:sld>
+</file>
+
+<file path=ppt/slides/slide4.xml><?xml version="1.0" encoding="utf-8"?>
+<p:sld xmlns:a="http://schemas.openxmlformats.org/drawingml/2006/main" xmlns:r="http://schemas.openxmlformats.org/officeDocument/2006/relationships" xmlns:p="http://schemas.openxmlformats.org/presentationml/2006/main">
+  <p:cSld>
+    <p:bg>
+      <p:bgPr>
+        <a:solidFill>
+          <a:schemeClr val="bg1"/>
+        </a:solidFill>
+        <a:effectLst/>
+      </p:bgPr>
+    </p:bg>
+    <p:spTree>
+      <p:nvGrpSpPr>
+        <p:cNvPr id="1" name=""/>
+        <p:cNvGrpSpPr/>
+        <p:nvPr/>
+      </p:nvGrpSpPr>
+      <p:grpSpPr>
+        <a:xfrm>
+          <a:off x="0" y="0"/>
+          <a:ext cx="0" cy="0"/>
+          <a:chOff x="0" y="0"/>
+          <a:chExt cx="0" cy="0"/>
+        </a:xfrm>
+      </p:grpSpPr>
+      <p:sp useBgFill="1">
+        <p:nvSpPr>
+          <p:cNvPr id="8" name="Rectangle 7">
+            <a:extLst>
+              <a:ext uri="{FF2B5EF4-FFF2-40B4-BE49-F238E27FC236}">
+                <a16:creationId xmlns:a16="http://schemas.microsoft.com/office/drawing/2014/main" id="{577D6B2E-37A3-429E-A37C-F30ED6487282}"/>
+              </a:ext>
+              <a:ext uri="{C183D7F6-B498-43B3-948B-1728B52AA6E4}">
+                <adec:decorative xmlns:adec="http://schemas.microsoft.com/office/drawing/2017/decorative" val="1"/>
+              </a:ext>
+            </a:extLst>
+          </p:cNvPr>
+          <p:cNvSpPr>
+            <a:spLocks noGrp="1" noRot="1" noChangeAspect="1" noMove="1" noResize="1" noEditPoints="1" noAdjustHandles="1" noChangeArrowheads="1" noChangeShapeType="1" noTextEdit="1"/>
+          </p:cNvSpPr>
+          <p:nvPr>
+            <p:extLst>
+              <p:ext uri="{386F3935-93C4-4BCD-93E2-E3B085C9AB24}">
+                <p16:designElem xmlns:p16="http://schemas.microsoft.com/office/powerpoint/2015/main" val="1"/>
+              </p:ext>
+            </p:extLst>
+          </p:nvPr>
+        </p:nvSpPr>
+        <p:spPr>
+          <a:xfrm>
+            <a:off x="0" y="0"/>
+            <a:ext cx="12192000" cy="6858000"/>
+          </a:xfrm>
+          <a:prstGeom prst="rect">
+            <a:avLst/>
+          </a:prstGeom>
+          <a:ln w="12700" cap="flat" cmpd="sng" algn="ctr">
+            <a:noFill/>
+            <a:prstDash val="solid"/>
+            <a:miter lim="800000"/>
+          </a:ln>
+          <a:effectLst/>
+          <a:extLst>
+            <a:ext uri="{91240B29-F687-4F45-9708-019B960494DF}">
+              <a14:hiddenLine xmlns:a14="http://schemas.microsoft.com/office/drawing/2010/main" w="12700" cap="flat" cmpd="sng" algn="ctr">
+                <a:solidFill>
+                  <a:schemeClr val="accent1">
+                    <a:shade val="50000"/>
+                  </a:schemeClr>
+                </a:solidFill>
+                <a:prstDash val="solid"/>
+                <a:miter lim="800000"/>
+              </a14:hiddenLine>
+            </a:ext>
+          </a:extLst>
+        </p:spPr>
+        <p:style>
+          <a:lnRef idx="2">
+            <a:schemeClr val="accent1">
+              <a:shade val="50000"/>
+            </a:schemeClr>
+          </a:lnRef>
+          <a:fillRef idx="1">
+            <a:schemeClr val="accent1"/>
+          </a:fillRef>
+          <a:effectRef idx="0">
+            <a:schemeClr val="accent1"/>
+          </a:effectRef>
+          <a:fontRef idx="minor">
+            <a:schemeClr val="lt1"/>
+          </a:fontRef>
+        </p:style>
+        <p:txBody>
+          <a:bodyPr rtlCol="0" anchor="ctr"/>
+          <a:lstStyle/>
+          <a:p>
+            <a:pPr algn="ctr"/>
+            <a:endParaRPr lang="en-US"/>
+          </a:p>
+        </p:txBody>
+      </p:sp>
+      <p:sp>
+        <p:nvSpPr>
+          <p:cNvPr id="10" name="Rectangle 9">
+            <a:extLst>
+              <a:ext uri="{FF2B5EF4-FFF2-40B4-BE49-F238E27FC236}">
+                <a16:creationId xmlns:a16="http://schemas.microsoft.com/office/drawing/2014/main" id="{5CEAD642-85CF-4750-8432-7C80C901F001}"/>
+              </a:ext>
+              <a:ext uri="{C183D7F6-B498-43B3-948B-1728B52AA6E4}">
+                <adec:decorative xmlns:adec="http://schemas.microsoft.com/office/drawing/2017/decorative" val="1"/>
+              </a:ext>
+            </a:extLst>
+          </p:cNvPr>
+          <p:cNvSpPr>
+            <a:spLocks noGrp="1" noRot="1" noChangeAspect="1" noMove="1" noResize="1" noEditPoints="1" noAdjustHandles="1" noChangeArrowheads="1" noChangeShapeType="1" noTextEdit="1"/>
+          </p:cNvSpPr>
+          <p:nvPr>
+            <p:extLst>
+              <p:ext uri="{386F3935-93C4-4BCD-93E2-E3B085C9AB24}">
+                <p16:designElem xmlns:p16="http://schemas.microsoft.com/office/powerpoint/2015/main" val="1"/>
+              </p:ext>
+            </p:extLst>
+          </p:nvPr>
+        </p:nvSpPr>
+        <p:spPr>
+          <a:xfrm rot="10800000">
+            <a:off x="-11723" y="-1"/>
+            <a:ext cx="12225953" cy="6868071"/>
+          </a:xfrm>
+          <a:prstGeom prst="rect">
+            <a:avLst/>
+          </a:prstGeom>
+          <a:gradFill>
+            <a:gsLst>
+              <a:gs pos="0">
+                <a:srgbClr val="000000"/>
+              </a:gs>
+              <a:gs pos="100000">
+                <a:schemeClr val="accent1">
+                  <a:lumMod val="75000"/>
+                </a:schemeClr>
+              </a:gs>
+            </a:gsLst>
+            <a:lin ang="4200000" scaled="0"/>
+          </a:gradFill>
+          <a:ln>
+            <a:noFill/>
+          </a:ln>
+        </p:spPr>
+        <p:style>
+          <a:lnRef idx="2">
+            <a:schemeClr val="accent1">
+              <a:shade val="50000"/>
+            </a:schemeClr>
+          </a:lnRef>
+          <a:fillRef idx="1">
+            <a:schemeClr val="accent1"/>
+          </a:fillRef>
+          <a:effectRef idx="0">
+            <a:schemeClr val="accent1"/>
+          </a:effectRef>
+          <a:fontRef idx="minor">
+            <a:schemeClr val="lt1"/>
+          </a:fontRef>
+        </p:style>
+        <p:txBody>
+          <a:bodyPr rtlCol="0" anchor="ctr"/>
+          <a:lstStyle/>
+          <a:p>
+            <a:pPr algn="ctr"/>
+            <a:endParaRPr lang="en-US"/>
+          </a:p>
+        </p:txBody>
+      </p:sp>
+      <p:sp>
+        <p:nvSpPr>
+          <p:cNvPr id="12" name="Rectangle 11">
+            <a:extLst>
+              <a:ext uri="{FF2B5EF4-FFF2-40B4-BE49-F238E27FC236}">
+                <a16:creationId xmlns:a16="http://schemas.microsoft.com/office/drawing/2014/main" id="{FA33EEAE-15D5-4119-8C1E-89D943F911EF}"/>
+              </a:ext>
+              <a:ext uri="{C183D7F6-B498-43B3-948B-1728B52AA6E4}">
+                <adec:decorative xmlns:adec="http://schemas.microsoft.com/office/drawing/2017/decorative" val="1"/>
+              </a:ext>
+            </a:extLst>
+          </p:cNvPr>
+          <p:cNvSpPr>
+            <a:spLocks noGrp="1" noRot="1" noChangeAspect="1" noMove="1" noResize="1" noEditPoints="1" noAdjustHandles="1" noChangeArrowheads="1" noChangeShapeType="1" noTextEdit="1"/>
+          </p:cNvSpPr>
+          <p:nvPr>
+            <p:extLst>
+              <p:ext uri="{386F3935-93C4-4BCD-93E2-E3B085C9AB24}">
+                <p16:designElem xmlns:p16="http://schemas.microsoft.com/office/powerpoint/2015/main" val="1"/>
+              </p:ext>
+            </p:extLst>
+          </p:nvPr>
+        </p:nvSpPr>
+        <p:spPr>
+          <a:xfrm rot="10800000" flipH="1">
+            <a:off x="441959" y="-3"/>
+            <a:ext cx="11772269" cy="6868074"/>
+          </a:xfrm>
+          <a:prstGeom prst="rect">
+            <a:avLst/>
+          </a:prstGeom>
+          <a:gradFill>
+            <a:gsLst>
+              <a:gs pos="21000">
+                <a:schemeClr val="accent1">
+                  <a:lumMod val="50000"/>
+                  <a:alpha val="83000"/>
+                </a:schemeClr>
+              </a:gs>
+              <a:gs pos="100000">
+                <a:schemeClr val="accent1">
+                  <a:alpha val="0"/>
+                </a:schemeClr>
+              </a:gs>
+            </a:gsLst>
+            <a:lin ang="8400000" scaled="0"/>
+          </a:gradFill>
+          <a:ln>
+            <a:noFill/>
+          </a:ln>
+        </p:spPr>
+        <p:style>
+          <a:lnRef idx="2">
+            <a:schemeClr val="accent1">
+              <a:shade val="50000"/>
+            </a:schemeClr>
+          </a:lnRef>
+          <a:fillRef idx="1">
+            <a:schemeClr val="accent1"/>
+          </a:fillRef>
+          <a:effectRef idx="0">
+            <a:schemeClr val="accent1"/>
+          </a:effectRef>
+          <a:fontRef idx="minor">
+            <a:schemeClr val="lt1"/>
+          </a:fontRef>
+        </p:style>
+        <p:txBody>
+          <a:bodyPr rtlCol="0" anchor="ctr"/>
+          <a:lstStyle/>
+          <a:p>
+            <a:pPr algn="ctr"/>
+            <a:endParaRPr lang="en-US"/>
+          </a:p>
+        </p:txBody>
+      </p:sp>
+      <p:sp>
+        <p:nvSpPr>
+          <p:cNvPr id="14" name="Rectangle 13">
+            <a:extLst>
+              <a:ext uri="{FF2B5EF4-FFF2-40B4-BE49-F238E27FC236}">
+                <a16:creationId xmlns:a16="http://schemas.microsoft.com/office/drawing/2014/main" id="{730D8B3B-9B80-4025-B934-26DC7D7CD231}"/>
+              </a:ext>
+              <a:ext uri="{C183D7F6-B498-43B3-948B-1728B52AA6E4}">
+                <adec:decorative xmlns:adec="http://schemas.microsoft.com/office/drawing/2017/decorative" val="1"/>
+              </a:ext>
+            </a:extLst>
+          </p:cNvPr>
+          <p:cNvSpPr>
+            <a:spLocks noGrp="1" noRot="1" noChangeAspect="1" noMove="1" noResize="1" noEditPoints="1" noAdjustHandles="1" noChangeArrowheads="1" noChangeShapeType="1" noTextEdit="1"/>
+          </p:cNvSpPr>
+          <p:nvPr>
+            <p:extLst>
+              <p:ext uri="{386F3935-93C4-4BCD-93E2-E3B085C9AB24}">
+                <p16:designElem xmlns:p16="http://schemas.microsoft.com/office/powerpoint/2015/main" val="1"/>
+              </p:ext>
+            </p:extLst>
+          </p:nvPr>
+        </p:nvSpPr>
+        <p:spPr>
+          <a:xfrm rot="10800000">
+            <a:off x="-15200" y="0"/>
+            <a:ext cx="3623374" cy="6868072"/>
+          </a:xfrm>
+          <a:prstGeom prst="rect">
+            <a:avLst/>
+          </a:prstGeom>
+          <a:gradFill>
+            <a:gsLst>
+              <a:gs pos="0">
+                <a:schemeClr val="accent1">
+                  <a:lumMod val="75000"/>
+                  <a:alpha val="0"/>
+                </a:schemeClr>
+              </a:gs>
+              <a:gs pos="99000">
+                <a:srgbClr val="000000">
+                  <a:alpha val="41000"/>
+                </a:srgbClr>
+              </a:gs>
+            </a:gsLst>
+            <a:lin ang="13200000" scaled="0"/>
+          </a:gradFill>
+          <a:ln>
+            <a:noFill/>
+          </a:ln>
+        </p:spPr>
+        <p:style>
+          <a:lnRef idx="2">
+            <a:schemeClr val="accent1">
+              <a:shade val="50000"/>
+            </a:schemeClr>
+          </a:lnRef>
+          <a:fillRef idx="1">
+            <a:schemeClr val="accent1"/>
+          </a:fillRef>
+          <a:effectRef idx="0">
+            <a:schemeClr val="accent1"/>
+          </a:effectRef>
+          <a:fontRef idx="minor">
+            <a:schemeClr val="lt1"/>
+          </a:fontRef>
+        </p:style>
+        <p:txBody>
+          <a:bodyPr rtlCol="0" anchor="ctr"/>
+          <a:lstStyle/>
+          <a:p>
+            <a:pPr algn="ctr"/>
+            <a:endParaRPr lang="en-US"/>
+          </a:p>
+        </p:txBody>
+      </p:sp>
+      <p:sp>
+        <p:nvSpPr>
+          <p:cNvPr id="16" name="Rectangle 15">
+            <a:extLst>
+              <a:ext uri="{FF2B5EF4-FFF2-40B4-BE49-F238E27FC236}">
+                <a16:creationId xmlns:a16="http://schemas.microsoft.com/office/drawing/2014/main" id="{1064D5D5-227B-4F66-9AEA-46F570E793BD}"/>
+              </a:ext>
+              <a:ext uri="{C183D7F6-B498-43B3-948B-1728B52AA6E4}">
+                <adec:decorative xmlns:adec="http://schemas.microsoft.com/office/drawing/2017/decorative" val="1"/>
+              </a:ext>
+            </a:extLst>
+          </p:cNvPr>
+          <p:cNvSpPr>
+            <a:spLocks noGrp="1" noRot="1" noChangeAspect="1" noMove="1" noResize="1" noEditPoints="1" noAdjustHandles="1" noChangeArrowheads="1" noChangeShapeType="1" noTextEdit="1"/>
+          </p:cNvSpPr>
+          <p:nvPr>
+            <p:extLst>
+              <p:ext uri="{386F3935-93C4-4BCD-93E2-E3B085C9AB24}">
+                <p16:designElem xmlns:p16="http://schemas.microsoft.com/office/powerpoint/2015/main" val="1"/>
+              </p:ext>
+            </p:extLst>
+          </p:nvPr>
+        </p:nvSpPr>
+        <p:spPr>
+          <a:xfrm flipH="1">
+            <a:off x="-15875" y="-3"/>
+            <a:ext cx="12233581" cy="6868076"/>
+          </a:xfrm>
+          <a:prstGeom prst="rect">
+            <a:avLst/>
+          </a:prstGeom>
+          <a:gradFill>
+            <a:gsLst>
+              <a:gs pos="3000">
+                <a:schemeClr val="accent1">
+                  <a:lumMod val="75000"/>
+                  <a:alpha val="0"/>
+                </a:schemeClr>
+              </a:gs>
+              <a:gs pos="100000">
+                <a:srgbClr val="000000">
+                  <a:alpha val="73000"/>
+                </a:srgbClr>
+              </a:gs>
+            </a:gsLst>
+            <a:lin ang="17400000" scaled="0"/>
+          </a:gradFill>
+          <a:ln>
+            <a:noFill/>
+          </a:ln>
+        </p:spPr>
+        <p:style>
+          <a:lnRef idx="2">
+            <a:schemeClr val="accent1">
+              <a:shade val="50000"/>
+            </a:schemeClr>
+          </a:lnRef>
+          <a:fillRef idx="1">
+            <a:schemeClr val="accent1"/>
+          </a:fillRef>
+          <a:effectRef idx="0">
+            <a:schemeClr val="accent1"/>
+          </a:effectRef>
+          <a:fontRef idx="minor">
+            <a:schemeClr val="lt1"/>
+          </a:fontRef>
+        </p:style>
+        <p:txBody>
+          <a:bodyPr rtlCol="0" anchor="ctr"/>
+          <a:lstStyle/>
+          <a:p>
+            <a:pPr algn="ctr"/>
+            <a:endParaRPr lang="en-US"/>
+          </a:p>
+        </p:txBody>
+      </p:sp>
+      <p:sp>
+        <p:nvSpPr>
+          <p:cNvPr id="18" name="Rectangle 17">
+            <a:extLst>
+              <a:ext uri="{FF2B5EF4-FFF2-40B4-BE49-F238E27FC236}">
+                <a16:creationId xmlns:a16="http://schemas.microsoft.com/office/drawing/2014/main" id="{646B67A4-D328-4747-A82B-65E84FA46368}"/>
+              </a:ext>
+              <a:ext uri="{C183D7F6-B498-43B3-948B-1728B52AA6E4}">
+                <adec:decorative xmlns:adec="http://schemas.microsoft.com/office/drawing/2017/decorative" val="1"/>
+              </a:ext>
+            </a:extLst>
+          </p:cNvPr>
+          <p:cNvSpPr>
+            <a:spLocks noGrp="1" noRot="1" noChangeAspect="1" noMove="1" noResize="1" noEditPoints="1" noAdjustHandles="1" noChangeArrowheads="1" noChangeShapeType="1" noTextEdit="1"/>
+          </p:cNvSpPr>
+          <p:nvPr>
+            <p:extLst>
+              <p:ext uri="{386F3935-93C4-4BCD-93E2-E3B085C9AB24}">
+                <p16:designElem xmlns:p16="http://schemas.microsoft.com/office/powerpoint/2015/main" val="1"/>
+              </p:ext>
+            </p:extLst>
+          </p:nvPr>
+        </p:nvSpPr>
+        <p:spPr>
+          <a:xfrm rot="5400000" flipH="1">
+            <a:off x="4484334" y="-861824"/>
+            <a:ext cx="6861931" cy="8597859"/>
+          </a:xfrm>
+          <a:prstGeom prst="rect">
+            <a:avLst/>
+          </a:prstGeom>
+          <a:gradFill>
+            <a:gsLst>
+              <a:gs pos="3000">
+                <a:schemeClr val="accent1">
+                  <a:lumMod val="75000"/>
+                  <a:alpha val="0"/>
+                </a:schemeClr>
+              </a:gs>
+              <a:gs pos="100000">
+                <a:srgbClr val="000000">
+                  <a:alpha val="27000"/>
+                </a:srgbClr>
+              </a:gs>
+            </a:gsLst>
+            <a:lin ang="13800000" scaled="0"/>
+          </a:gradFill>
+          <a:ln>
+            <a:noFill/>
+          </a:ln>
+        </p:spPr>
+        <p:style>
+          <a:lnRef idx="2">
+            <a:schemeClr val="accent1">
+              <a:shade val="50000"/>
+            </a:schemeClr>
+          </a:lnRef>
+          <a:fillRef idx="1">
+            <a:schemeClr val="accent1"/>
+          </a:fillRef>
+          <a:effectRef idx="0">
+            <a:schemeClr val="accent1"/>
+          </a:effectRef>
+          <a:fontRef idx="minor">
+            <a:schemeClr val="lt1"/>
+          </a:fontRef>
+        </p:style>
+        <p:txBody>
+          <a:bodyPr rtlCol="0" anchor="ctr"/>
+          <a:lstStyle/>
+          <a:p>
+            <a:pPr algn="ctr"/>
+            <a:endParaRPr lang="en-US"/>
+          </a:p>
+        </p:txBody>
+      </p:sp>
+      <p:sp>
+        <p:nvSpPr>
+          <p:cNvPr id="20" name="Oval 19">
+            <a:extLst>
+              <a:ext uri="{FF2B5EF4-FFF2-40B4-BE49-F238E27FC236}">
+                <a16:creationId xmlns:a16="http://schemas.microsoft.com/office/drawing/2014/main" id="{B5A1B09C-1565-46F8-B70F-621C5EB48A09}"/>
+              </a:ext>
+              <a:ext uri="{C183D7F6-B498-43B3-948B-1728B52AA6E4}">
+                <adec:decorative xmlns:adec="http://schemas.microsoft.com/office/drawing/2017/decorative" val="1"/>
+              </a:ext>
+            </a:extLst>
+          </p:cNvPr>
+          <p:cNvSpPr>
+            <a:spLocks noGrp="1" noRot="1" noChangeAspect="1" noMove="1" noResize="1" noEditPoints="1" noAdjustHandles="1" noChangeArrowheads="1" noChangeShapeType="1" noTextEdit="1"/>
+          </p:cNvSpPr>
+          <p:nvPr>
+            <p:extLst>
+              <p:ext uri="{386F3935-93C4-4BCD-93E2-E3B085C9AB24}">
+                <p16:designElem xmlns:p16="http://schemas.microsoft.com/office/powerpoint/2015/main" val="1"/>
+              </p:ext>
+            </p:extLst>
+          </p:nvPr>
+        </p:nvSpPr>
+        <p:spPr>
+          <a:xfrm rot="5993193">
+            <a:off x="1186972" y="1089049"/>
+            <a:ext cx="4967533" cy="4988390"/>
+          </a:xfrm>
+          <a:prstGeom prst="ellipse">
+            <a:avLst/>
+          </a:prstGeom>
+          <a:gradFill>
+            <a:gsLst>
+              <a:gs pos="0">
+                <a:schemeClr val="accent1">
+                  <a:alpha val="26000"/>
+                </a:schemeClr>
+              </a:gs>
+              <a:gs pos="85000">
+                <a:schemeClr val="accent1">
+                  <a:lumMod val="60000"/>
+                  <a:lumOff val="40000"/>
+                  <a:alpha val="0"/>
+                </a:schemeClr>
+              </a:gs>
+            </a:gsLst>
+            <a:lin ang="14400000" scaled="0"/>
+          </a:gradFill>
+          <a:ln>
+            <a:noFill/>
+          </a:ln>
+        </p:spPr>
+        <p:style>
+          <a:lnRef idx="2">
+            <a:schemeClr val="accent1">
+              <a:shade val="50000"/>
+            </a:schemeClr>
+          </a:lnRef>
+          <a:fillRef idx="1">
+            <a:schemeClr val="accent1"/>
+          </a:fillRef>
+          <a:effectRef idx="0">
+            <a:schemeClr val="accent1"/>
+          </a:effectRef>
+          <a:fontRef idx="minor">
+            <a:schemeClr val="lt1"/>
+          </a:fontRef>
+        </p:style>
+        <p:txBody>
+          <a:bodyPr rtlCol="0" anchor="ctr"/>
+          <a:lstStyle/>
+          <a:p>
+            <a:pPr algn="ctr"/>
+            <a:endParaRPr lang="en-US" dirty="0"/>
+          </a:p>
+        </p:txBody>
+      </p:sp>
+      <p:sp>
+        <p:nvSpPr>
+          <p:cNvPr id="2" name="Title 1">
+            <a:extLst>
+              <a:ext uri="{FF2B5EF4-FFF2-40B4-BE49-F238E27FC236}">
+                <a16:creationId xmlns:a16="http://schemas.microsoft.com/office/drawing/2014/main" id="{90123525-A01A-FD75-A3CA-E0653D755A68}"/>
+              </a:ext>
+            </a:extLst>
+          </p:cNvPr>
+          <p:cNvSpPr>
+            <a:spLocks noGrp="1"/>
+          </p:cNvSpPr>
+          <p:nvPr>
+            <p:ph type="title"/>
+          </p:nvPr>
+        </p:nvSpPr>
+        <p:spPr>
+          <a:xfrm>
+            <a:off x="4162567" y="818984"/>
+            <a:ext cx="6714699" cy="3178689"/>
+          </a:xfrm>
+        </p:spPr>
+        <p:txBody>
+          <a:bodyPr vert="horz" lIns="91440" tIns="45720" rIns="91440" bIns="45720" rtlCol="0" anchor="b">
+            <a:normAutofit/>
+          </a:bodyPr>
+          <a:lstStyle/>
+          <a:p>
+            <a:r>
+              <a:rPr lang="en-US" sz="4800" kern="1200">
+                <a:solidFill>
+                  <a:srgbClr val="FFFFFF"/>
+                </a:solidFill>
+                <a:latin typeface="+mj-lt"/>
+                <a:ea typeface="+mj-ea"/>
+                <a:cs typeface="+mj-cs"/>
+              </a:rPr>
+              <a:t>Чаты</a:t>
+            </a:r>
+          </a:p>
+        </p:txBody>
+      </p:sp>
+      <p:sp>
+        <p:nvSpPr>
+          <p:cNvPr id="22" name="Rectangle 21">
+            <a:extLst>
+              <a:ext uri="{FF2B5EF4-FFF2-40B4-BE49-F238E27FC236}">
+                <a16:creationId xmlns:a16="http://schemas.microsoft.com/office/drawing/2014/main" id="{8C516CC8-80AC-446C-A56E-9F54B7210402}"/>
+              </a:ext>
+              <a:ext uri="{C183D7F6-B498-43B3-948B-1728B52AA6E4}">
+                <adec:decorative xmlns:adec="http://schemas.microsoft.com/office/drawing/2017/decorative" val="1"/>
+              </a:ext>
+            </a:extLst>
+          </p:cNvPr>
+          <p:cNvSpPr>
+            <a:spLocks noGrp="1" noRot="1" noChangeAspect="1" noMove="1" noResize="1" noEditPoints="1" noAdjustHandles="1" noChangeArrowheads="1" noChangeShapeType="1" noTextEdit="1"/>
+          </p:cNvSpPr>
+          <p:nvPr>
+            <p:extLst>
+              <p:ext uri="{386F3935-93C4-4BCD-93E2-E3B085C9AB24}">
+                <p16:designElem xmlns:p16="http://schemas.microsoft.com/office/powerpoint/2015/main" val="1"/>
+              </p:ext>
+            </p:extLst>
+          </p:nvPr>
+        </p:nvSpPr>
+        <p:spPr>
+          <a:xfrm flipH="1">
+            <a:off x="-3" y="4490110"/>
+            <a:ext cx="12217710" cy="2377962"/>
+          </a:xfrm>
+          <a:prstGeom prst="rect">
+            <a:avLst/>
+          </a:prstGeom>
+          <a:gradFill>
+            <a:gsLst>
+              <a:gs pos="0">
+                <a:schemeClr val="accent1">
+                  <a:lumMod val="75000"/>
+                  <a:alpha val="50000"/>
+                </a:schemeClr>
+              </a:gs>
+              <a:gs pos="99000">
+                <a:srgbClr val="000000">
+                  <a:alpha val="34000"/>
+                </a:srgbClr>
+              </a:gs>
+            </a:gsLst>
+            <a:lin ang="13200000" scaled="0"/>
+          </a:gradFill>
+          <a:ln>
+            <a:noFill/>
+          </a:ln>
+        </p:spPr>
+        <p:style>
+          <a:lnRef idx="2">
+            <a:schemeClr val="accent1">
+              <a:shade val="50000"/>
+            </a:schemeClr>
+          </a:lnRef>
+          <a:fillRef idx="1">
+            <a:schemeClr val="accent1"/>
+          </a:fillRef>
+          <a:effectRef idx="0">
+            <a:schemeClr val="accent1"/>
+          </a:effectRef>
+          <a:fontRef idx="minor">
+            <a:schemeClr val="lt1"/>
+          </a:fontRef>
+        </p:style>
+        <p:txBody>
+          <a:bodyPr rtlCol="0" anchor="ctr"/>
+          <a:lstStyle/>
+          <a:p>
+            <a:pPr algn="ctr"/>
+            <a:endParaRPr lang="en-US"/>
+          </a:p>
+        </p:txBody>
+      </p:sp>
+      <p:sp>
+        <p:nvSpPr>
+          <p:cNvPr id="3" name="Content Placeholder 2">
+            <a:extLst>
+              <a:ext uri="{FF2B5EF4-FFF2-40B4-BE49-F238E27FC236}">
+                <a16:creationId xmlns:a16="http://schemas.microsoft.com/office/drawing/2014/main" id="{C130BB82-2098-AAB2-582C-21CF80A55BF5}"/>
+              </a:ext>
+            </a:extLst>
+          </p:cNvPr>
+          <p:cNvSpPr>
+            <a:spLocks noGrp="1"/>
+          </p:cNvSpPr>
+          <p:nvPr>
+            <p:ph idx="1"/>
+          </p:nvPr>
+        </p:nvSpPr>
+        <p:spPr>
+          <a:xfrm>
+            <a:off x="4285397" y="4960961"/>
+            <a:ext cx="7055893" cy="1078054"/>
+          </a:xfrm>
+        </p:spPr>
+        <p:txBody>
+          <a:bodyPr vert="horz" lIns="91440" tIns="45720" rIns="91440" bIns="45720" rtlCol="0">
+            <a:normAutofit/>
+          </a:bodyPr>
+          <a:lstStyle/>
+          <a:p>
+            <a:pPr marL="0" indent="0">
+              <a:buNone/>
+            </a:pPr>
+            <a:r>
+              <a:rPr lang="en-US" sz="2400" kern="1200">
+                <a:solidFill>
+                  <a:srgbClr val="FFFFFF"/>
+                </a:solidFill>
+                <a:latin typeface="+mn-lt"/>
+                <a:ea typeface="+mn-ea"/>
+                <a:cs typeface="+mn-cs"/>
+              </a:rPr>
+              <a:t>Список всех доступных чатов пользователей</a:t>
+            </a:r>
+          </a:p>
+        </p:txBody>
+      </p:sp>
+    </p:spTree>
+    <p:extLst>
+      <p:ext uri="{BB962C8B-B14F-4D97-AF65-F5344CB8AC3E}">
+        <p14:creationId xmlns:p14="http://schemas.microsoft.com/office/powerpoint/2010/main" val="2132764625"/>
+      </p:ext>
+    </p:extLst>
+  </p:cSld>
+  <p:clrMapOvr>
+    <a:masterClrMapping/>
+  </p:clrMapOvr>
+</p:sld>
+</file>
+
+<file path=ppt/slides/slide5.xml><?xml version="1.0" encoding="utf-8"?>
+<p:sld xmlns:a="http://schemas.openxmlformats.org/drawingml/2006/main" xmlns:r="http://schemas.openxmlformats.org/officeDocument/2006/relationships" xmlns:p="http://schemas.openxmlformats.org/presentationml/2006/main">
+  <p:cSld>
+    <p:bg>
+      <p:bgPr>
+        <a:solidFill>
+          <a:schemeClr val="bg1"/>
+        </a:solidFill>
+        <a:effectLst/>
+      </p:bgPr>
+    </p:bg>
+    <p:spTree>
+      <p:nvGrpSpPr>
+        <p:cNvPr id="1" name=""/>
+        <p:cNvGrpSpPr/>
+        <p:nvPr/>
+      </p:nvGrpSpPr>
+      <p:grpSpPr>
+        <a:xfrm>
+          <a:off x="0" y="0"/>
+          <a:ext cx="0" cy="0"/>
+          <a:chOff x="0" y="0"/>
+          <a:chExt cx="0" cy="0"/>
+        </a:xfrm>
+      </p:grpSpPr>
+      <p:sp useBgFill="1">
+        <p:nvSpPr>
+          <p:cNvPr id="8" name="Rectangle 7">
+            <a:extLst>
+              <a:ext uri="{FF2B5EF4-FFF2-40B4-BE49-F238E27FC236}">
+                <a16:creationId xmlns:a16="http://schemas.microsoft.com/office/drawing/2014/main" id="{577D6B2E-37A3-429E-A37C-F30ED6487282}"/>
+              </a:ext>
+              <a:ext uri="{C183D7F6-B498-43B3-948B-1728B52AA6E4}">
+                <adec:decorative xmlns:adec="http://schemas.microsoft.com/office/drawing/2017/decorative" val="1"/>
+              </a:ext>
+            </a:extLst>
+          </p:cNvPr>
+          <p:cNvSpPr>
+            <a:spLocks noGrp="1" noRot="1" noChangeAspect="1" noMove="1" noResize="1" noEditPoints="1" noAdjustHandles="1" noChangeArrowheads="1" noChangeShapeType="1" noTextEdit="1"/>
+          </p:cNvSpPr>
+          <p:nvPr>
+            <p:extLst>
+              <p:ext uri="{386F3935-93C4-4BCD-93E2-E3B085C9AB24}">
+                <p16:designElem xmlns:p16="http://schemas.microsoft.com/office/powerpoint/2015/main" val="1"/>
+              </p:ext>
+            </p:extLst>
+          </p:nvPr>
+        </p:nvSpPr>
+        <p:spPr>
+          <a:xfrm>
+            <a:off x="0" y="0"/>
+            <a:ext cx="12192000" cy="6858000"/>
+          </a:xfrm>
+          <a:prstGeom prst="rect">
+            <a:avLst/>
+          </a:prstGeom>
+          <a:ln w="12700" cap="flat" cmpd="sng" algn="ctr">
+            <a:noFill/>
+            <a:prstDash val="solid"/>
+            <a:miter lim="800000"/>
+          </a:ln>
+          <a:effectLst/>
+          <a:extLst>
+            <a:ext uri="{91240B29-F687-4F45-9708-019B960494DF}">
+              <a14:hiddenLine xmlns:a14="http://schemas.microsoft.com/office/drawing/2010/main" w="12700" cap="flat" cmpd="sng" algn="ctr">
+                <a:solidFill>
+                  <a:schemeClr val="accent1">
+                    <a:shade val="50000"/>
+                  </a:schemeClr>
+                </a:solidFill>
+                <a:prstDash val="solid"/>
+                <a:miter lim="800000"/>
+              </a14:hiddenLine>
+            </a:ext>
+          </a:extLst>
+        </p:spPr>
+        <p:style>
+          <a:lnRef idx="2">
+            <a:schemeClr val="accent1">
+              <a:shade val="50000"/>
+            </a:schemeClr>
+          </a:lnRef>
+          <a:fillRef idx="1">
+            <a:schemeClr val="accent1"/>
+          </a:fillRef>
+          <a:effectRef idx="0">
+            <a:schemeClr val="accent1"/>
+          </a:effectRef>
+          <a:fontRef idx="minor">
+            <a:schemeClr val="lt1"/>
+          </a:fontRef>
+        </p:style>
+        <p:txBody>
+          <a:bodyPr rtlCol="0" anchor="ctr"/>
+          <a:lstStyle/>
+          <a:p>
+            <a:pPr algn="ctr"/>
+            <a:endParaRPr lang="en-US"/>
+          </a:p>
+        </p:txBody>
+      </p:sp>
+      <p:sp>
+        <p:nvSpPr>
+          <p:cNvPr id="10" name="Rectangle 9">
+            <a:extLst>
+              <a:ext uri="{FF2B5EF4-FFF2-40B4-BE49-F238E27FC236}">
+                <a16:creationId xmlns:a16="http://schemas.microsoft.com/office/drawing/2014/main" id="{5CEAD642-85CF-4750-8432-7C80C901F001}"/>
+              </a:ext>
+              <a:ext uri="{C183D7F6-B498-43B3-948B-1728B52AA6E4}">
+                <adec:decorative xmlns:adec="http://schemas.microsoft.com/office/drawing/2017/decorative" val="1"/>
+              </a:ext>
+            </a:extLst>
+          </p:cNvPr>
+          <p:cNvSpPr>
+            <a:spLocks noGrp="1" noRot="1" noChangeAspect="1" noMove="1" noResize="1" noEditPoints="1" noAdjustHandles="1" noChangeArrowheads="1" noChangeShapeType="1" noTextEdit="1"/>
+          </p:cNvSpPr>
+          <p:nvPr>
+            <p:extLst>
+              <p:ext uri="{386F3935-93C4-4BCD-93E2-E3B085C9AB24}">
+                <p16:designElem xmlns:p16="http://schemas.microsoft.com/office/powerpoint/2015/main" val="1"/>
+              </p:ext>
+            </p:extLst>
+          </p:nvPr>
+        </p:nvSpPr>
+        <p:spPr>
+          <a:xfrm rot="10800000">
+            <a:off x="-11723" y="-1"/>
+            <a:ext cx="12225953" cy="6868071"/>
+          </a:xfrm>
+          <a:prstGeom prst="rect">
+            <a:avLst/>
+          </a:prstGeom>
+          <a:gradFill>
+            <a:gsLst>
+              <a:gs pos="0">
+                <a:srgbClr val="000000"/>
+              </a:gs>
+              <a:gs pos="100000">
+                <a:schemeClr val="accent1">
+                  <a:lumMod val="75000"/>
+                </a:schemeClr>
+              </a:gs>
+            </a:gsLst>
+            <a:lin ang="4200000" scaled="0"/>
+          </a:gradFill>
+          <a:ln>
+            <a:noFill/>
+          </a:ln>
+        </p:spPr>
+        <p:style>
+          <a:lnRef idx="2">
+            <a:schemeClr val="accent1">
+              <a:shade val="50000"/>
+            </a:schemeClr>
+          </a:lnRef>
+          <a:fillRef idx="1">
+            <a:schemeClr val="accent1"/>
+          </a:fillRef>
+          <a:effectRef idx="0">
+            <a:schemeClr val="accent1"/>
+          </a:effectRef>
+          <a:fontRef idx="minor">
+            <a:schemeClr val="lt1"/>
+          </a:fontRef>
+        </p:style>
+        <p:txBody>
+          <a:bodyPr rtlCol="0" anchor="ctr"/>
+          <a:lstStyle/>
+          <a:p>
+            <a:pPr algn="ctr"/>
+            <a:endParaRPr lang="en-US"/>
+          </a:p>
+        </p:txBody>
+      </p:sp>
+      <p:sp>
+        <p:nvSpPr>
+          <p:cNvPr id="12" name="Rectangle 11">
+            <a:extLst>
+              <a:ext uri="{FF2B5EF4-FFF2-40B4-BE49-F238E27FC236}">
+                <a16:creationId xmlns:a16="http://schemas.microsoft.com/office/drawing/2014/main" id="{FA33EEAE-15D5-4119-8C1E-89D943F911EF}"/>
+              </a:ext>
+              <a:ext uri="{C183D7F6-B498-43B3-948B-1728B52AA6E4}">
+                <adec:decorative xmlns:adec="http://schemas.microsoft.com/office/drawing/2017/decorative" val="1"/>
+              </a:ext>
+            </a:extLst>
+          </p:cNvPr>
+          <p:cNvSpPr>
+            <a:spLocks noGrp="1" noRot="1" noChangeAspect="1" noMove="1" noResize="1" noEditPoints="1" noAdjustHandles="1" noChangeArrowheads="1" noChangeShapeType="1" noTextEdit="1"/>
+          </p:cNvSpPr>
+          <p:nvPr>
+            <p:extLst>
+              <p:ext uri="{386F3935-93C4-4BCD-93E2-E3B085C9AB24}">
+                <p16:designElem xmlns:p16="http://schemas.microsoft.com/office/powerpoint/2015/main" val="1"/>
+              </p:ext>
+            </p:extLst>
+          </p:nvPr>
+        </p:nvSpPr>
+        <p:spPr>
+          <a:xfrm rot="10800000" flipH="1">
+            <a:off x="441959" y="-3"/>
+            <a:ext cx="11772269" cy="6868074"/>
+          </a:xfrm>
+          <a:prstGeom prst="rect">
+            <a:avLst/>
+          </a:prstGeom>
+          <a:gradFill>
+            <a:gsLst>
+              <a:gs pos="21000">
+                <a:schemeClr val="accent1">
+                  <a:lumMod val="50000"/>
+                  <a:alpha val="83000"/>
+                </a:schemeClr>
+              </a:gs>
+              <a:gs pos="100000">
+                <a:schemeClr val="accent1">
+                  <a:alpha val="0"/>
+                </a:schemeClr>
+              </a:gs>
+            </a:gsLst>
+            <a:lin ang="8400000" scaled="0"/>
+          </a:gradFill>
+          <a:ln>
+            <a:noFill/>
+          </a:ln>
+        </p:spPr>
+        <p:style>
+          <a:lnRef idx="2">
+            <a:schemeClr val="accent1">
+              <a:shade val="50000"/>
+            </a:schemeClr>
+          </a:lnRef>
+          <a:fillRef idx="1">
+            <a:schemeClr val="accent1"/>
+          </a:fillRef>
+          <a:effectRef idx="0">
+            <a:schemeClr val="accent1"/>
+          </a:effectRef>
+          <a:fontRef idx="minor">
+            <a:schemeClr val="lt1"/>
+          </a:fontRef>
+        </p:style>
+        <p:txBody>
+          <a:bodyPr rtlCol="0" anchor="ctr"/>
+          <a:lstStyle/>
+          <a:p>
+            <a:pPr algn="ctr"/>
+            <a:endParaRPr lang="en-US"/>
+          </a:p>
+        </p:txBody>
+      </p:sp>
+      <p:sp>
+        <p:nvSpPr>
+          <p:cNvPr id="14" name="Rectangle 13">
+            <a:extLst>
+              <a:ext uri="{FF2B5EF4-FFF2-40B4-BE49-F238E27FC236}">
+                <a16:creationId xmlns:a16="http://schemas.microsoft.com/office/drawing/2014/main" id="{730D8B3B-9B80-4025-B934-26DC7D7CD231}"/>
+              </a:ext>
+              <a:ext uri="{C183D7F6-B498-43B3-948B-1728B52AA6E4}">
+                <adec:decorative xmlns:adec="http://schemas.microsoft.com/office/drawing/2017/decorative" val="1"/>
+              </a:ext>
+            </a:extLst>
+          </p:cNvPr>
+          <p:cNvSpPr>
+            <a:spLocks noGrp="1" noRot="1" noChangeAspect="1" noMove="1" noResize="1" noEditPoints="1" noAdjustHandles="1" noChangeArrowheads="1" noChangeShapeType="1" noTextEdit="1"/>
+          </p:cNvSpPr>
+          <p:nvPr>
+            <p:extLst>
+              <p:ext uri="{386F3935-93C4-4BCD-93E2-E3B085C9AB24}">
+                <p16:designElem xmlns:p16="http://schemas.microsoft.com/office/powerpoint/2015/main" val="1"/>
+              </p:ext>
+            </p:extLst>
+          </p:nvPr>
+        </p:nvSpPr>
+        <p:spPr>
+          <a:xfrm rot="10800000">
+            <a:off x="-15200" y="0"/>
+            <a:ext cx="3623374" cy="6868072"/>
+          </a:xfrm>
+          <a:prstGeom prst="rect">
+            <a:avLst/>
+          </a:prstGeom>
+          <a:gradFill>
+            <a:gsLst>
+              <a:gs pos="0">
+                <a:schemeClr val="accent1">
+                  <a:lumMod val="75000"/>
+                  <a:alpha val="0"/>
+                </a:schemeClr>
+              </a:gs>
+              <a:gs pos="99000">
+                <a:srgbClr val="000000">
+                  <a:alpha val="41000"/>
+                </a:srgbClr>
+              </a:gs>
+            </a:gsLst>
+            <a:lin ang="13200000" scaled="0"/>
+          </a:gradFill>
+          <a:ln>
+            <a:noFill/>
+          </a:ln>
+        </p:spPr>
+        <p:style>
+          <a:lnRef idx="2">
+            <a:schemeClr val="accent1">
+              <a:shade val="50000"/>
+            </a:schemeClr>
+          </a:lnRef>
+          <a:fillRef idx="1">
+            <a:schemeClr val="accent1"/>
+          </a:fillRef>
+          <a:effectRef idx="0">
+            <a:schemeClr val="accent1"/>
+          </a:effectRef>
+          <a:fontRef idx="minor">
+            <a:schemeClr val="lt1"/>
+          </a:fontRef>
+        </p:style>
+        <p:txBody>
+          <a:bodyPr rtlCol="0" anchor="ctr"/>
+          <a:lstStyle/>
+          <a:p>
+            <a:pPr algn="ctr"/>
+            <a:endParaRPr lang="en-US"/>
+          </a:p>
+        </p:txBody>
+      </p:sp>
+      <p:sp>
+        <p:nvSpPr>
+          <p:cNvPr id="16" name="Rectangle 15">
+            <a:extLst>
+              <a:ext uri="{FF2B5EF4-FFF2-40B4-BE49-F238E27FC236}">
+                <a16:creationId xmlns:a16="http://schemas.microsoft.com/office/drawing/2014/main" id="{1064D5D5-227B-4F66-9AEA-46F570E793BD}"/>
+              </a:ext>
+              <a:ext uri="{C183D7F6-B498-43B3-948B-1728B52AA6E4}">
+                <adec:decorative xmlns:adec="http://schemas.microsoft.com/office/drawing/2017/decorative" val="1"/>
+              </a:ext>
+            </a:extLst>
+          </p:cNvPr>
+          <p:cNvSpPr>
+            <a:spLocks noGrp="1" noRot="1" noChangeAspect="1" noMove="1" noResize="1" noEditPoints="1" noAdjustHandles="1" noChangeArrowheads="1" noChangeShapeType="1" noTextEdit="1"/>
+          </p:cNvSpPr>
+          <p:nvPr>
+            <p:extLst>
+              <p:ext uri="{386F3935-93C4-4BCD-93E2-E3B085C9AB24}">
+                <p16:designElem xmlns:p16="http://schemas.microsoft.com/office/powerpoint/2015/main" val="1"/>
+              </p:ext>
+            </p:extLst>
+          </p:nvPr>
+        </p:nvSpPr>
+        <p:spPr>
+          <a:xfrm flipH="1">
+            <a:off x="-15875" y="-3"/>
+            <a:ext cx="12233581" cy="6868076"/>
+          </a:xfrm>
+          <a:prstGeom prst="rect">
+            <a:avLst/>
+          </a:prstGeom>
+          <a:gradFill>
+            <a:gsLst>
+              <a:gs pos="3000">
+                <a:schemeClr val="accent1">
+                  <a:lumMod val="75000"/>
+                  <a:alpha val="0"/>
+                </a:schemeClr>
+              </a:gs>
+              <a:gs pos="100000">
+                <a:srgbClr val="000000">
+                  <a:alpha val="73000"/>
+                </a:srgbClr>
+              </a:gs>
+            </a:gsLst>
+            <a:lin ang="17400000" scaled="0"/>
+          </a:gradFill>
+          <a:ln>
+            <a:noFill/>
+          </a:ln>
+        </p:spPr>
+        <p:style>
+          <a:lnRef idx="2">
+            <a:schemeClr val="accent1">
+              <a:shade val="50000"/>
+            </a:schemeClr>
+          </a:lnRef>
+          <a:fillRef idx="1">
+            <a:schemeClr val="accent1"/>
+          </a:fillRef>
+          <a:effectRef idx="0">
+            <a:schemeClr val="accent1"/>
+          </a:effectRef>
+          <a:fontRef idx="minor">
+            <a:schemeClr val="lt1"/>
+          </a:fontRef>
+        </p:style>
+        <p:txBody>
+          <a:bodyPr rtlCol="0" anchor="ctr"/>
+          <a:lstStyle/>
+          <a:p>
+            <a:pPr algn="ctr"/>
+            <a:endParaRPr lang="en-US"/>
+          </a:p>
+        </p:txBody>
+      </p:sp>
+      <p:sp>
+        <p:nvSpPr>
+          <p:cNvPr id="18" name="Rectangle 17">
+            <a:extLst>
+              <a:ext uri="{FF2B5EF4-FFF2-40B4-BE49-F238E27FC236}">
+                <a16:creationId xmlns:a16="http://schemas.microsoft.com/office/drawing/2014/main" id="{646B67A4-D328-4747-A82B-65E84FA46368}"/>
+              </a:ext>
+              <a:ext uri="{C183D7F6-B498-43B3-948B-1728B52AA6E4}">
+                <adec:decorative xmlns:adec="http://schemas.microsoft.com/office/drawing/2017/decorative" val="1"/>
+              </a:ext>
+            </a:extLst>
+          </p:cNvPr>
+          <p:cNvSpPr>
+            <a:spLocks noGrp="1" noRot="1" noChangeAspect="1" noMove="1" noResize="1" noEditPoints="1" noAdjustHandles="1" noChangeArrowheads="1" noChangeShapeType="1" noTextEdit="1"/>
+          </p:cNvSpPr>
+          <p:nvPr>
+            <p:extLst>
+              <p:ext uri="{386F3935-93C4-4BCD-93E2-E3B085C9AB24}">
+                <p16:designElem xmlns:p16="http://schemas.microsoft.com/office/powerpoint/2015/main" val="1"/>
+              </p:ext>
+            </p:extLst>
+          </p:nvPr>
+        </p:nvSpPr>
+        <p:spPr>
+          <a:xfrm rot="5400000" flipH="1">
+            <a:off x="4484334" y="-861824"/>
+            <a:ext cx="6861931" cy="8597859"/>
+          </a:xfrm>
+          <a:prstGeom prst="rect">
+            <a:avLst/>
+          </a:prstGeom>
+          <a:gradFill>
+            <a:gsLst>
+              <a:gs pos="3000">
+                <a:schemeClr val="accent1">
+                  <a:lumMod val="75000"/>
+                  <a:alpha val="0"/>
+                </a:schemeClr>
+              </a:gs>
+              <a:gs pos="100000">
+                <a:srgbClr val="000000">
+                  <a:alpha val="27000"/>
+                </a:srgbClr>
+              </a:gs>
+            </a:gsLst>
+            <a:lin ang="13800000" scaled="0"/>
+          </a:gradFill>
+          <a:ln>
+            <a:noFill/>
+          </a:ln>
+        </p:spPr>
+        <p:style>
+          <a:lnRef idx="2">
+            <a:schemeClr val="accent1">
+              <a:shade val="50000"/>
+            </a:schemeClr>
+          </a:lnRef>
+          <a:fillRef idx="1">
+            <a:schemeClr val="accent1"/>
+          </a:fillRef>
+          <a:effectRef idx="0">
+            <a:schemeClr val="accent1"/>
+          </a:effectRef>
+          <a:fontRef idx="minor">
+            <a:schemeClr val="lt1"/>
+          </a:fontRef>
+        </p:style>
+        <p:txBody>
+          <a:bodyPr rtlCol="0" anchor="ctr"/>
+          <a:lstStyle/>
+          <a:p>
+            <a:pPr algn="ctr"/>
+            <a:endParaRPr lang="en-US"/>
+          </a:p>
+        </p:txBody>
+      </p:sp>
+      <p:sp>
+        <p:nvSpPr>
+          <p:cNvPr id="20" name="Oval 19">
+            <a:extLst>
+              <a:ext uri="{FF2B5EF4-FFF2-40B4-BE49-F238E27FC236}">
+                <a16:creationId xmlns:a16="http://schemas.microsoft.com/office/drawing/2014/main" id="{B5A1B09C-1565-46F8-B70F-621C5EB48A09}"/>
+              </a:ext>
+              <a:ext uri="{C183D7F6-B498-43B3-948B-1728B52AA6E4}">
+                <adec:decorative xmlns:adec="http://schemas.microsoft.com/office/drawing/2017/decorative" val="1"/>
+              </a:ext>
+            </a:extLst>
+          </p:cNvPr>
+          <p:cNvSpPr>
+            <a:spLocks noGrp="1" noRot="1" noChangeAspect="1" noMove="1" noResize="1" noEditPoints="1" noAdjustHandles="1" noChangeArrowheads="1" noChangeShapeType="1" noTextEdit="1"/>
+          </p:cNvSpPr>
+          <p:nvPr>
+            <p:extLst>
+              <p:ext uri="{386F3935-93C4-4BCD-93E2-E3B085C9AB24}">
+                <p16:designElem xmlns:p16="http://schemas.microsoft.com/office/powerpoint/2015/main" val="1"/>
+              </p:ext>
+            </p:extLst>
+          </p:nvPr>
+        </p:nvSpPr>
+        <p:spPr>
+          <a:xfrm rot="5993193">
+            <a:off x="1186972" y="1089049"/>
+            <a:ext cx="4967533" cy="4988390"/>
+          </a:xfrm>
+          <a:prstGeom prst="ellipse">
+            <a:avLst/>
+          </a:prstGeom>
+          <a:gradFill>
+            <a:gsLst>
+              <a:gs pos="0">
+                <a:schemeClr val="accent1">
+                  <a:alpha val="26000"/>
+                </a:schemeClr>
+              </a:gs>
+              <a:gs pos="85000">
+                <a:schemeClr val="accent1">
+                  <a:lumMod val="60000"/>
+                  <a:lumOff val="40000"/>
+                  <a:alpha val="0"/>
+                </a:schemeClr>
+              </a:gs>
+            </a:gsLst>
+            <a:lin ang="14400000" scaled="0"/>
+          </a:gradFill>
+          <a:ln>
+            <a:noFill/>
+          </a:ln>
+        </p:spPr>
+        <p:style>
+          <a:lnRef idx="2">
+            <a:schemeClr val="accent1">
+              <a:shade val="50000"/>
+            </a:schemeClr>
+          </a:lnRef>
+          <a:fillRef idx="1">
+            <a:schemeClr val="accent1"/>
+          </a:fillRef>
+          <a:effectRef idx="0">
+            <a:schemeClr val="accent1"/>
+          </a:effectRef>
+          <a:fontRef idx="minor">
+            <a:schemeClr val="lt1"/>
+          </a:fontRef>
+        </p:style>
+        <p:txBody>
+          <a:bodyPr rtlCol="0" anchor="ctr"/>
+          <a:lstStyle/>
+          <a:p>
+            <a:pPr algn="ctr"/>
+            <a:endParaRPr lang="en-US" dirty="0"/>
+          </a:p>
+        </p:txBody>
+      </p:sp>
+      <p:sp>
+        <p:nvSpPr>
+          <p:cNvPr id="2" name="Title 1">
+            <a:extLst>
+              <a:ext uri="{FF2B5EF4-FFF2-40B4-BE49-F238E27FC236}">
+                <a16:creationId xmlns:a16="http://schemas.microsoft.com/office/drawing/2014/main" id="{3B687924-9468-C7D5-4229-59ED212396AC}"/>
+              </a:ext>
+            </a:extLst>
+          </p:cNvPr>
+          <p:cNvSpPr>
+            <a:spLocks noGrp="1"/>
+          </p:cNvSpPr>
+          <p:nvPr>
+            <p:ph type="title"/>
+          </p:nvPr>
+        </p:nvSpPr>
+        <p:spPr>
+          <a:xfrm>
+            <a:off x="4162567" y="818984"/>
+            <a:ext cx="6714699" cy="3178689"/>
+          </a:xfrm>
+        </p:spPr>
+        <p:txBody>
+          <a:bodyPr vert="horz" lIns="91440" tIns="45720" rIns="91440" bIns="45720" rtlCol="0" anchor="b">
+            <a:normAutofit/>
+          </a:bodyPr>
+          <a:lstStyle/>
+          <a:p>
+            <a:r>
+              <a:rPr lang="en-US" sz="4800" kern="1200">
+                <a:solidFill>
+                  <a:srgbClr val="FFFFFF"/>
+                </a:solidFill>
+                <a:latin typeface="+mj-lt"/>
+                <a:ea typeface="+mj-ea"/>
+                <a:cs typeface="+mj-cs"/>
+              </a:rPr>
+              <a:t>Просмотр конкретного чата</a:t>
+            </a:r>
+          </a:p>
+        </p:txBody>
+      </p:sp>
+      <p:sp>
+        <p:nvSpPr>
+          <p:cNvPr id="22" name="Rectangle 21">
+            <a:extLst>
+              <a:ext uri="{FF2B5EF4-FFF2-40B4-BE49-F238E27FC236}">
+                <a16:creationId xmlns:a16="http://schemas.microsoft.com/office/drawing/2014/main" id="{8C516CC8-80AC-446C-A56E-9F54B7210402}"/>
+              </a:ext>
+              <a:ext uri="{C183D7F6-B498-43B3-948B-1728B52AA6E4}">
+                <adec:decorative xmlns:adec="http://schemas.microsoft.com/office/drawing/2017/decorative" val="1"/>
+              </a:ext>
+            </a:extLst>
+          </p:cNvPr>
+          <p:cNvSpPr>
+            <a:spLocks noGrp="1" noRot="1" noChangeAspect="1" noMove="1" noResize="1" noEditPoints="1" noAdjustHandles="1" noChangeArrowheads="1" noChangeShapeType="1" noTextEdit="1"/>
+          </p:cNvSpPr>
+          <p:nvPr>
+            <p:extLst>
+              <p:ext uri="{386F3935-93C4-4BCD-93E2-E3B085C9AB24}">
+                <p16:designElem xmlns:p16="http://schemas.microsoft.com/office/powerpoint/2015/main" val="1"/>
+              </p:ext>
+            </p:extLst>
+          </p:nvPr>
+        </p:nvSpPr>
+        <p:spPr>
+          <a:xfrm flipH="1">
+            <a:off x="-3" y="4490110"/>
+            <a:ext cx="12217710" cy="2377962"/>
+          </a:xfrm>
+          <a:prstGeom prst="rect">
+            <a:avLst/>
+          </a:prstGeom>
+          <a:gradFill>
+            <a:gsLst>
+              <a:gs pos="0">
+                <a:schemeClr val="accent1">
+                  <a:lumMod val="75000"/>
+                  <a:alpha val="50000"/>
+                </a:schemeClr>
+              </a:gs>
+              <a:gs pos="99000">
+                <a:srgbClr val="000000">
+                  <a:alpha val="34000"/>
+                </a:srgbClr>
+              </a:gs>
+            </a:gsLst>
+            <a:lin ang="13200000" scaled="0"/>
+          </a:gradFill>
+          <a:ln>
+            <a:noFill/>
+          </a:ln>
+        </p:spPr>
+        <p:style>
+          <a:lnRef idx="2">
+            <a:schemeClr val="accent1">
+              <a:shade val="50000"/>
+            </a:schemeClr>
+          </a:lnRef>
+          <a:fillRef idx="1">
+            <a:schemeClr val="accent1"/>
+          </a:fillRef>
+          <a:effectRef idx="0">
+            <a:schemeClr val="accent1"/>
+          </a:effectRef>
+          <a:fontRef idx="minor">
+            <a:schemeClr val="lt1"/>
+          </a:fontRef>
+        </p:style>
+        <p:txBody>
+          <a:bodyPr rtlCol="0" anchor="ctr"/>
+          <a:lstStyle/>
+          <a:p>
+            <a:pPr algn="ctr"/>
+            <a:endParaRPr lang="en-US"/>
+          </a:p>
+        </p:txBody>
+      </p:sp>
+    </p:spTree>
+    <p:extLst>
+      <p:ext uri="{BB962C8B-B14F-4D97-AF65-F5344CB8AC3E}">
+        <p14:creationId xmlns:p14="http://schemas.microsoft.com/office/powerpoint/2010/main" val="1066899423"/>
+      </p:ext>
+    </p:extLst>
+  </p:cSld>
+  <p:clrMapOvr>
+    <a:masterClrMapping/>
+  </p:clrMapOvr>
+</p:sld>
+</file>
+
+<file path=ppt/slides/slide6.xml><?xml version="1.0" encoding="utf-8"?>
+<p:sld xmlns:a="http://schemas.openxmlformats.org/drawingml/2006/main" xmlns:r="http://schemas.openxmlformats.org/officeDocument/2006/relationships" xmlns:p="http://schemas.openxmlformats.org/presentationml/2006/main">
+  <p:cSld>
+    <p:bg>
+      <p:bgPr>
+        <a:solidFill>
+          <a:schemeClr val="bg1"/>
+        </a:solidFill>
+        <a:effectLst/>
+      </p:bgPr>
+    </p:bg>
+    <p:spTree>
+      <p:nvGrpSpPr>
+        <p:cNvPr id="1" name=""/>
+        <p:cNvGrpSpPr/>
+        <p:nvPr/>
+      </p:nvGrpSpPr>
+      <p:grpSpPr>
+        <a:xfrm>
+          <a:off x="0" y="0"/>
+          <a:ext cx="0" cy="0"/>
+          <a:chOff x="0" y="0"/>
+          <a:chExt cx="0" cy="0"/>
+        </a:xfrm>
+      </p:grpSpPr>
+      <p:sp>
+        <p:nvSpPr>
+          <p:cNvPr id="414" name="Rectangle 413">
+            <a:extLst>
+              <a:ext uri="{FF2B5EF4-FFF2-40B4-BE49-F238E27FC236}">
+                <a16:creationId xmlns:a16="http://schemas.microsoft.com/office/drawing/2014/main" id="{94714483-7072-431F-9DBE-87F44E4D44BC}"/>
+              </a:ext>
+              <a:ext uri="{C183D7F6-B498-43B3-948B-1728B52AA6E4}">
+                <adec:decorative xmlns:adec="http://schemas.microsoft.com/office/drawing/2017/decorative" val="1"/>
+              </a:ext>
+            </a:extLst>
+          </p:cNvPr>
+          <p:cNvSpPr>
+            <a:spLocks noGrp="1" noRot="1" noChangeAspect="1" noMove="1" noResize="1" noEditPoints="1" noAdjustHandles="1" noChangeArrowheads="1" noChangeShapeType="1" noTextEdit="1"/>
+          </p:cNvSpPr>
+          <p:nvPr>
+            <p:extLst>
+              <p:ext uri="{386F3935-93C4-4BCD-93E2-E3B085C9AB24}">
+                <p16:designElem xmlns:p16="http://schemas.microsoft.com/office/powerpoint/2015/main" val="1"/>
+              </p:ext>
+            </p:extLst>
+          </p:nvPr>
+        </p:nvSpPr>
+        <p:spPr>
+          <a:xfrm>
+            <a:off x="3048" y="0"/>
+            <a:ext cx="12188952" cy="6858000"/>
+          </a:xfrm>
+          <a:prstGeom prst="rect">
+            <a:avLst/>
+          </a:prstGeom>
+          <a:solidFill>
+            <a:schemeClr val="tx2"/>
+          </a:solidFill>
+          <a:ln>
+            <a:noFill/>
+          </a:ln>
+        </p:spPr>
+        <p:style>
+          <a:lnRef idx="2">
+            <a:schemeClr val="accent1">
+              <a:shade val="50000"/>
+            </a:schemeClr>
+          </a:lnRef>
+          <a:fillRef idx="1">
+            <a:schemeClr val="accent1"/>
+          </a:fillRef>
+          <a:effectRef idx="0">
+            <a:schemeClr val="accent1"/>
+          </a:effectRef>
+          <a:fontRef idx="minor">
+            <a:schemeClr val="lt1"/>
+          </a:fontRef>
+        </p:style>
+        <p:txBody>
+          <a:bodyPr rtlCol="0" anchor="ctr"/>
+          <a:lstStyle/>
+          <a:p>
+            <a:pPr algn="ctr"/>
+            <a:endParaRPr lang="en-US"/>
+          </a:p>
+        </p:txBody>
+      </p:sp>
+      <p:sp>
+        <p:nvSpPr>
+          <p:cNvPr id="415" name="Rectangle 414">
+            <a:extLst>
+              <a:ext uri="{FF2B5EF4-FFF2-40B4-BE49-F238E27FC236}">
+                <a16:creationId xmlns:a16="http://schemas.microsoft.com/office/drawing/2014/main" id="{495892E1-F4A5-4991-AC52-4F417B14A2A2}"/>
+              </a:ext>
+              <a:ext uri="{C183D7F6-B498-43B3-948B-1728B52AA6E4}">
+                <adec:decorative xmlns:adec="http://schemas.microsoft.com/office/drawing/2017/decorative" val="1"/>
+              </a:ext>
+            </a:extLst>
+          </p:cNvPr>
+          <p:cNvSpPr>
+            <a:spLocks noGrp="1" noRot="1" noChangeAspect="1" noMove="1" noResize="1" noEditPoints="1" noAdjustHandles="1" noChangeArrowheads="1" noChangeShapeType="1" noTextEdit="1"/>
+          </p:cNvSpPr>
+          <p:nvPr>
+            <p:extLst>
+              <p:ext uri="{386F3935-93C4-4BCD-93E2-E3B085C9AB24}">
+                <p16:designElem xmlns:p16="http://schemas.microsoft.com/office/powerpoint/2015/main" val="1"/>
+              </p:ext>
+            </p:extLst>
+          </p:nvPr>
+        </p:nvSpPr>
+        <p:spPr>
+          <a:xfrm>
+            <a:off x="0" y="0"/>
+            <a:ext cx="12188952" cy="6858000"/>
+          </a:xfrm>
+          <a:prstGeom prst="rect">
+            <a:avLst/>
+          </a:prstGeom>
+          <a:solidFill>
+            <a:schemeClr val="tx1">
+              <a:alpha val="53000"/>
+            </a:schemeClr>
+          </a:solidFill>
+          <a:ln>
+            <a:noFill/>
+          </a:ln>
+        </p:spPr>
+        <p:style>
+          <a:lnRef idx="2">
+            <a:schemeClr val="accent1">
+              <a:shade val="50000"/>
+            </a:schemeClr>
+          </a:lnRef>
+          <a:fillRef idx="1">
+            <a:schemeClr val="accent1"/>
+          </a:fillRef>
+          <a:effectRef idx="0">
+            <a:schemeClr val="accent1"/>
+          </a:effectRef>
+          <a:fontRef idx="minor">
+            <a:schemeClr val="lt1"/>
+          </a:fontRef>
+        </p:style>
+        <p:txBody>
+          <a:bodyPr rtlCol="0" anchor="ctr"/>
+          <a:lstStyle/>
+          <a:p>
+            <a:pPr algn="ctr"/>
+            <a:endParaRPr lang="en-US"/>
+          </a:p>
+        </p:txBody>
+      </p:sp>
+      <p:grpSp>
+        <p:nvGrpSpPr>
+          <p:cNvPr id="416" name="Group 415">
+            <a:extLst>
+              <a:ext uri="{FF2B5EF4-FFF2-40B4-BE49-F238E27FC236}">
+                <a16:creationId xmlns:a16="http://schemas.microsoft.com/office/drawing/2014/main" id="{ACF597F8-76AA-44FA-8E6A-06223B66C0DD}"/>
+              </a:ext>
+              <a:ext uri="{C183D7F6-B498-43B3-948B-1728B52AA6E4}">
+                <adec:decorative xmlns:adec="http://schemas.microsoft.com/office/drawing/2017/decorative" val="1"/>
+              </a:ext>
+            </a:extLst>
+          </p:cNvPr>
+          <p:cNvGrpSpPr>
+            <a:grpSpLocks noGrp="1" noUngrp="1" noRot="1" noChangeAspect="1" noMove="1" noResize="1"/>
+          </p:cNvGrpSpPr>
+          <p:nvPr>
+            <p:extLst>
+              <p:ext uri="{386F3935-93C4-4BCD-93E2-E3B085C9AB24}">
+                <p16:designElem xmlns:p16="http://schemas.microsoft.com/office/powerpoint/2015/main" val="1"/>
+              </p:ext>
+            </p:extLst>
+          </p:nvPr>
+        </p:nvGrpSpPr>
+        <p:grpSpPr>
+          <a:xfrm>
+            <a:off x="1" y="2075420"/>
+            <a:ext cx="12048729" cy="4093306"/>
+            <a:chOff x="1" y="2075420"/>
+            <a:chExt cx="12048729" cy="4093306"/>
+          </a:xfrm>
+        </p:grpSpPr>
+        <p:sp>
+          <p:nvSpPr>
+            <p:cNvPr id="56" name="Oval 55">
+              <a:extLst>
+                <a:ext uri="{FF2B5EF4-FFF2-40B4-BE49-F238E27FC236}">
+                  <a16:creationId xmlns:a16="http://schemas.microsoft.com/office/drawing/2014/main" id="{A6E12753-0A63-43EE-B28A-C989D033EADF}"/>
+                </a:ext>
+                <a:ext uri="{C183D7F6-B498-43B3-948B-1728B52AA6E4}">
+                  <adec:decorative xmlns:adec="http://schemas.microsoft.com/office/drawing/2017/decorative" val="1"/>
+                </a:ext>
+              </a:extLst>
+            </p:cNvPr>
+            <p:cNvSpPr/>
+            <p:nvPr>
+              <p:extLst>
+                <p:ext uri="{386F3935-93C4-4BCD-93E2-E3B085C9AB24}">
+                  <p16:designElem xmlns:p16="http://schemas.microsoft.com/office/powerpoint/2015/main" val="1"/>
+                </p:ext>
+              </p:extLst>
+            </p:nvPr>
+          </p:nvSpPr>
+          <p:spPr>
+            <a:xfrm rot="4500000">
+              <a:off x="7942191" y="2507571"/>
+              <a:ext cx="3563871" cy="3563871"/>
+            </a:xfrm>
+            <a:prstGeom prst="ellipse">
+              <a:avLst/>
+            </a:prstGeom>
+            <a:noFill/>
+            <a:ln w="31750">
+              <a:gradFill>
+                <a:gsLst>
+                  <a:gs pos="0">
+                    <a:schemeClr val="tx2">
+                      <a:lumMod val="60000"/>
+                      <a:lumOff val="40000"/>
+                      <a:alpha val="10000"/>
+                    </a:schemeClr>
+                  </a:gs>
+                  <a:gs pos="100000">
+                    <a:schemeClr val="tx2">
+                      <a:lumMod val="50000"/>
+                      <a:alpha val="20000"/>
+                    </a:schemeClr>
+                  </a:gs>
+                </a:gsLst>
+                <a:lin ang="5400000" scaled="1"/>
+              </a:gradFill>
+              <a:prstDash val="sysDot"/>
+            </a:ln>
+          </p:spPr>
+          <p:style>
+            <a:lnRef idx="2">
+              <a:schemeClr val="accent1">
+                <a:shade val="50000"/>
+              </a:schemeClr>
+            </a:lnRef>
+            <a:fillRef idx="1">
+              <a:schemeClr val="accent1"/>
+            </a:fillRef>
+            <a:effectRef idx="0">
+              <a:schemeClr val="accent1"/>
+            </a:effectRef>
+            <a:fontRef idx="minor">
+              <a:schemeClr val="lt1"/>
+            </a:fontRef>
+          </p:style>
+          <p:txBody>
+            <a:bodyPr rtlCol="0" anchor="ctr"/>
+            <a:lstStyle/>
+            <a:p>
+              <a:pPr algn="ctr"/>
+              <a:endParaRPr lang="en-US"/>
+            </a:p>
+          </p:txBody>
+        </p:sp>
+        <p:sp>
+          <p:nvSpPr>
+            <p:cNvPr id="417" name="Oval 416">
+              <a:extLst>
+                <a:ext uri="{FF2B5EF4-FFF2-40B4-BE49-F238E27FC236}">
+                  <a16:creationId xmlns:a16="http://schemas.microsoft.com/office/drawing/2014/main" id="{B26FA385-76DA-40E9-9257-AA3E07FF610B}"/>
+                </a:ext>
+                <a:ext uri="{C183D7F6-B498-43B3-948B-1728B52AA6E4}">
+                  <adec:decorative xmlns:adec="http://schemas.microsoft.com/office/drawing/2017/decorative" val="1"/>
+                </a:ext>
+              </a:extLst>
+            </p:cNvPr>
+            <p:cNvSpPr/>
+            <p:nvPr>
+              <p:extLst>
+                <p:ext uri="{386F3935-93C4-4BCD-93E2-E3B085C9AB24}">
+                  <p16:designElem xmlns:p16="http://schemas.microsoft.com/office/powerpoint/2015/main" val="1"/>
+                </p:ext>
+              </p:extLst>
+            </p:nvPr>
+          </p:nvSpPr>
+          <p:spPr>
+            <a:xfrm rot="16200000">
+              <a:off x="10435065" y="4048931"/>
+              <a:ext cx="1381607" cy="1381607"/>
+            </a:xfrm>
+            <a:prstGeom prst="ellipse">
+              <a:avLst/>
+            </a:prstGeom>
+            <a:noFill/>
+            <a:ln w="31750">
+              <a:gradFill>
+                <a:gsLst>
+                  <a:gs pos="0">
+                    <a:schemeClr val="tx2">
+                      <a:lumMod val="60000"/>
+                      <a:lumOff val="40000"/>
+                      <a:alpha val="20000"/>
+                    </a:schemeClr>
+                  </a:gs>
+                  <a:gs pos="100000">
+                    <a:schemeClr val="tx2">
+                      <a:lumMod val="50000"/>
+                      <a:alpha val="20000"/>
+                    </a:schemeClr>
+                  </a:gs>
+                </a:gsLst>
+                <a:lin ang="5400000" scaled="1"/>
+              </a:gradFill>
+              <a:prstDash val="sysDot"/>
+            </a:ln>
+          </p:spPr>
+          <p:style>
+            <a:lnRef idx="2">
+              <a:schemeClr val="accent1">
+                <a:shade val="50000"/>
+              </a:schemeClr>
+            </a:lnRef>
+            <a:fillRef idx="1">
+              <a:schemeClr val="accent1"/>
+            </a:fillRef>
+            <a:effectRef idx="0">
+              <a:schemeClr val="accent1"/>
+            </a:effectRef>
+            <a:fontRef idx="minor">
+              <a:schemeClr val="lt1"/>
+            </a:fontRef>
+          </p:style>
+          <p:txBody>
+            <a:bodyPr rtlCol="0" anchor="ctr"/>
+            <a:lstStyle/>
+            <a:p>
+              <a:pPr algn="ctr"/>
+              <a:endParaRPr lang="en-US"/>
+            </a:p>
+          </p:txBody>
+        </p:sp>
+        <p:sp>
+          <p:nvSpPr>
+            <p:cNvPr id="58" name="Oval 57">
+              <a:extLst>
+                <a:ext uri="{FF2B5EF4-FFF2-40B4-BE49-F238E27FC236}">
+                  <a16:creationId xmlns:a16="http://schemas.microsoft.com/office/drawing/2014/main" id="{262D75CA-F374-4878-8106-3EA5E970D633}"/>
+                </a:ext>
+                <a:ext uri="{C183D7F6-B498-43B3-948B-1728B52AA6E4}">
+                  <adec:decorative xmlns:adec="http://schemas.microsoft.com/office/drawing/2017/decorative" val="1"/>
+                </a:ext>
+              </a:extLst>
+            </p:cNvPr>
+            <p:cNvSpPr/>
+            <p:nvPr>
+              <p:extLst>
+                <p:ext uri="{386F3935-93C4-4BCD-93E2-E3B085C9AB24}">
+                  <p16:designElem xmlns:p16="http://schemas.microsoft.com/office/powerpoint/2015/main" val="1"/>
+                </p:ext>
+              </p:extLst>
+            </p:nvPr>
+          </p:nvSpPr>
+          <p:spPr>
+            <a:xfrm rot="16200000">
+              <a:off x="1" y="2075420"/>
+              <a:ext cx="3144364" cy="3144364"/>
+            </a:xfrm>
+            <a:prstGeom prst="ellipse">
+              <a:avLst/>
+            </a:prstGeom>
+            <a:gradFill>
+              <a:gsLst>
+                <a:gs pos="0">
+                  <a:schemeClr val="tx2">
+                    <a:lumMod val="75000"/>
+                    <a:alpha val="20000"/>
+                  </a:schemeClr>
+                </a:gs>
+                <a:gs pos="100000">
+                  <a:schemeClr val="tx2">
+                    <a:lumMod val="50000"/>
+                    <a:alpha val="10000"/>
+                  </a:schemeClr>
+                </a:gs>
+              </a:gsLst>
+              <a:lin ang="5400000" scaled="1"/>
+            </a:gradFill>
+            <a:ln>
+              <a:noFill/>
+            </a:ln>
+          </p:spPr>
+          <p:style>
+            <a:lnRef idx="2">
+              <a:schemeClr val="accent1">
+                <a:shade val="50000"/>
+              </a:schemeClr>
+            </a:lnRef>
+            <a:fillRef idx="1">
+              <a:schemeClr val="accent1"/>
+            </a:fillRef>
+            <a:effectRef idx="0">
+              <a:schemeClr val="accent1"/>
+            </a:effectRef>
+            <a:fontRef idx="minor">
+              <a:schemeClr val="lt1"/>
+            </a:fontRef>
+          </p:style>
+          <p:txBody>
+            <a:bodyPr rtlCol="0" anchor="ctr"/>
+            <a:lstStyle/>
+            <a:p>
+              <a:pPr algn="ctr"/>
+              <a:endParaRPr lang="en-US"/>
+            </a:p>
+          </p:txBody>
+        </p:sp>
+        <p:sp>
+          <p:nvSpPr>
+            <p:cNvPr id="59" name="Oval 58">
+              <a:extLst>
+                <a:ext uri="{FF2B5EF4-FFF2-40B4-BE49-F238E27FC236}">
+                  <a16:creationId xmlns:a16="http://schemas.microsoft.com/office/drawing/2014/main" id="{938667A5-74E3-4EFD-8C45-F48F47427C7D}"/>
+                </a:ext>
+                <a:ext uri="{C183D7F6-B498-43B3-948B-1728B52AA6E4}">
+                  <adec:decorative xmlns:adec="http://schemas.microsoft.com/office/drawing/2017/decorative" val="1"/>
+                </a:ext>
+              </a:extLst>
+            </p:cNvPr>
+            <p:cNvSpPr/>
+            <p:nvPr>
+              <p:extLst>
+                <p:ext uri="{386F3935-93C4-4BCD-93E2-E3B085C9AB24}">
+                  <p16:designElem xmlns:p16="http://schemas.microsoft.com/office/powerpoint/2015/main" val="1"/>
+                </p:ext>
+              </p:extLst>
+            </p:nvPr>
+          </p:nvSpPr>
+          <p:spPr>
+            <a:xfrm rot="12600000">
+              <a:off x="10150845" y="4270841"/>
+              <a:ext cx="1897885" cy="1897885"/>
+            </a:xfrm>
+            <a:prstGeom prst="ellipse">
+              <a:avLst/>
+            </a:prstGeom>
+            <a:gradFill>
+              <a:gsLst>
+                <a:gs pos="0">
+                  <a:schemeClr val="tx2">
+                    <a:lumMod val="75000"/>
+                    <a:alpha val="10000"/>
+                  </a:schemeClr>
+                </a:gs>
+                <a:gs pos="100000">
+                  <a:schemeClr val="tx2">
+                    <a:lumMod val="75000"/>
+                    <a:alpha val="20000"/>
+                  </a:schemeClr>
+                </a:gs>
+              </a:gsLst>
+              <a:lin ang="5400000" scaled="1"/>
+            </a:gradFill>
+            <a:ln>
+              <a:noFill/>
+            </a:ln>
+          </p:spPr>
+          <p:style>
+            <a:lnRef idx="2">
+              <a:schemeClr val="accent1">
+                <a:shade val="50000"/>
+              </a:schemeClr>
+            </a:lnRef>
+            <a:fillRef idx="1">
+              <a:schemeClr val="accent1"/>
+            </a:fillRef>
+            <a:effectRef idx="0">
+              <a:schemeClr val="accent1"/>
+            </a:effectRef>
+            <a:fontRef idx="minor">
+              <a:schemeClr val="lt1"/>
+            </a:fontRef>
+          </p:style>
+          <p:txBody>
+            <a:bodyPr rtlCol="0" anchor="ctr"/>
+            <a:lstStyle/>
+            <a:p>
+              <a:pPr algn="ctr"/>
+              <a:endParaRPr lang="en-US" dirty="0"/>
+            </a:p>
+          </p:txBody>
+        </p:sp>
+        <p:sp>
+          <p:nvSpPr>
+            <p:cNvPr id="60" name="Oval 59">
+              <a:extLst>
+                <a:ext uri="{FF2B5EF4-FFF2-40B4-BE49-F238E27FC236}">
+                  <a16:creationId xmlns:a16="http://schemas.microsoft.com/office/drawing/2014/main" id="{31512EE2-F4CC-4E18-9CDA-B92C11122480}"/>
+                </a:ext>
+                <a:ext uri="{C183D7F6-B498-43B3-948B-1728B52AA6E4}">
+                  <adec:decorative xmlns:adec="http://schemas.microsoft.com/office/drawing/2017/decorative" val="1"/>
+                </a:ext>
+              </a:extLst>
+            </p:cNvPr>
+            <p:cNvSpPr/>
+            <p:nvPr>
+              <p:extLst>
+                <p:ext uri="{386F3935-93C4-4BCD-93E2-E3B085C9AB24}">
+                  <p16:designElem xmlns:p16="http://schemas.microsoft.com/office/powerpoint/2015/main" val="1"/>
+                </p:ext>
+              </p:extLst>
+            </p:nvPr>
+          </p:nvSpPr>
+          <p:spPr>
+            <a:xfrm rot="4500000">
+              <a:off x="2046780" y="3040492"/>
+              <a:ext cx="2579322" cy="2579322"/>
+            </a:xfrm>
+            <a:prstGeom prst="ellipse">
+              <a:avLst/>
+            </a:prstGeom>
+            <a:noFill/>
+            <a:ln w="31750">
+              <a:gradFill>
+                <a:gsLst>
+                  <a:gs pos="0">
+                    <a:schemeClr val="tx2">
+                      <a:lumMod val="60000"/>
+                      <a:lumOff val="40000"/>
+                      <a:alpha val="20000"/>
+                    </a:schemeClr>
+                  </a:gs>
+                  <a:gs pos="100000">
+                    <a:schemeClr val="tx2">
+                      <a:lumMod val="50000"/>
+                      <a:alpha val="20000"/>
+                    </a:schemeClr>
+                  </a:gs>
+                </a:gsLst>
+                <a:lin ang="5400000" scaled="1"/>
+              </a:gradFill>
+              <a:prstDash val="sysDot"/>
+            </a:ln>
+          </p:spPr>
+          <p:style>
+            <a:lnRef idx="2">
+              <a:schemeClr val="accent1">
+                <a:shade val="50000"/>
+              </a:schemeClr>
+            </a:lnRef>
+            <a:fillRef idx="1">
+              <a:schemeClr val="accent1"/>
+            </a:fillRef>
+            <a:effectRef idx="0">
+              <a:schemeClr val="accent1"/>
+            </a:effectRef>
+            <a:fontRef idx="minor">
+              <a:schemeClr val="lt1"/>
+            </a:fontRef>
+          </p:style>
+          <p:txBody>
+            <a:bodyPr rtlCol="0" anchor="ctr"/>
+            <a:lstStyle/>
+            <a:p>
+              <a:pPr algn="ctr"/>
+              <a:endParaRPr lang="en-US"/>
+            </a:p>
+          </p:txBody>
+        </p:sp>
+        <p:sp>
+          <p:nvSpPr>
+            <p:cNvPr id="61" name="Oval 60">
+              <a:extLst>
+                <a:ext uri="{FF2B5EF4-FFF2-40B4-BE49-F238E27FC236}">
+                  <a16:creationId xmlns:a16="http://schemas.microsoft.com/office/drawing/2014/main" id="{B99E503B-9B4D-4EE3-A50F-15AC374F6111}"/>
+                </a:ext>
+                <a:ext uri="{C183D7F6-B498-43B3-948B-1728B52AA6E4}">
+                  <adec:decorative xmlns:adec="http://schemas.microsoft.com/office/drawing/2017/decorative" val="1"/>
+                </a:ext>
+              </a:extLst>
+            </p:cNvPr>
+            <p:cNvSpPr/>
+            <p:nvPr>
+              <p:extLst>
+                <p:ext uri="{386F3935-93C4-4BCD-93E2-E3B085C9AB24}">
+                  <p16:designElem xmlns:p16="http://schemas.microsoft.com/office/powerpoint/2015/main" val="1"/>
+                </p:ext>
+              </p:extLst>
+            </p:nvPr>
+          </p:nvSpPr>
+          <p:spPr>
+            <a:xfrm rot="4500000">
+              <a:off x="2224640" y="3193975"/>
+              <a:ext cx="2243193" cy="2243193"/>
+            </a:xfrm>
+            <a:prstGeom prst="ellipse">
+              <a:avLst/>
+            </a:prstGeom>
+            <a:noFill/>
+            <a:ln w="31750">
+              <a:gradFill>
+                <a:gsLst>
+                  <a:gs pos="0">
+                    <a:schemeClr val="tx2">
+                      <a:lumMod val="60000"/>
+                      <a:lumOff val="40000"/>
+                      <a:alpha val="10000"/>
+                    </a:schemeClr>
+                  </a:gs>
+                  <a:gs pos="100000">
+                    <a:schemeClr val="tx2">
+                      <a:lumMod val="50000"/>
+                      <a:alpha val="10000"/>
+                    </a:schemeClr>
+                  </a:gs>
+                </a:gsLst>
+                <a:lin ang="5400000" scaled="1"/>
+              </a:gradFill>
+            </a:ln>
+          </p:spPr>
+          <p:style>
+            <a:lnRef idx="2">
+              <a:schemeClr val="accent1">
+                <a:shade val="50000"/>
+              </a:schemeClr>
+            </a:lnRef>
+            <a:fillRef idx="1">
+              <a:schemeClr val="accent1"/>
+            </a:fillRef>
+            <a:effectRef idx="0">
+              <a:schemeClr val="accent1"/>
+            </a:effectRef>
+            <a:fontRef idx="minor">
+              <a:schemeClr val="lt1"/>
+            </a:fontRef>
+          </p:style>
+          <p:txBody>
+            <a:bodyPr rtlCol="0" anchor="ctr"/>
+            <a:lstStyle/>
+            <a:p>
+              <a:pPr algn="ctr"/>
+              <a:endParaRPr lang="en-US"/>
+            </a:p>
+          </p:txBody>
+        </p:sp>
+      </p:grpSp>
+      <p:sp>
+        <p:nvSpPr>
+          <p:cNvPr id="418" name="Rectangle 417">
+            <a:extLst>
+              <a:ext uri="{FF2B5EF4-FFF2-40B4-BE49-F238E27FC236}">
+                <a16:creationId xmlns:a16="http://schemas.microsoft.com/office/drawing/2014/main" id="{E2683E3F-F855-4549-84F8-42064EC0F247}"/>
+              </a:ext>
+              <a:ext uri="{C183D7F6-B498-43B3-948B-1728B52AA6E4}">
+                <adec:decorative xmlns:adec="http://schemas.microsoft.com/office/drawing/2017/decorative" val="1"/>
+              </a:ext>
+            </a:extLst>
+          </p:cNvPr>
+          <p:cNvSpPr>
+            <a:spLocks noGrp="1" noRot="1" noChangeAspect="1" noMove="1" noResize="1" noEditPoints="1" noAdjustHandles="1" noChangeArrowheads="1" noChangeShapeType="1" noTextEdit="1"/>
+          </p:cNvSpPr>
+          <p:nvPr>
+            <p:extLst>
+              <p:ext uri="{386F3935-93C4-4BCD-93E2-E3B085C9AB24}">
+                <p16:designElem xmlns:p16="http://schemas.microsoft.com/office/powerpoint/2015/main" val="1"/>
+              </p:ext>
+            </p:extLst>
+          </p:nvPr>
+        </p:nvSpPr>
+        <p:spPr>
+          <a:xfrm rot="16200000">
+            <a:off x="10438146" y="1042605"/>
+            <a:ext cx="2796461" cy="711252"/>
+          </a:xfrm>
+          <a:prstGeom prst="rect">
+            <a:avLst/>
+          </a:prstGeom>
+          <a:gradFill flip="none" rotWithShape="1">
+            <a:gsLst>
+              <a:gs pos="0">
+                <a:schemeClr val="tx2">
+                  <a:lumMod val="40000"/>
+                  <a:lumOff val="60000"/>
+                  <a:alpha val="0"/>
+                </a:schemeClr>
+              </a:gs>
+              <a:gs pos="100000">
+                <a:schemeClr val="tx2">
+                  <a:lumMod val="75000"/>
+                  <a:alpha val="10000"/>
+                </a:schemeClr>
+              </a:gs>
+            </a:gsLst>
+            <a:lin ang="8400000" scaled="0"/>
+            <a:tileRect/>
+          </a:gradFill>
+          <a:ln>
+            <a:noFill/>
+          </a:ln>
+        </p:spPr>
+        <p:style>
+          <a:lnRef idx="2">
+            <a:schemeClr val="accent1">
+              <a:shade val="50000"/>
+            </a:schemeClr>
+          </a:lnRef>
+          <a:fillRef idx="1">
+            <a:schemeClr val="accent1"/>
+          </a:fillRef>
+          <a:effectRef idx="0">
+            <a:schemeClr val="accent1"/>
+          </a:effectRef>
+          <a:fontRef idx="minor">
+            <a:schemeClr val="lt1"/>
+          </a:fontRef>
+        </p:style>
+        <p:txBody>
+          <a:bodyPr rtlCol="0" anchor="ctr"/>
+          <a:lstStyle/>
+          <a:p>
+            <a:pPr algn="ctr"/>
+            <a:endParaRPr lang="en-US"/>
+          </a:p>
+        </p:txBody>
+      </p:sp>
+      <p:grpSp>
+        <p:nvGrpSpPr>
+          <p:cNvPr id="419" name="Group 418">
+            <a:extLst>
+              <a:ext uri="{FF2B5EF4-FFF2-40B4-BE49-F238E27FC236}">
+                <a16:creationId xmlns:a16="http://schemas.microsoft.com/office/drawing/2014/main" id="{8FC90B1E-0223-4440-AF22-8F32F6F0C7D2}"/>
+              </a:ext>
+              <a:ext uri="{C183D7F6-B498-43B3-948B-1728B52AA6E4}">
+                <adec:decorative xmlns:adec="http://schemas.microsoft.com/office/drawing/2017/decorative" val="1"/>
+              </a:ext>
+            </a:extLst>
+          </p:cNvPr>
+          <p:cNvGrpSpPr>
+            <a:grpSpLocks noGrp="1" noUngrp="1" noRot="1" noChangeAspect="1" noMove="1" noResize="1"/>
+          </p:cNvGrpSpPr>
+          <p:nvPr>
+            <p:extLst>
+              <p:ext uri="{386F3935-93C4-4BCD-93E2-E3B085C9AB24}">
+                <p16:designElem xmlns:p16="http://schemas.microsoft.com/office/powerpoint/2015/main" val="1"/>
+              </p:ext>
+            </p:extLst>
+          </p:nvPr>
+        </p:nvGrpSpPr>
+        <p:grpSpPr>
+          <a:xfrm>
+            <a:off x="11259539" y="317578"/>
+            <a:ext cx="548640" cy="549007"/>
+            <a:chOff x="7029447" y="3514725"/>
+            <a:chExt cx="1285875" cy="549007"/>
+          </a:xfrm>
+        </p:grpSpPr>
+        <p:cxnSp>
+          <p:nvCxnSpPr>
+            <p:cNvPr id="66" name="Straight Connector 65">
+              <a:extLst>
+                <a:ext uri="{FF2B5EF4-FFF2-40B4-BE49-F238E27FC236}">
+                  <a16:creationId xmlns:a16="http://schemas.microsoft.com/office/drawing/2014/main" id="{A2D2E879-0004-4D84-8137-1C09334038A1}"/>
+                </a:ext>
+                <a:ext uri="{C183D7F6-B498-43B3-948B-1728B52AA6E4}">
+                  <adec:decorative xmlns:adec="http://schemas.microsoft.com/office/drawing/2017/decorative" val="1"/>
+                </a:ext>
+              </a:extLst>
+            </p:cNvPr>
+            <p:cNvCxnSpPr>
+              <a:cxnSpLocks/>
+            </p:cNvCxnSpPr>
+            <p:nvPr>
+              <p:extLst>
+                <p:ext uri="{386F3935-93C4-4BCD-93E2-E3B085C9AB24}">
+                  <p16:designElem xmlns:p16="http://schemas.microsoft.com/office/powerpoint/2015/main" val="1"/>
+                </p:ext>
+              </p:extLst>
+            </p:nvPr>
+          </p:nvCxnSpPr>
+          <p:spPr>
+            <a:xfrm>
+              <a:off x="7029447" y="3514725"/>
+              <a:ext cx="1285875" cy="0"/>
+            </a:xfrm>
+            <a:prstGeom prst="line">
+              <a:avLst/>
+            </a:prstGeom>
+            <a:ln w="31750" cap="rnd" cmpd="sng">
+              <a:gradFill>
+                <a:gsLst>
+                  <a:gs pos="0">
+                    <a:schemeClr val="tx2">
+                      <a:lumMod val="60000"/>
+                      <a:lumOff val="40000"/>
+                      <a:alpha val="40000"/>
+                    </a:schemeClr>
+                  </a:gs>
+                  <a:gs pos="100000">
+                    <a:schemeClr val="tx2">
+                      <a:lumMod val="75000"/>
+                      <a:alpha val="40000"/>
+                    </a:schemeClr>
+                  </a:gs>
+                </a:gsLst>
+                <a:lin ang="5400000" scaled="1"/>
+              </a:gradFill>
+              <a:prstDash val="sysDot"/>
+              <a:round/>
+            </a:ln>
+          </p:spPr>
+          <p:style>
+            <a:lnRef idx="1">
+              <a:schemeClr val="accent1"/>
+            </a:lnRef>
+            <a:fillRef idx="0">
+              <a:schemeClr val="accent1"/>
+            </a:fillRef>
+            <a:effectRef idx="0">
+              <a:schemeClr val="accent1"/>
+            </a:effectRef>
+            <a:fontRef idx="minor">
+              <a:schemeClr val="tx1"/>
+            </a:fontRef>
+          </p:style>
+        </p:cxnSp>
+        <p:cxnSp>
+          <p:nvCxnSpPr>
+            <p:cNvPr id="67" name="Straight Connector 66">
+              <a:extLst>
+                <a:ext uri="{FF2B5EF4-FFF2-40B4-BE49-F238E27FC236}">
+                  <a16:creationId xmlns:a16="http://schemas.microsoft.com/office/drawing/2014/main" id="{43BE75A2-0D83-4F8E-84CC-D3BCD565B1B1}"/>
+                </a:ext>
+                <a:ext uri="{C183D7F6-B498-43B3-948B-1728B52AA6E4}">
+                  <adec:decorative xmlns:adec="http://schemas.microsoft.com/office/drawing/2017/decorative" val="1"/>
+                </a:ext>
+              </a:extLst>
+            </p:cNvPr>
+            <p:cNvCxnSpPr>
+              <a:cxnSpLocks/>
+            </p:cNvCxnSpPr>
+            <p:nvPr>
+              <p:extLst>
+                <p:ext uri="{386F3935-93C4-4BCD-93E2-E3B085C9AB24}">
+                  <p16:designElem xmlns:p16="http://schemas.microsoft.com/office/powerpoint/2015/main" val="1"/>
+                </p:ext>
+              </p:extLst>
+            </p:nvPr>
+          </p:nvCxnSpPr>
+          <p:spPr>
+            <a:xfrm>
+              <a:off x="7029447" y="3697727"/>
+              <a:ext cx="1285875" cy="0"/>
+            </a:xfrm>
+            <a:prstGeom prst="line">
+              <a:avLst/>
+            </a:prstGeom>
+            <a:ln w="31750" cap="rnd" cmpd="sng">
+              <a:gradFill>
+                <a:gsLst>
+                  <a:gs pos="0">
+                    <a:schemeClr val="tx2">
+                      <a:lumMod val="60000"/>
+                      <a:lumOff val="40000"/>
+                      <a:alpha val="40000"/>
+                    </a:schemeClr>
+                  </a:gs>
+                  <a:gs pos="100000">
+                    <a:schemeClr val="tx2">
+                      <a:lumMod val="75000"/>
+                      <a:alpha val="40000"/>
+                    </a:schemeClr>
+                  </a:gs>
+                </a:gsLst>
+                <a:lin ang="5400000" scaled="1"/>
+              </a:gradFill>
+              <a:prstDash val="sysDot"/>
+              <a:round/>
+            </a:ln>
+          </p:spPr>
+          <p:style>
+            <a:lnRef idx="1">
+              <a:schemeClr val="accent1"/>
+            </a:lnRef>
+            <a:fillRef idx="0">
+              <a:schemeClr val="accent1"/>
+            </a:fillRef>
+            <a:effectRef idx="0">
+              <a:schemeClr val="accent1"/>
+            </a:effectRef>
+            <a:fontRef idx="minor">
+              <a:schemeClr val="tx1"/>
+            </a:fontRef>
+          </p:style>
+        </p:cxnSp>
+        <p:cxnSp>
+          <p:nvCxnSpPr>
+            <p:cNvPr id="68" name="Straight Connector 67">
+              <a:extLst>
+                <a:ext uri="{FF2B5EF4-FFF2-40B4-BE49-F238E27FC236}">
+                  <a16:creationId xmlns:a16="http://schemas.microsoft.com/office/drawing/2014/main" id="{E90F7F49-1039-49EF-A9BD-153DB590B68A}"/>
+                </a:ext>
+                <a:ext uri="{C183D7F6-B498-43B3-948B-1728B52AA6E4}">
+                  <adec:decorative xmlns:adec="http://schemas.microsoft.com/office/drawing/2017/decorative" val="1"/>
+                </a:ext>
+              </a:extLst>
+            </p:cNvPr>
+            <p:cNvCxnSpPr>
+              <a:cxnSpLocks/>
+            </p:cNvCxnSpPr>
+            <p:nvPr>
+              <p:extLst>
+                <p:ext uri="{386F3935-93C4-4BCD-93E2-E3B085C9AB24}">
+                  <p16:designElem xmlns:p16="http://schemas.microsoft.com/office/powerpoint/2015/main" val="1"/>
+                </p:ext>
+              </p:extLst>
+            </p:nvPr>
+          </p:nvCxnSpPr>
+          <p:spPr>
+            <a:xfrm>
+              <a:off x="7029447" y="3880729"/>
+              <a:ext cx="1285875" cy="0"/>
+            </a:xfrm>
+            <a:prstGeom prst="line">
+              <a:avLst/>
+            </a:prstGeom>
+            <a:ln w="31750" cap="rnd" cmpd="sng">
+              <a:gradFill>
+                <a:gsLst>
+                  <a:gs pos="0">
+                    <a:schemeClr val="tx2">
+                      <a:lumMod val="60000"/>
+                      <a:lumOff val="40000"/>
+                      <a:alpha val="40000"/>
+                    </a:schemeClr>
+                  </a:gs>
+                  <a:gs pos="100000">
+                    <a:schemeClr val="tx2">
+                      <a:lumMod val="75000"/>
+                      <a:alpha val="40000"/>
+                    </a:schemeClr>
+                  </a:gs>
+                </a:gsLst>
+                <a:lin ang="5400000" scaled="1"/>
+              </a:gradFill>
+              <a:prstDash val="sysDot"/>
+              <a:round/>
+            </a:ln>
+          </p:spPr>
+          <p:style>
+            <a:lnRef idx="1">
+              <a:schemeClr val="accent1"/>
+            </a:lnRef>
+            <a:fillRef idx="0">
+              <a:schemeClr val="accent1"/>
+            </a:fillRef>
+            <a:effectRef idx="0">
+              <a:schemeClr val="accent1"/>
+            </a:effectRef>
+            <a:fontRef idx="minor">
+              <a:schemeClr val="tx1"/>
+            </a:fontRef>
+          </p:style>
+        </p:cxnSp>
+        <p:cxnSp>
+          <p:nvCxnSpPr>
+            <p:cNvPr id="69" name="Straight Connector 68">
+              <a:extLst>
+                <a:ext uri="{FF2B5EF4-FFF2-40B4-BE49-F238E27FC236}">
+                  <a16:creationId xmlns:a16="http://schemas.microsoft.com/office/drawing/2014/main" id="{9E85F508-9EA4-4B4D-8171-648670650E9A}"/>
+                </a:ext>
+                <a:ext uri="{C183D7F6-B498-43B3-948B-1728B52AA6E4}">
+                  <adec:decorative xmlns:adec="http://schemas.microsoft.com/office/drawing/2017/decorative" val="1"/>
+                </a:ext>
+              </a:extLst>
+            </p:cNvPr>
+            <p:cNvCxnSpPr>
+              <a:cxnSpLocks/>
+            </p:cNvCxnSpPr>
+            <p:nvPr>
+              <p:extLst>
+                <p:ext uri="{386F3935-93C4-4BCD-93E2-E3B085C9AB24}">
+                  <p16:designElem xmlns:p16="http://schemas.microsoft.com/office/powerpoint/2015/main" val="1"/>
+                </p:ext>
+              </p:extLst>
+            </p:nvPr>
+          </p:nvCxnSpPr>
+          <p:spPr>
+            <a:xfrm>
+              <a:off x="7029447" y="4063732"/>
+              <a:ext cx="1285875" cy="0"/>
+            </a:xfrm>
+            <a:prstGeom prst="line">
+              <a:avLst/>
+            </a:prstGeom>
+            <a:ln w="31750" cap="rnd" cmpd="sng">
+              <a:gradFill>
+                <a:gsLst>
+                  <a:gs pos="0">
+                    <a:schemeClr val="tx2">
+                      <a:lumMod val="60000"/>
+                      <a:lumOff val="40000"/>
+                      <a:alpha val="40000"/>
+                    </a:schemeClr>
+                  </a:gs>
+                  <a:gs pos="100000">
+                    <a:schemeClr val="tx2">
+                      <a:lumMod val="75000"/>
+                      <a:alpha val="40000"/>
+                    </a:schemeClr>
+                  </a:gs>
+                </a:gsLst>
+                <a:lin ang="5400000" scaled="1"/>
+              </a:gradFill>
+              <a:prstDash val="sysDot"/>
+              <a:round/>
+            </a:ln>
+          </p:spPr>
+          <p:style>
+            <a:lnRef idx="1">
+              <a:schemeClr val="accent1"/>
+            </a:lnRef>
+            <a:fillRef idx="0">
+              <a:schemeClr val="accent1"/>
+            </a:fillRef>
+            <a:effectRef idx="0">
+              <a:schemeClr val="accent1"/>
+            </a:effectRef>
+            <a:fontRef idx="minor">
+              <a:schemeClr val="tx1"/>
+            </a:fontRef>
+          </p:style>
+        </p:cxnSp>
+      </p:grpSp>
+      <p:sp>
+        <p:nvSpPr>
+          <p:cNvPr id="420" name="Rectangle 419">
+            <a:extLst>
+              <a:ext uri="{FF2B5EF4-FFF2-40B4-BE49-F238E27FC236}">
+                <a16:creationId xmlns:a16="http://schemas.microsoft.com/office/drawing/2014/main" id="{832F3179-0CD5-40C8-9939-D8355006F7BA}"/>
+              </a:ext>
+              <a:ext uri="{C183D7F6-B498-43B3-948B-1728B52AA6E4}">
+                <adec:decorative xmlns:adec="http://schemas.microsoft.com/office/drawing/2017/decorative" val="1"/>
+              </a:ext>
+            </a:extLst>
+          </p:cNvPr>
+          <p:cNvSpPr>
+            <a:spLocks noGrp="1" noRot="1" noChangeAspect="1" noMove="1" noResize="1" noEditPoints="1" noAdjustHandles="1" noChangeArrowheads="1" noChangeShapeType="1" noTextEdit="1"/>
+          </p:cNvSpPr>
+          <p:nvPr>
+            <p:extLst>
+              <p:ext uri="{386F3935-93C4-4BCD-93E2-E3B085C9AB24}">
+                <p16:designElem xmlns:p16="http://schemas.microsoft.com/office/powerpoint/2015/main" val="1"/>
+              </p:ext>
+            </p:extLst>
+          </p:nvPr>
+        </p:nvSpPr>
+        <p:spPr>
+          <a:xfrm rot="10800000">
+            <a:off x="-1" y="6140785"/>
+            <a:ext cx="6095997" cy="711252"/>
+          </a:xfrm>
+          <a:prstGeom prst="rect">
+            <a:avLst/>
+          </a:prstGeom>
+          <a:gradFill flip="none" rotWithShape="1">
+            <a:gsLst>
+              <a:gs pos="10000">
+                <a:schemeClr val="tx2">
+                  <a:lumMod val="50000"/>
+                  <a:alpha val="10000"/>
+                </a:schemeClr>
+              </a:gs>
+              <a:gs pos="100000">
+                <a:schemeClr val="tx2">
+                  <a:lumMod val="60000"/>
+                  <a:lumOff val="40000"/>
+                  <a:alpha val="0"/>
+                </a:schemeClr>
+              </a:gs>
+            </a:gsLst>
+            <a:lin ang="8400000" scaled="0"/>
+            <a:tileRect/>
+          </a:gradFill>
+          <a:ln>
+            <a:noFill/>
+          </a:ln>
+        </p:spPr>
+        <p:style>
+          <a:lnRef idx="2">
+            <a:schemeClr val="accent1">
+              <a:shade val="50000"/>
+            </a:schemeClr>
+          </a:lnRef>
+          <a:fillRef idx="1">
+            <a:schemeClr val="accent1"/>
+          </a:fillRef>
+          <a:effectRef idx="0">
+            <a:schemeClr val="accent1"/>
+          </a:effectRef>
+          <a:fontRef idx="minor">
+            <a:schemeClr val="lt1"/>
+          </a:fontRef>
+        </p:style>
+        <p:txBody>
+          <a:bodyPr rtlCol="0" anchor="ctr"/>
+          <a:lstStyle/>
+          <a:p>
+            <a:pPr algn="ctr"/>
+            <a:endParaRPr lang="en-US"/>
+          </a:p>
+        </p:txBody>
+      </p:sp>
+      <p:grpSp>
+        <p:nvGrpSpPr>
+          <p:cNvPr id="421" name="Group 420">
+            <a:extLst>
+              <a:ext uri="{FF2B5EF4-FFF2-40B4-BE49-F238E27FC236}">
+                <a16:creationId xmlns:a16="http://schemas.microsoft.com/office/drawing/2014/main" id="{11CE155D-684B-4F5E-B835-C52765E310E7}"/>
+              </a:ext>
+              <a:ext uri="{C183D7F6-B498-43B3-948B-1728B52AA6E4}">
+                <adec:decorative xmlns:adec="http://schemas.microsoft.com/office/drawing/2017/decorative" val="1"/>
+              </a:ext>
+            </a:extLst>
+          </p:cNvPr>
+          <p:cNvGrpSpPr>
+            <a:grpSpLocks noGrp="1" noUngrp="1" noRot="1" noChangeAspect="1" noMove="1" noResize="1"/>
+          </p:cNvGrpSpPr>
+          <p:nvPr>
+            <p:extLst>
+              <p:ext uri="{386F3935-93C4-4BCD-93E2-E3B085C9AB24}">
+                <p16:designElem xmlns:p16="http://schemas.microsoft.com/office/powerpoint/2015/main" val="1"/>
+              </p:ext>
+            </p:extLst>
+          </p:nvPr>
+        </p:nvGrpSpPr>
+        <p:grpSpPr>
+          <a:xfrm rot="5400000">
+            <a:off x="616345" y="5940560"/>
+            <a:ext cx="1285875" cy="549007"/>
+            <a:chOff x="7029447" y="3514725"/>
+            <a:chExt cx="1285875" cy="549007"/>
+          </a:xfrm>
+        </p:grpSpPr>
+        <p:cxnSp>
+          <p:nvCxnSpPr>
+            <p:cNvPr id="74" name="Straight Connector 73">
+              <a:extLst>
+                <a:ext uri="{FF2B5EF4-FFF2-40B4-BE49-F238E27FC236}">
+                  <a16:creationId xmlns:a16="http://schemas.microsoft.com/office/drawing/2014/main" id="{04F84AF8-E1A7-41D4-A102-8F87CAE37EE7}"/>
+                </a:ext>
+                <a:ext uri="{C183D7F6-B498-43B3-948B-1728B52AA6E4}">
+                  <adec:decorative xmlns:adec="http://schemas.microsoft.com/office/drawing/2017/decorative" val="1"/>
+                </a:ext>
+              </a:extLst>
+            </p:cNvPr>
+            <p:cNvCxnSpPr>
+              <a:cxnSpLocks/>
+            </p:cNvCxnSpPr>
+            <p:nvPr>
+              <p:extLst>
+                <p:ext uri="{386F3935-93C4-4BCD-93E2-E3B085C9AB24}">
+                  <p16:designElem xmlns:p16="http://schemas.microsoft.com/office/powerpoint/2015/main" val="1"/>
+                </p:ext>
+              </p:extLst>
+            </p:nvPr>
+          </p:nvCxnSpPr>
+          <p:spPr>
+            <a:xfrm>
+              <a:off x="7029447" y="3514725"/>
+              <a:ext cx="1285875" cy="0"/>
+            </a:xfrm>
+            <a:prstGeom prst="line">
+              <a:avLst/>
+            </a:prstGeom>
+            <a:ln w="31750" cap="rnd" cmpd="sng">
+              <a:gradFill>
+                <a:gsLst>
+                  <a:gs pos="0">
+                    <a:schemeClr val="tx2">
+                      <a:lumMod val="60000"/>
+                      <a:lumOff val="40000"/>
+                      <a:alpha val="40000"/>
+                    </a:schemeClr>
+                  </a:gs>
+                  <a:gs pos="100000">
+                    <a:schemeClr val="tx2">
+                      <a:lumMod val="50000"/>
+                      <a:alpha val="40000"/>
+                    </a:schemeClr>
+                  </a:gs>
+                </a:gsLst>
+                <a:lin ang="5400000" scaled="1"/>
+              </a:gradFill>
+              <a:prstDash val="sysDot"/>
+              <a:round/>
+            </a:ln>
+          </p:spPr>
+          <p:style>
+            <a:lnRef idx="1">
+              <a:schemeClr val="accent1"/>
+            </a:lnRef>
+            <a:fillRef idx="0">
+              <a:schemeClr val="accent1"/>
+            </a:fillRef>
+            <a:effectRef idx="0">
+              <a:schemeClr val="accent1"/>
+            </a:effectRef>
+            <a:fontRef idx="minor">
+              <a:schemeClr val="tx1"/>
+            </a:fontRef>
+          </p:style>
+        </p:cxnSp>
+        <p:cxnSp>
+          <p:nvCxnSpPr>
+            <p:cNvPr id="75" name="Straight Connector 74">
+              <a:extLst>
+                <a:ext uri="{FF2B5EF4-FFF2-40B4-BE49-F238E27FC236}">
+                  <a16:creationId xmlns:a16="http://schemas.microsoft.com/office/drawing/2014/main" id="{4ED126F1-DB23-4314-B6C7-FE89E3C581AB}"/>
+                </a:ext>
+                <a:ext uri="{C183D7F6-B498-43B3-948B-1728B52AA6E4}">
+                  <adec:decorative xmlns:adec="http://schemas.microsoft.com/office/drawing/2017/decorative" val="1"/>
+                </a:ext>
+              </a:extLst>
+            </p:cNvPr>
+            <p:cNvCxnSpPr>
+              <a:cxnSpLocks/>
+            </p:cNvCxnSpPr>
+            <p:nvPr>
+              <p:extLst>
+                <p:ext uri="{386F3935-93C4-4BCD-93E2-E3B085C9AB24}">
+                  <p16:designElem xmlns:p16="http://schemas.microsoft.com/office/powerpoint/2015/main" val="1"/>
+                </p:ext>
+              </p:extLst>
+            </p:nvPr>
+          </p:nvCxnSpPr>
+          <p:spPr>
+            <a:xfrm>
+              <a:off x="7029447" y="3697727"/>
+              <a:ext cx="1285875" cy="0"/>
+            </a:xfrm>
+            <a:prstGeom prst="line">
+              <a:avLst/>
+            </a:prstGeom>
+            <a:ln w="31750" cap="rnd" cmpd="sng">
+              <a:gradFill>
+                <a:gsLst>
+                  <a:gs pos="0">
+                    <a:schemeClr val="tx2">
+                      <a:lumMod val="60000"/>
+                      <a:lumOff val="40000"/>
+                      <a:alpha val="40000"/>
+                    </a:schemeClr>
+                  </a:gs>
+                  <a:gs pos="100000">
+                    <a:schemeClr val="tx2">
+                      <a:lumMod val="50000"/>
+                      <a:alpha val="40000"/>
+                    </a:schemeClr>
+                  </a:gs>
+                </a:gsLst>
+                <a:lin ang="5400000" scaled="1"/>
+              </a:gradFill>
+              <a:prstDash val="sysDot"/>
+              <a:round/>
+            </a:ln>
+          </p:spPr>
+          <p:style>
+            <a:lnRef idx="1">
+              <a:schemeClr val="accent1"/>
+            </a:lnRef>
+            <a:fillRef idx="0">
+              <a:schemeClr val="accent1"/>
+            </a:fillRef>
+            <a:effectRef idx="0">
+              <a:schemeClr val="accent1"/>
+            </a:effectRef>
+            <a:fontRef idx="minor">
+              <a:schemeClr val="tx1"/>
+            </a:fontRef>
+          </p:style>
+        </p:cxnSp>
+        <p:cxnSp>
+          <p:nvCxnSpPr>
+            <p:cNvPr id="76" name="Straight Connector 75">
+              <a:extLst>
+                <a:ext uri="{FF2B5EF4-FFF2-40B4-BE49-F238E27FC236}">
+                  <a16:creationId xmlns:a16="http://schemas.microsoft.com/office/drawing/2014/main" id="{8ACB2B6F-8883-4A00-88DD-98CDDD46B8A6}"/>
+                </a:ext>
+                <a:ext uri="{C183D7F6-B498-43B3-948B-1728B52AA6E4}">
+                  <adec:decorative xmlns:adec="http://schemas.microsoft.com/office/drawing/2017/decorative" val="1"/>
+                </a:ext>
+              </a:extLst>
+            </p:cNvPr>
+            <p:cNvCxnSpPr>
+              <a:cxnSpLocks/>
+            </p:cNvCxnSpPr>
+            <p:nvPr>
+              <p:extLst>
+                <p:ext uri="{386F3935-93C4-4BCD-93E2-E3B085C9AB24}">
+                  <p16:designElem xmlns:p16="http://schemas.microsoft.com/office/powerpoint/2015/main" val="1"/>
+                </p:ext>
+              </p:extLst>
+            </p:nvPr>
+          </p:nvCxnSpPr>
+          <p:spPr>
+            <a:xfrm>
+              <a:off x="7029447" y="3880729"/>
+              <a:ext cx="1285875" cy="0"/>
+            </a:xfrm>
+            <a:prstGeom prst="line">
+              <a:avLst/>
+            </a:prstGeom>
+            <a:ln w="31750" cap="rnd" cmpd="sng">
+              <a:gradFill>
+                <a:gsLst>
+                  <a:gs pos="0">
+                    <a:schemeClr val="tx2">
+                      <a:lumMod val="60000"/>
+                      <a:lumOff val="40000"/>
+                      <a:alpha val="40000"/>
+                    </a:schemeClr>
+                  </a:gs>
+                  <a:gs pos="100000">
+                    <a:schemeClr val="tx2">
+                      <a:lumMod val="50000"/>
+                      <a:alpha val="40000"/>
+                    </a:schemeClr>
+                  </a:gs>
+                </a:gsLst>
+                <a:lin ang="5400000" scaled="1"/>
+              </a:gradFill>
+              <a:prstDash val="sysDot"/>
+              <a:round/>
+            </a:ln>
+          </p:spPr>
+          <p:style>
+            <a:lnRef idx="1">
+              <a:schemeClr val="accent1"/>
+            </a:lnRef>
+            <a:fillRef idx="0">
+              <a:schemeClr val="accent1"/>
+            </a:fillRef>
+            <a:effectRef idx="0">
+              <a:schemeClr val="accent1"/>
+            </a:effectRef>
+            <a:fontRef idx="minor">
+              <a:schemeClr val="tx1"/>
+            </a:fontRef>
+          </p:style>
+        </p:cxnSp>
+        <p:cxnSp>
+          <p:nvCxnSpPr>
+            <p:cNvPr id="77" name="Straight Connector 76">
+              <a:extLst>
+                <a:ext uri="{FF2B5EF4-FFF2-40B4-BE49-F238E27FC236}">
+                  <a16:creationId xmlns:a16="http://schemas.microsoft.com/office/drawing/2014/main" id="{3B9A2180-808A-4423-BB2B-6464B290007A}"/>
+                </a:ext>
+                <a:ext uri="{C183D7F6-B498-43B3-948B-1728B52AA6E4}">
+                  <adec:decorative xmlns:adec="http://schemas.microsoft.com/office/drawing/2017/decorative" val="1"/>
+                </a:ext>
+              </a:extLst>
+            </p:cNvPr>
+            <p:cNvCxnSpPr>
+              <a:cxnSpLocks/>
+            </p:cNvCxnSpPr>
+            <p:nvPr>
+              <p:extLst>
+                <p:ext uri="{386F3935-93C4-4BCD-93E2-E3B085C9AB24}">
+                  <p16:designElem xmlns:p16="http://schemas.microsoft.com/office/powerpoint/2015/main" val="1"/>
+                </p:ext>
+              </p:extLst>
+            </p:nvPr>
+          </p:nvCxnSpPr>
+          <p:spPr>
+            <a:xfrm>
+              <a:off x="7029447" y="4063732"/>
+              <a:ext cx="1285875" cy="0"/>
+            </a:xfrm>
+            <a:prstGeom prst="line">
+              <a:avLst/>
+            </a:prstGeom>
+            <a:ln w="31750" cap="rnd" cmpd="sng">
+              <a:gradFill>
+                <a:gsLst>
+                  <a:gs pos="0">
+                    <a:schemeClr val="tx2">
+                      <a:lumMod val="60000"/>
+                      <a:lumOff val="40000"/>
+                      <a:alpha val="40000"/>
+                    </a:schemeClr>
+                  </a:gs>
+                  <a:gs pos="100000">
+                    <a:schemeClr val="tx2">
+                      <a:lumMod val="50000"/>
+                      <a:alpha val="40000"/>
+                    </a:schemeClr>
+                  </a:gs>
+                </a:gsLst>
+                <a:lin ang="5400000" scaled="1"/>
+              </a:gradFill>
+              <a:prstDash val="sysDot"/>
+              <a:round/>
+            </a:ln>
+          </p:spPr>
+          <p:style>
+            <a:lnRef idx="1">
+              <a:schemeClr val="accent1"/>
+            </a:lnRef>
+            <a:fillRef idx="0">
+              <a:schemeClr val="accent1"/>
+            </a:fillRef>
+            <a:effectRef idx="0">
+              <a:schemeClr val="accent1"/>
+            </a:effectRef>
+            <a:fontRef idx="minor">
+              <a:schemeClr val="tx1"/>
+            </a:fontRef>
+          </p:style>
+        </p:cxnSp>
+      </p:grpSp>
+      <p:pic>
+        <p:nvPicPr>
+          <p:cNvPr id="9" name="Graphic 8" descr="Smiling Face with No Fill">
+            <a:extLst>
+              <a:ext uri="{FF2B5EF4-FFF2-40B4-BE49-F238E27FC236}">
+                <a16:creationId xmlns:a16="http://schemas.microsoft.com/office/drawing/2014/main" id="{B1DCD293-5179-FF5E-E966-F28B3D01795E}"/>
+              </a:ext>
+            </a:extLst>
+          </p:cNvPr>
+          <p:cNvPicPr>
+            <a:picLocks noChangeAspect="1"/>
+          </p:cNvPicPr>
+          <p:nvPr/>
+        </p:nvPicPr>
+        <p:blipFill>
+          <a:blip r:embed="rId2">
+            <a:duotone>
+              <a:prstClr val="black"/>
+              <a:schemeClr val="bg1">
+                <a:tint val="45000"/>
+                <a:satMod val="400000"/>
+              </a:schemeClr>
+            </a:duotone>
+            <a:alphaModFix amt="25000"/>
+            <a:extLst>
+              <a:ext uri="{28A0092B-C50C-407E-A947-70E740481C1C}">
+                <a14:useLocalDpi xmlns:a14="http://schemas.microsoft.com/office/drawing/2010/main" val="0"/>
+              </a:ext>
+              <a:ext uri="{96DAC541-7B7A-43D3-8B79-37D633B846F1}">
+                <asvg:svgBlip xmlns:asvg="http://schemas.microsoft.com/office/drawing/2016/SVG/main" r:embed="rId3"/>
+              </a:ext>
+            </a:extLst>
+          </a:blip>
+          <a:stretch>
+            <a:fillRect/>
+          </a:stretch>
+        </p:blipFill>
+        <p:spPr>
+          <a:xfrm>
+            <a:off x="3121386" y="29548"/>
+            <a:ext cx="6013845" cy="6013845"/>
+          </a:xfrm>
+          <a:prstGeom prst="rect">
+            <a:avLst/>
+          </a:prstGeom>
+        </p:spPr>
+      </p:pic>
+      <p:sp>
+        <p:nvSpPr>
+          <p:cNvPr id="5" name="Title 4">
+            <a:extLst>
+              <a:ext uri="{FF2B5EF4-FFF2-40B4-BE49-F238E27FC236}">
+                <a16:creationId xmlns:a16="http://schemas.microsoft.com/office/drawing/2014/main" id="{5D2782A5-CEBE-2823-A89D-ABAD1BC16D9A}"/>
+              </a:ext>
+            </a:extLst>
+          </p:cNvPr>
+          <p:cNvSpPr>
+            <a:spLocks noGrp="1"/>
+          </p:cNvSpPr>
+          <p:nvPr>
+            <p:ph type="title"/>
+          </p:nvPr>
+        </p:nvSpPr>
+        <p:spPr>
+          <a:xfrm>
+            <a:off x="2463844" y="4219088"/>
+            <a:ext cx="7315200" cy="2702018"/>
+          </a:xfrm>
+          <a:noFill/>
+        </p:spPr>
+        <p:txBody>
+          <a:bodyPr vert="horz" lIns="91440" tIns="45720" rIns="91440" bIns="45720" rtlCol="0" anchor="b">
+            <a:normAutofit/>
+          </a:bodyPr>
+          <a:lstStyle/>
+          <a:p>
+            <a:pPr marL="285750" indent="-285750" algn="ctr"/>
+            <a:r>
+              <a:rPr lang="en-US" sz="4800" kern="1200">
+                <a:solidFill>
+                  <a:schemeClr val="bg1"/>
+                </a:solidFill>
+                <a:latin typeface="+mj-lt"/>
+                <a:ea typeface="+mj-ea"/>
+                <a:cs typeface="+mj-cs"/>
+              </a:rPr>
+              <a:t>Спасибо за внимание</a:t>
+            </a:r>
+          </a:p>
+          <a:p>
+            <a:pPr algn="ctr"/>
+            <a:endParaRPr lang="en-US" sz="4800" kern="1200">
+              <a:solidFill>
+                <a:schemeClr val="bg1"/>
+              </a:solidFill>
+              <a:latin typeface="+mj-lt"/>
+              <a:ea typeface="+mj-ea"/>
+              <a:cs typeface="+mj-cs"/>
+            </a:endParaRPr>
+          </a:p>
+        </p:txBody>
+      </p:sp>
+    </p:spTree>
+    <p:extLst>
+      <p:ext uri="{BB962C8B-B14F-4D97-AF65-F5344CB8AC3E}">
+        <p14:creationId xmlns:p14="http://schemas.microsoft.com/office/powerpoint/2010/main" val="4072501499"/>
       </p:ext>
     </p:extLst>
   </p:cSld>
